--- a/powerpoint/Portfolio_v3.pptx
+++ b/powerpoint/Portfolio_v3.pptx
@@ -5,19 +5,21 @@
     <p:sldMasterId id="2147483648" r:id="rId1"/>
   </p:sldMasterIdLst>
   <p:notesMasterIdLst>
-    <p:notesMasterId r:id="rId12"/>
+    <p:notesMasterId r:id="rId14"/>
   </p:notesMasterIdLst>
   <p:sldIdLst>
     <p:sldId id="260" r:id="rId2"/>
     <p:sldId id="256" r:id="rId3"/>
     <p:sldId id="257" r:id="rId4"/>
-    <p:sldId id="261" r:id="rId5"/>
-    <p:sldId id="258" r:id="rId6"/>
-    <p:sldId id="259" r:id="rId7"/>
-    <p:sldId id="262" r:id="rId8"/>
-    <p:sldId id="263" r:id="rId9"/>
-    <p:sldId id="265" r:id="rId10"/>
-    <p:sldId id="266" r:id="rId11"/>
+    <p:sldId id="266" r:id="rId5"/>
+    <p:sldId id="261" r:id="rId6"/>
+    <p:sldId id="258" r:id="rId7"/>
+    <p:sldId id="259" r:id="rId8"/>
+    <p:sldId id="262" r:id="rId9"/>
+    <p:sldId id="263" r:id="rId10"/>
+    <p:sldId id="265" r:id="rId11"/>
+    <p:sldId id="267" r:id="rId12"/>
+    <p:sldId id="268" r:id="rId13"/>
   </p:sldIdLst>
   <p:sldSz cx="12192000" cy="6858000"/>
   <p:notesSz cx="6858000" cy="9144000"/>
@@ -127,13 +129,403 @@
 <file path=ppt/revisionInfo.xml><?xml version="1.0" encoding="utf-8"?>
 <p1510:revInfo xmlns:a="http://schemas.openxmlformats.org/drawingml/2006/main" xmlns:r="http://schemas.openxmlformats.org/officeDocument/2006/relationships" xmlns:p1510="http://schemas.microsoft.com/office/powerpoint/2015/10/main">
   <p1510:revLst>
-    <p1510:client id="{EBE34D05-DC0C-418C-938B-51924734D208}" v="71" dt="2023-09-25T09:38:26.939"/>
+    <p1510:client id="{AED149C2-7292-4368-BD84-19609FBE0C94}" v="11" dt="2023-10-06T09:16:34.603"/>
   </p1510:revLst>
 </p1510:revInfo>
 </file>
 
 <file path=ppt/changesInfos/changesInfo1.xml><?xml version="1.0" encoding="utf-8"?>
 <pc:chgInfo xmlns:a="http://schemas.openxmlformats.org/drawingml/2006/main" xmlns:r="http://schemas.openxmlformats.org/officeDocument/2006/relationships" xmlns:ac="http://schemas.microsoft.com/office/drawing/2013/main/command" xmlns:pc="http://schemas.microsoft.com/office/powerpoint/2013/main/command">
+  <pc:docChgLst>
+    <pc:chgData name="Haferkorn, Sören Hinnerk" userId="e81fb504-c6b0-4547-9eb9-4b605932b7ba" providerId="ADAL" clId="{AED149C2-7292-4368-BD84-19609FBE0C94}"/>
+    <pc:docChg chg="custSel addSld modSld sldOrd">
+      <pc:chgData name="Haferkorn, Sören Hinnerk" userId="e81fb504-c6b0-4547-9eb9-4b605932b7ba" providerId="ADAL" clId="{AED149C2-7292-4368-BD84-19609FBE0C94}" dt="2023-10-06T09:16:38.583" v="772" actId="20577"/>
+      <pc:docMkLst>
+        <pc:docMk/>
+      </pc:docMkLst>
+      <pc:sldChg chg="modSp mod ord">
+        <pc:chgData name="Haferkorn, Sören Hinnerk" userId="e81fb504-c6b0-4547-9eb9-4b605932b7ba" providerId="ADAL" clId="{AED149C2-7292-4368-BD84-19609FBE0C94}" dt="2023-10-05T07:47:04.675" v="95"/>
+        <pc:sldMkLst>
+          <pc:docMk/>
+          <pc:sldMk cId="3384507258" sldId="266"/>
+        </pc:sldMkLst>
+        <pc:spChg chg="mod">
+          <ac:chgData name="Haferkorn, Sören Hinnerk" userId="e81fb504-c6b0-4547-9eb9-4b605932b7ba" providerId="ADAL" clId="{AED149C2-7292-4368-BD84-19609FBE0C94}" dt="2023-10-04T11:49:01.039" v="92" actId="1076"/>
+          <ac:spMkLst>
+            <pc:docMk/>
+            <pc:sldMk cId="3384507258" sldId="266"/>
+            <ac:spMk id="2" creationId="{7A7C78DC-BEBE-328D-BF13-630539227AAF}"/>
+          </ac:spMkLst>
+        </pc:spChg>
+        <pc:spChg chg="mod">
+          <ac:chgData name="Haferkorn, Sören Hinnerk" userId="e81fb504-c6b0-4547-9eb9-4b605932b7ba" providerId="ADAL" clId="{AED149C2-7292-4368-BD84-19609FBE0C94}" dt="2023-10-04T11:49:10.952" v="93" actId="1076"/>
+          <ac:spMkLst>
+            <pc:docMk/>
+            <pc:sldMk cId="3384507258" sldId="266"/>
+            <ac:spMk id="3" creationId="{9DDE0463-BEE0-3E28-A634-5480B7A22AF3}"/>
+          </ac:spMkLst>
+        </pc:spChg>
+        <pc:spChg chg="mod">
+          <ac:chgData name="Haferkorn, Sören Hinnerk" userId="e81fb504-c6b0-4547-9eb9-4b605932b7ba" providerId="ADAL" clId="{AED149C2-7292-4368-BD84-19609FBE0C94}" dt="2023-10-04T11:49:10.952" v="93" actId="1076"/>
+          <ac:spMkLst>
+            <pc:docMk/>
+            <pc:sldMk cId="3384507258" sldId="266"/>
+            <ac:spMk id="4" creationId="{292008B6-8B79-F43F-251A-97D317B651CA}"/>
+          </ac:spMkLst>
+        </pc:spChg>
+        <pc:spChg chg="mod">
+          <ac:chgData name="Haferkorn, Sören Hinnerk" userId="e81fb504-c6b0-4547-9eb9-4b605932b7ba" providerId="ADAL" clId="{AED149C2-7292-4368-BD84-19609FBE0C94}" dt="2023-10-04T11:49:10.952" v="93" actId="1076"/>
+          <ac:spMkLst>
+            <pc:docMk/>
+            <pc:sldMk cId="3384507258" sldId="266"/>
+            <ac:spMk id="5" creationId="{1539E178-7B7A-234D-2C1E-1B62847F68ED}"/>
+          </ac:spMkLst>
+        </pc:spChg>
+        <pc:spChg chg="mod">
+          <ac:chgData name="Haferkorn, Sören Hinnerk" userId="e81fb504-c6b0-4547-9eb9-4b605932b7ba" providerId="ADAL" clId="{AED149C2-7292-4368-BD84-19609FBE0C94}" dt="2023-10-04T11:49:10.952" v="93" actId="1076"/>
+          <ac:spMkLst>
+            <pc:docMk/>
+            <pc:sldMk cId="3384507258" sldId="266"/>
+            <ac:spMk id="6" creationId="{DDF5F441-2B78-4E4A-3F79-1888ADA239B0}"/>
+          </ac:spMkLst>
+        </pc:spChg>
+        <pc:spChg chg="mod">
+          <ac:chgData name="Haferkorn, Sören Hinnerk" userId="e81fb504-c6b0-4547-9eb9-4b605932b7ba" providerId="ADAL" clId="{AED149C2-7292-4368-BD84-19609FBE0C94}" dt="2023-10-04T11:49:10.952" v="93" actId="1076"/>
+          <ac:spMkLst>
+            <pc:docMk/>
+            <pc:sldMk cId="3384507258" sldId="266"/>
+            <ac:spMk id="9" creationId="{E6F8C3F4-999A-1E0A-954B-2B3E5E2CD401}"/>
+          </ac:spMkLst>
+        </pc:spChg>
+        <pc:spChg chg="mod">
+          <ac:chgData name="Haferkorn, Sören Hinnerk" userId="e81fb504-c6b0-4547-9eb9-4b605932b7ba" providerId="ADAL" clId="{AED149C2-7292-4368-BD84-19609FBE0C94}" dt="2023-10-04T11:49:10.952" v="93" actId="1076"/>
+          <ac:spMkLst>
+            <pc:docMk/>
+            <pc:sldMk cId="3384507258" sldId="266"/>
+            <ac:spMk id="12" creationId="{46827CAF-B2E9-987F-C81C-D45FF5B92BD7}"/>
+          </ac:spMkLst>
+        </pc:spChg>
+        <pc:spChg chg="mod">
+          <ac:chgData name="Haferkorn, Sören Hinnerk" userId="e81fb504-c6b0-4547-9eb9-4b605932b7ba" providerId="ADAL" clId="{AED149C2-7292-4368-BD84-19609FBE0C94}" dt="2023-10-04T11:49:10.952" v="93" actId="1076"/>
+          <ac:spMkLst>
+            <pc:docMk/>
+            <pc:sldMk cId="3384507258" sldId="266"/>
+            <ac:spMk id="13" creationId="{53185D38-75DA-3B66-86A1-629B901A0376}"/>
+          </ac:spMkLst>
+        </pc:spChg>
+        <pc:spChg chg="mod">
+          <ac:chgData name="Haferkorn, Sören Hinnerk" userId="e81fb504-c6b0-4547-9eb9-4b605932b7ba" providerId="ADAL" clId="{AED149C2-7292-4368-BD84-19609FBE0C94}" dt="2023-10-04T11:49:10.952" v="93" actId="1076"/>
+          <ac:spMkLst>
+            <pc:docMk/>
+            <pc:sldMk cId="3384507258" sldId="266"/>
+            <ac:spMk id="15" creationId="{BDEB3C5E-06B6-1456-7E04-41FD548FB2C0}"/>
+          </ac:spMkLst>
+        </pc:spChg>
+        <pc:spChg chg="mod">
+          <ac:chgData name="Haferkorn, Sören Hinnerk" userId="e81fb504-c6b0-4547-9eb9-4b605932b7ba" providerId="ADAL" clId="{AED149C2-7292-4368-BD84-19609FBE0C94}" dt="2023-10-04T11:49:10.952" v="93" actId="1076"/>
+          <ac:spMkLst>
+            <pc:docMk/>
+            <pc:sldMk cId="3384507258" sldId="266"/>
+            <ac:spMk id="18" creationId="{38EA9DB5-CD18-F989-B22A-30E114FFCEAB}"/>
+          </ac:spMkLst>
+        </pc:spChg>
+        <pc:spChg chg="mod">
+          <ac:chgData name="Haferkorn, Sören Hinnerk" userId="e81fb504-c6b0-4547-9eb9-4b605932b7ba" providerId="ADAL" clId="{AED149C2-7292-4368-BD84-19609FBE0C94}" dt="2023-10-04T11:49:10.952" v="93" actId="1076"/>
+          <ac:spMkLst>
+            <pc:docMk/>
+            <pc:sldMk cId="3384507258" sldId="266"/>
+            <ac:spMk id="22" creationId="{53EBD918-29A1-FECF-8E0F-44F80496462C}"/>
+          </ac:spMkLst>
+        </pc:spChg>
+        <pc:spChg chg="mod">
+          <ac:chgData name="Haferkorn, Sören Hinnerk" userId="e81fb504-c6b0-4547-9eb9-4b605932b7ba" providerId="ADAL" clId="{AED149C2-7292-4368-BD84-19609FBE0C94}" dt="2023-10-04T11:49:10.952" v="93" actId="1076"/>
+          <ac:spMkLst>
+            <pc:docMk/>
+            <pc:sldMk cId="3384507258" sldId="266"/>
+            <ac:spMk id="24" creationId="{73F90B1D-42F1-7945-FE7F-9266E654684C}"/>
+          </ac:spMkLst>
+        </pc:spChg>
+        <pc:spChg chg="mod">
+          <ac:chgData name="Haferkorn, Sören Hinnerk" userId="e81fb504-c6b0-4547-9eb9-4b605932b7ba" providerId="ADAL" clId="{AED149C2-7292-4368-BD84-19609FBE0C94}" dt="2023-10-04T11:49:10.952" v="93" actId="1076"/>
+          <ac:spMkLst>
+            <pc:docMk/>
+            <pc:sldMk cId="3384507258" sldId="266"/>
+            <ac:spMk id="25" creationId="{9E2B4445-C036-F948-8228-F3EDBF19C09C}"/>
+          </ac:spMkLst>
+        </pc:spChg>
+        <pc:spChg chg="mod">
+          <ac:chgData name="Haferkorn, Sören Hinnerk" userId="e81fb504-c6b0-4547-9eb9-4b605932b7ba" providerId="ADAL" clId="{AED149C2-7292-4368-BD84-19609FBE0C94}" dt="2023-10-04T11:49:10.952" v="93" actId="1076"/>
+          <ac:spMkLst>
+            <pc:docMk/>
+            <pc:sldMk cId="3384507258" sldId="266"/>
+            <ac:spMk id="26" creationId="{F53DEDCB-81B1-9859-2940-23ACDA396C63}"/>
+          </ac:spMkLst>
+        </pc:spChg>
+        <pc:spChg chg="mod">
+          <ac:chgData name="Haferkorn, Sören Hinnerk" userId="e81fb504-c6b0-4547-9eb9-4b605932b7ba" providerId="ADAL" clId="{AED149C2-7292-4368-BD84-19609FBE0C94}" dt="2023-10-04T11:49:10.952" v="93" actId="1076"/>
+          <ac:spMkLst>
+            <pc:docMk/>
+            <pc:sldMk cId="3384507258" sldId="266"/>
+            <ac:spMk id="30" creationId="{99008415-E2A8-609F-8E46-94CBF799A1F7}"/>
+          </ac:spMkLst>
+        </pc:spChg>
+        <pc:spChg chg="mod">
+          <ac:chgData name="Haferkorn, Sören Hinnerk" userId="e81fb504-c6b0-4547-9eb9-4b605932b7ba" providerId="ADAL" clId="{AED149C2-7292-4368-BD84-19609FBE0C94}" dt="2023-10-04T11:49:10.952" v="93" actId="1076"/>
+          <ac:spMkLst>
+            <pc:docMk/>
+            <pc:sldMk cId="3384507258" sldId="266"/>
+            <ac:spMk id="33" creationId="{D2A03AD7-9884-7775-0127-437158967133}"/>
+          </ac:spMkLst>
+        </pc:spChg>
+        <pc:picChg chg="mod">
+          <ac:chgData name="Haferkorn, Sören Hinnerk" userId="e81fb504-c6b0-4547-9eb9-4b605932b7ba" providerId="ADAL" clId="{AED149C2-7292-4368-BD84-19609FBE0C94}" dt="2023-10-04T11:49:10.952" v="93" actId="1076"/>
+          <ac:picMkLst>
+            <pc:docMk/>
+            <pc:sldMk cId="3384507258" sldId="266"/>
+            <ac:picMk id="96" creationId="{091B29DC-2AA5-39DC-D2CF-3461E12D054D}"/>
+          </ac:picMkLst>
+        </pc:picChg>
+        <pc:cxnChg chg="mod">
+          <ac:chgData name="Haferkorn, Sören Hinnerk" userId="e81fb504-c6b0-4547-9eb9-4b605932b7ba" providerId="ADAL" clId="{AED149C2-7292-4368-BD84-19609FBE0C94}" dt="2023-10-04T11:49:10.952" v="93" actId="1076"/>
+          <ac:cxnSpMkLst>
+            <pc:docMk/>
+            <pc:sldMk cId="3384507258" sldId="266"/>
+            <ac:cxnSpMk id="11" creationId="{3F2D6312-DA44-F5F3-14AA-B834D72337A6}"/>
+          </ac:cxnSpMkLst>
+        </pc:cxnChg>
+        <pc:cxnChg chg="mod">
+          <ac:chgData name="Haferkorn, Sören Hinnerk" userId="e81fb504-c6b0-4547-9eb9-4b605932b7ba" providerId="ADAL" clId="{AED149C2-7292-4368-BD84-19609FBE0C94}" dt="2023-10-04T11:49:10.952" v="93" actId="1076"/>
+          <ac:cxnSpMkLst>
+            <pc:docMk/>
+            <pc:sldMk cId="3384507258" sldId="266"/>
+            <ac:cxnSpMk id="19" creationId="{21D7B8E3-9C2C-CE3C-7881-0FD17D35D169}"/>
+          </ac:cxnSpMkLst>
+        </pc:cxnChg>
+        <pc:cxnChg chg="mod">
+          <ac:chgData name="Haferkorn, Sören Hinnerk" userId="e81fb504-c6b0-4547-9eb9-4b605932b7ba" providerId="ADAL" clId="{AED149C2-7292-4368-BD84-19609FBE0C94}" dt="2023-10-04T11:49:10.952" v="93" actId="1076"/>
+          <ac:cxnSpMkLst>
+            <pc:docMk/>
+            <pc:sldMk cId="3384507258" sldId="266"/>
+            <ac:cxnSpMk id="20" creationId="{3C578135-AB2F-E3F1-84F3-AB2F426CC502}"/>
+          </ac:cxnSpMkLst>
+        </pc:cxnChg>
+        <pc:cxnChg chg="mod">
+          <ac:chgData name="Haferkorn, Sören Hinnerk" userId="e81fb504-c6b0-4547-9eb9-4b605932b7ba" providerId="ADAL" clId="{AED149C2-7292-4368-BD84-19609FBE0C94}" dt="2023-10-04T11:49:10.952" v="93" actId="1076"/>
+          <ac:cxnSpMkLst>
+            <pc:docMk/>
+            <pc:sldMk cId="3384507258" sldId="266"/>
+            <ac:cxnSpMk id="21" creationId="{1EDCF25B-4FBE-51B5-F522-7E38CC6E395C}"/>
+          </ac:cxnSpMkLst>
+        </pc:cxnChg>
+        <pc:cxnChg chg="mod">
+          <ac:chgData name="Haferkorn, Sören Hinnerk" userId="e81fb504-c6b0-4547-9eb9-4b605932b7ba" providerId="ADAL" clId="{AED149C2-7292-4368-BD84-19609FBE0C94}" dt="2023-10-04T11:49:10.952" v="93" actId="1076"/>
+          <ac:cxnSpMkLst>
+            <pc:docMk/>
+            <pc:sldMk cId="3384507258" sldId="266"/>
+            <ac:cxnSpMk id="23" creationId="{DBE2F979-EEC2-6E55-5C0F-AE2D52BAB08A}"/>
+          </ac:cxnSpMkLst>
+        </pc:cxnChg>
+        <pc:cxnChg chg="mod">
+          <ac:chgData name="Haferkorn, Sören Hinnerk" userId="e81fb504-c6b0-4547-9eb9-4b605932b7ba" providerId="ADAL" clId="{AED149C2-7292-4368-BD84-19609FBE0C94}" dt="2023-10-04T11:49:10.952" v="93" actId="1076"/>
+          <ac:cxnSpMkLst>
+            <pc:docMk/>
+            <pc:sldMk cId="3384507258" sldId="266"/>
+            <ac:cxnSpMk id="28" creationId="{B2E11D88-265C-AA78-260B-7F23B9F5EEF9}"/>
+          </ac:cxnSpMkLst>
+        </pc:cxnChg>
+        <pc:cxnChg chg="mod">
+          <ac:chgData name="Haferkorn, Sören Hinnerk" userId="e81fb504-c6b0-4547-9eb9-4b605932b7ba" providerId="ADAL" clId="{AED149C2-7292-4368-BD84-19609FBE0C94}" dt="2023-10-04T11:49:10.952" v="93" actId="1076"/>
+          <ac:cxnSpMkLst>
+            <pc:docMk/>
+            <pc:sldMk cId="3384507258" sldId="266"/>
+            <ac:cxnSpMk id="36" creationId="{9076E20D-7C83-164C-C4BF-BA55695F2941}"/>
+          </ac:cxnSpMkLst>
+        </pc:cxnChg>
+        <pc:cxnChg chg="mod">
+          <ac:chgData name="Haferkorn, Sören Hinnerk" userId="e81fb504-c6b0-4547-9eb9-4b605932b7ba" providerId="ADAL" clId="{AED149C2-7292-4368-BD84-19609FBE0C94}" dt="2023-10-04T11:49:10.952" v="93" actId="1076"/>
+          <ac:cxnSpMkLst>
+            <pc:docMk/>
+            <pc:sldMk cId="3384507258" sldId="266"/>
+            <ac:cxnSpMk id="38" creationId="{A44DA422-7A20-6AED-3B5D-E905FE220878}"/>
+          </ac:cxnSpMkLst>
+        </pc:cxnChg>
+        <pc:cxnChg chg="mod">
+          <ac:chgData name="Haferkorn, Sören Hinnerk" userId="e81fb504-c6b0-4547-9eb9-4b605932b7ba" providerId="ADAL" clId="{AED149C2-7292-4368-BD84-19609FBE0C94}" dt="2023-10-04T11:49:10.952" v="93" actId="1076"/>
+          <ac:cxnSpMkLst>
+            <pc:docMk/>
+            <pc:sldMk cId="3384507258" sldId="266"/>
+            <ac:cxnSpMk id="39" creationId="{B650A7BC-8D0B-F1F6-7AF5-73D844A320EB}"/>
+          </ac:cxnSpMkLst>
+        </pc:cxnChg>
+        <pc:cxnChg chg="mod">
+          <ac:chgData name="Haferkorn, Sören Hinnerk" userId="e81fb504-c6b0-4547-9eb9-4b605932b7ba" providerId="ADAL" clId="{AED149C2-7292-4368-BD84-19609FBE0C94}" dt="2023-10-04T11:49:10.952" v="93" actId="1076"/>
+          <ac:cxnSpMkLst>
+            <pc:docMk/>
+            <pc:sldMk cId="3384507258" sldId="266"/>
+            <ac:cxnSpMk id="42" creationId="{57EEBE10-DA6E-121C-A8A5-C9DFC7D7AA48}"/>
+          </ac:cxnSpMkLst>
+        </pc:cxnChg>
+        <pc:cxnChg chg="mod">
+          <ac:chgData name="Haferkorn, Sören Hinnerk" userId="e81fb504-c6b0-4547-9eb9-4b605932b7ba" providerId="ADAL" clId="{AED149C2-7292-4368-BD84-19609FBE0C94}" dt="2023-10-04T11:49:10.952" v="93" actId="1076"/>
+          <ac:cxnSpMkLst>
+            <pc:docMk/>
+            <pc:sldMk cId="3384507258" sldId="266"/>
+            <ac:cxnSpMk id="61" creationId="{B27FA74D-B754-A407-8D0A-F0A1C4DAF7E6}"/>
+          </ac:cxnSpMkLst>
+        </pc:cxnChg>
+        <pc:cxnChg chg="mod">
+          <ac:chgData name="Haferkorn, Sören Hinnerk" userId="e81fb504-c6b0-4547-9eb9-4b605932b7ba" providerId="ADAL" clId="{AED149C2-7292-4368-BD84-19609FBE0C94}" dt="2023-10-04T11:49:10.952" v="93" actId="1076"/>
+          <ac:cxnSpMkLst>
+            <pc:docMk/>
+            <pc:sldMk cId="3384507258" sldId="266"/>
+            <ac:cxnSpMk id="64" creationId="{B4CAEE8D-8AFF-63AF-B689-EE2DCD0B64E5}"/>
+          </ac:cxnSpMkLst>
+        </pc:cxnChg>
+        <pc:cxnChg chg="mod">
+          <ac:chgData name="Haferkorn, Sören Hinnerk" userId="e81fb504-c6b0-4547-9eb9-4b605932b7ba" providerId="ADAL" clId="{AED149C2-7292-4368-BD84-19609FBE0C94}" dt="2023-10-04T11:49:10.952" v="93" actId="1076"/>
+          <ac:cxnSpMkLst>
+            <pc:docMk/>
+            <pc:sldMk cId="3384507258" sldId="266"/>
+            <ac:cxnSpMk id="67" creationId="{D79C9A6E-E221-04DF-F4B9-C27BC069E89D}"/>
+          </ac:cxnSpMkLst>
+        </pc:cxnChg>
+        <pc:cxnChg chg="mod">
+          <ac:chgData name="Haferkorn, Sören Hinnerk" userId="e81fb504-c6b0-4547-9eb9-4b605932b7ba" providerId="ADAL" clId="{AED149C2-7292-4368-BD84-19609FBE0C94}" dt="2023-10-04T11:49:10.952" v="93" actId="1076"/>
+          <ac:cxnSpMkLst>
+            <pc:docMk/>
+            <pc:sldMk cId="3384507258" sldId="266"/>
+            <ac:cxnSpMk id="72" creationId="{56ADB86E-C26F-F308-F365-547F0FAE7783}"/>
+          </ac:cxnSpMkLst>
+        </pc:cxnChg>
+        <pc:cxnChg chg="mod">
+          <ac:chgData name="Haferkorn, Sören Hinnerk" userId="e81fb504-c6b0-4547-9eb9-4b605932b7ba" providerId="ADAL" clId="{AED149C2-7292-4368-BD84-19609FBE0C94}" dt="2023-10-04T11:49:10.952" v="93" actId="1076"/>
+          <ac:cxnSpMkLst>
+            <pc:docMk/>
+            <pc:sldMk cId="3384507258" sldId="266"/>
+            <ac:cxnSpMk id="75" creationId="{7F60F168-CDE4-0EB4-3C60-6C5CF94906F4}"/>
+          </ac:cxnSpMkLst>
+        </pc:cxnChg>
+        <pc:cxnChg chg="mod">
+          <ac:chgData name="Haferkorn, Sören Hinnerk" userId="e81fb504-c6b0-4547-9eb9-4b605932b7ba" providerId="ADAL" clId="{AED149C2-7292-4368-BD84-19609FBE0C94}" dt="2023-10-04T11:49:10.952" v="93" actId="1076"/>
+          <ac:cxnSpMkLst>
+            <pc:docMk/>
+            <pc:sldMk cId="3384507258" sldId="266"/>
+            <ac:cxnSpMk id="78" creationId="{FCDB6813-CAD4-AD3D-0595-DBE83035EE0D}"/>
+          </ac:cxnSpMkLst>
+        </pc:cxnChg>
+      </pc:sldChg>
+      <pc:sldChg chg="addSp delSp modSp new mod">
+        <pc:chgData name="Haferkorn, Sören Hinnerk" userId="e81fb504-c6b0-4547-9eb9-4b605932b7ba" providerId="ADAL" clId="{AED149C2-7292-4368-BD84-19609FBE0C94}" dt="2023-10-04T11:44:18.747" v="90" actId="1076"/>
+        <pc:sldMkLst>
+          <pc:docMk/>
+          <pc:sldMk cId="1546852388" sldId="267"/>
+        </pc:sldMkLst>
+        <pc:spChg chg="add mod">
+          <ac:chgData name="Haferkorn, Sören Hinnerk" userId="e81fb504-c6b0-4547-9eb9-4b605932b7ba" providerId="ADAL" clId="{AED149C2-7292-4368-BD84-19609FBE0C94}" dt="2023-10-04T11:38:39.404" v="76" actId="20577"/>
+          <ac:spMkLst>
+            <pc:docMk/>
+            <pc:sldMk cId="1546852388" sldId="267"/>
+            <ac:spMk id="2" creationId="{240CB6FA-FF19-B0A8-B480-AD52F4BAF123}"/>
+          </ac:spMkLst>
+        </pc:spChg>
+        <pc:spChg chg="add del mod">
+          <ac:chgData name="Haferkorn, Sören Hinnerk" userId="e81fb504-c6b0-4547-9eb9-4b605932b7ba" providerId="ADAL" clId="{AED149C2-7292-4368-BD84-19609FBE0C94}" dt="2023-10-04T11:43:19.450" v="85" actId="478"/>
+          <ac:spMkLst>
+            <pc:docMk/>
+            <pc:sldMk cId="1546852388" sldId="267"/>
+            <ac:spMk id="3" creationId="{E13889F2-01CA-032F-69C9-8C3A6BBEF561}"/>
+          </ac:spMkLst>
+        </pc:spChg>
+        <pc:spChg chg="add del">
+          <ac:chgData name="Haferkorn, Sören Hinnerk" userId="e81fb504-c6b0-4547-9eb9-4b605932b7ba" providerId="ADAL" clId="{AED149C2-7292-4368-BD84-19609FBE0C94}" dt="2023-10-04T11:43:19.912" v="86" actId="478"/>
+          <ac:spMkLst>
+            <pc:docMk/>
+            <pc:sldMk cId="1546852388" sldId="267"/>
+            <ac:spMk id="4" creationId="{1B038141-2503-D9BE-C84C-945AD070D642}"/>
+          </ac:spMkLst>
+        </pc:spChg>
+        <pc:picChg chg="add mod">
+          <ac:chgData name="Haferkorn, Sören Hinnerk" userId="e81fb504-c6b0-4547-9eb9-4b605932b7ba" providerId="ADAL" clId="{AED149C2-7292-4368-BD84-19609FBE0C94}" dt="2023-10-04T11:44:18.747" v="90" actId="1076"/>
+          <ac:picMkLst>
+            <pc:docMk/>
+            <pc:sldMk cId="1546852388" sldId="267"/>
+            <ac:picMk id="6" creationId="{1927A0D3-D520-B970-C298-D84CFA114B86}"/>
+          </ac:picMkLst>
+        </pc:picChg>
+      </pc:sldChg>
+      <pc:sldChg chg="addSp modSp new mod">
+        <pc:chgData name="Haferkorn, Sören Hinnerk" userId="e81fb504-c6b0-4547-9eb9-4b605932b7ba" providerId="ADAL" clId="{AED149C2-7292-4368-BD84-19609FBE0C94}" dt="2023-10-06T09:16:38.583" v="772" actId="20577"/>
+        <pc:sldMkLst>
+          <pc:docMk/>
+          <pc:sldMk cId="33474643" sldId="268"/>
+        </pc:sldMkLst>
+        <pc:spChg chg="add mod">
+          <ac:chgData name="Haferkorn, Sören Hinnerk" userId="e81fb504-c6b0-4547-9eb9-4b605932b7ba" providerId="ADAL" clId="{AED149C2-7292-4368-BD84-19609FBE0C94}" dt="2023-10-06T09:07:36.525" v="339" actId="20577"/>
+          <ac:spMkLst>
+            <pc:docMk/>
+            <pc:sldMk cId="33474643" sldId="268"/>
+            <ac:spMk id="4" creationId="{923CC472-6A2C-92D6-0F40-B8055452C1E3}"/>
+          </ac:spMkLst>
+        </pc:spChg>
+        <pc:spChg chg="add mod">
+          <ac:chgData name="Haferkorn, Sören Hinnerk" userId="e81fb504-c6b0-4547-9eb9-4b605932b7ba" providerId="ADAL" clId="{AED149C2-7292-4368-BD84-19609FBE0C94}" dt="2023-10-06T09:08:36.174" v="453" actId="20577"/>
+          <ac:spMkLst>
+            <pc:docMk/>
+            <pc:sldMk cId="33474643" sldId="268"/>
+            <ac:spMk id="5" creationId="{B180248F-0F3D-92E9-9793-C37AA3502A80}"/>
+          </ac:spMkLst>
+        </pc:spChg>
+        <pc:spChg chg="add mod">
+          <ac:chgData name="Haferkorn, Sören Hinnerk" userId="e81fb504-c6b0-4547-9eb9-4b605932b7ba" providerId="ADAL" clId="{AED149C2-7292-4368-BD84-19609FBE0C94}" dt="2023-10-06T09:09:23.409" v="503" actId="20577"/>
+          <ac:spMkLst>
+            <pc:docMk/>
+            <pc:sldMk cId="33474643" sldId="268"/>
+            <ac:spMk id="6" creationId="{6A7DFC9C-A0CF-9F95-2F97-26662E05A9F0}"/>
+          </ac:spMkLst>
+        </pc:spChg>
+        <pc:spChg chg="add mod">
+          <ac:chgData name="Haferkorn, Sören Hinnerk" userId="e81fb504-c6b0-4547-9eb9-4b605932b7ba" providerId="ADAL" clId="{AED149C2-7292-4368-BD84-19609FBE0C94}" dt="2023-10-06T09:10:26.558" v="660" actId="20577"/>
+          <ac:spMkLst>
+            <pc:docMk/>
+            <pc:sldMk cId="33474643" sldId="268"/>
+            <ac:spMk id="7" creationId="{DEFBA880-3F5F-6186-1DAB-3871CFBAC2DE}"/>
+          </ac:spMkLst>
+        </pc:spChg>
+        <pc:spChg chg="add mod">
+          <ac:chgData name="Haferkorn, Sören Hinnerk" userId="e81fb504-c6b0-4547-9eb9-4b605932b7ba" providerId="ADAL" clId="{AED149C2-7292-4368-BD84-19609FBE0C94}" dt="2023-10-06T09:10:58.855" v="681" actId="20577"/>
+          <ac:spMkLst>
+            <pc:docMk/>
+            <pc:sldMk cId="33474643" sldId="268"/>
+            <ac:spMk id="8" creationId="{CD90FB0B-37B9-F6F0-5F9B-C46116491D3E}"/>
+          </ac:spMkLst>
+        </pc:spChg>
+        <pc:spChg chg="add mod">
+          <ac:chgData name="Haferkorn, Sören Hinnerk" userId="e81fb504-c6b0-4547-9eb9-4b605932b7ba" providerId="ADAL" clId="{AED149C2-7292-4368-BD84-19609FBE0C94}" dt="2023-10-06T09:16:05.013" v="763" actId="20577"/>
+          <ac:spMkLst>
+            <pc:docMk/>
+            <pc:sldMk cId="33474643" sldId="268"/>
+            <ac:spMk id="9" creationId="{90B45FB0-C7EE-64C6-0BAE-CBBC82C08BA2}"/>
+          </ac:spMkLst>
+        </pc:spChg>
+        <pc:spChg chg="add mod">
+          <ac:chgData name="Haferkorn, Sören Hinnerk" userId="e81fb504-c6b0-4547-9eb9-4b605932b7ba" providerId="ADAL" clId="{AED149C2-7292-4368-BD84-19609FBE0C94}" dt="2023-10-06T09:16:38.583" v="772" actId="20577"/>
+          <ac:spMkLst>
+            <pc:docMk/>
+            <pc:sldMk cId="33474643" sldId="268"/>
+            <ac:spMk id="10" creationId="{14E0EC42-14EA-AED6-8D6F-BDACA8901CD6}"/>
+          </ac:spMkLst>
+        </pc:spChg>
+        <pc:picChg chg="add mod">
+          <ac:chgData name="Haferkorn, Sören Hinnerk" userId="e81fb504-c6b0-4547-9eb9-4b605932b7ba" providerId="ADAL" clId="{AED149C2-7292-4368-BD84-19609FBE0C94}" dt="2023-10-06T09:03:16.096" v="99" actId="962"/>
+          <ac:picMkLst>
+            <pc:docMk/>
+            <pc:sldMk cId="33474643" sldId="268"/>
+            <ac:picMk id="3" creationId="{F9379BCD-1265-9ABE-5C48-AB35AE85927F}"/>
+          </ac:picMkLst>
+        </pc:picChg>
+      </pc:sldChg>
+    </pc:docChg>
+  </pc:docChgLst>
   <pc:docChgLst>
     <pc:chgData name="Haferkorn, Sören Hinnerk" userId="e81fb504-c6b0-4547-9eb9-4b605932b7ba" providerId="ADAL" clId="{EBE34D05-DC0C-418C-938B-51924734D208}"/>
     <pc:docChg chg="undo redo custSel mod addSld delSld modSld sldOrd modMainMaster">
@@ -1504,7 +1896,7 @@
           <a:p>
             <a:fld id="{1F3404F2-A7D7-44FF-9EF0-DA1FFDC7EBA8}" type="datetimeFigureOut">
               <a:rPr lang="de-DE" smtClean="0"/>
-              <a:t>25.09.2023</a:t>
+              <a:t>06.10.2023</a:t>
             </a:fld>
             <a:endParaRPr lang="de-DE"/>
           </a:p>
@@ -1663,7 +2055,7 @@
           <a:p>
             <a:fld id="{82B2A706-403E-438B-9F80-04390F2B0545}" type="slidenum">
               <a:rPr lang="de-DE" smtClean="0"/>
-              <a:t>‹Nr.›</a:t>
+              <a:t>‹#›</a:t>
             </a:fld>
             <a:endParaRPr lang="de-DE"/>
           </a:p>
@@ -1921,7 +2313,7 @@
           <a:p>
             <a:fld id="{82B2A706-403E-438B-9F80-04390F2B0545}" type="slidenum">
               <a:rPr lang="de-DE" smtClean="0"/>
-              <a:t>9</a:t>
+              <a:t>10</a:t>
             </a:fld>
             <a:endParaRPr lang="de-DE"/>
           </a:p>
@@ -2089,7 +2481,7 @@
           <a:p>
             <a:fld id="{90E8E4E6-21A7-4402-B90B-F04F7934444B}" type="datetimeFigureOut">
               <a:rPr lang="de-DE" smtClean="0"/>
-              <a:t>25.09.2023</a:t>
+              <a:t>06.10.2023</a:t>
             </a:fld>
             <a:endParaRPr lang="de-DE"/>
           </a:p>
@@ -2143,7 +2535,7 @@
           <a:p>
             <a:fld id="{53CF7B73-E03C-4DE6-8963-91BC7C02C353}" type="slidenum">
               <a:rPr lang="de-DE" smtClean="0"/>
-              <a:t>‹Nr.›</a:t>
+              <a:t>‹#›</a:t>
             </a:fld>
             <a:endParaRPr lang="de-DE"/>
           </a:p>
@@ -2289,7 +2681,7 @@
           <a:p>
             <a:fld id="{90E8E4E6-21A7-4402-B90B-F04F7934444B}" type="datetimeFigureOut">
               <a:rPr lang="de-DE" smtClean="0"/>
-              <a:t>25.09.2023</a:t>
+              <a:t>06.10.2023</a:t>
             </a:fld>
             <a:endParaRPr lang="de-DE"/>
           </a:p>
@@ -2343,7 +2735,7 @@
           <a:p>
             <a:fld id="{53CF7B73-E03C-4DE6-8963-91BC7C02C353}" type="slidenum">
               <a:rPr lang="de-DE" smtClean="0"/>
-              <a:t>‹Nr.›</a:t>
+              <a:t>‹#›</a:t>
             </a:fld>
             <a:endParaRPr lang="de-DE"/>
           </a:p>
@@ -2499,7 +2891,7 @@
           <a:p>
             <a:fld id="{90E8E4E6-21A7-4402-B90B-F04F7934444B}" type="datetimeFigureOut">
               <a:rPr lang="de-DE" smtClean="0"/>
-              <a:t>25.09.2023</a:t>
+              <a:t>06.10.2023</a:t>
             </a:fld>
             <a:endParaRPr lang="de-DE"/>
           </a:p>
@@ -2553,7 +2945,7 @@
           <a:p>
             <a:fld id="{53CF7B73-E03C-4DE6-8963-91BC7C02C353}" type="slidenum">
               <a:rPr lang="de-DE" smtClean="0"/>
-              <a:t>‹Nr.›</a:t>
+              <a:t>‹#›</a:t>
             </a:fld>
             <a:endParaRPr lang="de-DE"/>
           </a:p>
@@ -2699,7 +3091,7 @@
           <a:p>
             <a:fld id="{90E8E4E6-21A7-4402-B90B-F04F7934444B}" type="datetimeFigureOut">
               <a:rPr lang="de-DE" smtClean="0"/>
-              <a:t>25.09.2023</a:t>
+              <a:t>06.10.2023</a:t>
             </a:fld>
             <a:endParaRPr lang="de-DE"/>
           </a:p>
@@ -2753,7 +3145,7 @@
           <a:p>
             <a:fld id="{53CF7B73-E03C-4DE6-8963-91BC7C02C353}" type="slidenum">
               <a:rPr lang="de-DE" smtClean="0"/>
-              <a:t>‹Nr.›</a:t>
+              <a:t>‹#›</a:t>
             </a:fld>
             <a:endParaRPr lang="de-DE"/>
           </a:p>
@@ -2975,7 +3367,7 @@
           <a:p>
             <a:fld id="{90E8E4E6-21A7-4402-B90B-F04F7934444B}" type="datetimeFigureOut">
               <a:rPr lang="de-DE" smtClean="0"/>
-              <a:t>25.09.2023</a:t>
+              <a:t>06.10.2023</a:t>
             </a:fld>
             <a:endParaRPr lang="de-DE"/>
           </a:p>
@@ -3029,7 +3421,7 @@
           <a:p>
             <a:fld id="{53CF7B73-E03C-4DE6-8963-91BC7C02C353}" type="slidenum">
               <a:rPr lang="de-DE" smtClean="0"/>
-              <a:t>‹Nr.›</a:t>
+              <a:t>‹#›</a:t>
             </a:fld>
             <a:endParaRPr lang="de-DE"/>
           </a:p>
@@ -3243,7 +3635,7 @@
           <a:p>
             <a:fld id="{90E8E4E6-21A7-4402-B90B-F04F7934444B}" type="datetimeFigureOut">
               <a:rPr lang="de-DE" smtClean="0"/>
-              <a:t>25.09.2023</a:t>
+              <a:t>06.10.2023</a:t>
             </a:fld>
             <a:endParaRPr lang="de-DE"/>
           </a:p>
@@ -3297,7 +3689,7 @@
           <a:p>
             <a:fld id="{53CF7B73-E03C-4DE6-8963-91BC7C02C353}" type="slidenum">
               <a:rPr lang="de-DE" smtClean="0"/>
-              <a:t>‹Nr.›</a:t>
+              <a:t>‹#›</a:t>
             </a:fld>
             <a:endParaRPr lang="de-DE"/>
           </a:p>
@@ -3658,7 +4050,7 @@
           <a:p>
             <a:fld id="{90E8E4E6-21A7-4402-B90B-F04F7934444B}" type="datetimeFigureOut">
               <a:rPr lang="de-DE" smtClean="0"/>
-              <a:t>25.09.2023</a:t>
+              <a:t>06.10.2023</a:t>
             </a:fld>
             <a:endParaRPr lang="de-DE"/>
           </a:p>
@@ -3712,7 +4104,7 @@
           <a:p>
             <a:fld id="{53CF7B73-E03C-4DE6-8963-91BC7C02C353}" type="slidenum">
               <a:rPr lang="de-DE" smtClean="0"/>
-              <a:t>‹Nr.›</a:t>
+              <a:t>‹#›</a:t>
             </a:fld>
             <a:endParaRPr lang="de-DE"/>
           </a:p>
@@ -3800,7 +4192,7 @@
           <a:p>
             <a:fld id="{90E8E4E6-21A7-4402-B90B-F04F7934444B}" type="datetimeFigureOut">
               <a:rPr lang="de-DE" smtClean="0"/>
-              <a:t>25.09.2023</a:t>
+              <a:t>06.10.2023</a:t>
             </a:fld>
             <a:endParaRPr lang="de-DE"/>
           </a:p>
@@ -3854,7 +4246,7 @@
           <a:p>
             <a:fld id="{53CF7B73-E03C-4DE6-8963-91BC7C02C353}" type="slidenum">
               <a:rPr lang="de-DE" smtClean="0"/>
-              <a:t>‹Nr.›</a:t>
+              <a:t>‹#›</a:t>
             </a:fld>
             <a:endParaRPr lang="de-DE"/>
           </a:p>
@@ -3913,7 +4305,7 @@
           <a:p>
             <a:fld id="{90E8E4E6-21A7-4402-B90B-F04F7934444B}" type="datetimeFigureOut">
               <a:rPr lang="de-DE" smtClean="0"/>
-              <a:t>25.09.2023</a:t>
+              <a:t>06.10.2023</a:t>
             </a:fld>
             <a:endParaRPr lang="de-DE"/>
           </a:p>
@@ -3967,7 +4359,7 @@
           <a:p>
             <a:fld id="{53CF7B73-E03C-4DE6-8963-91BC7C02C353}" type="slidenum">
               <a:rPr lang="de-DE" smtClean="0"/>
-              <a:t>‹Nr.›</a:t>
+              <a:t>‹#›</a:t>
             </a:fld>
             <a:endParaRPr lang="de-DE"/>
           </a:p>
@@ -4226,7 +4618,7 @@
           <a:p>
             <a:fld id="{90E8E4E6-21A7-4402-B90B-F04F7934444B}" type="datetimeFigureOut">
               <a:rPr lang="de-DE" smtClean="0"/>
-              <a:t>25.09.2023</a:t>
+              <a:t>06.10.2023</a:t>
             </a:fld>
             <a:endParaRPr lang="de-DE"/>
           </a:p>
@@ -4280,7 +4672,7 @@
           <a:p>
             <a:fld id="{53CF7B73-E03C-4DE6-8963-91BC7C02C353}" type="slidenum">
               <a:rPr lang="de-DE" smtClean="0"/>
-              <a:t>‹Nr.›</a:t>
+              <a:t>‹#›</a:t>
             </a:fld>
             <a:endParaRPr lang="de-DE"/>
           </a:p>
@@ -4515,7 +4907,7 @@
           <a:p>
             <a:fld id="{90E8E4E6-21A7-4402-B90B-F04F7934444B}" type="datetimeFigureOut">
               <a:rPr lang="de-DE" smtClean="0"/>
-              <a:t>25.09.2023</a:t>
+              <a:t>06.10.2023</a:t>
             </a:fld>
             <a:endParaRPr lang="de-DE"/>
           </a:p>
@@ -4569,7 +4961,7 @@
           <a:p>
             <a:fld id="{53CF7B73-E03C-4DE6-8963-91BC7C02C353}" type="slidenum">
               <a:rPr lang="de-DE" smtClean="0"/>
-              <a:t>‹Nr.›</a:t>
+              <a:t>‹#›</a:t>
             </a:fld>
             <a:endParaRPr lang="de-DE"/>
           </a:p>
@@ -4758,7 +5150,7 @@
           <a:p>
             <a:fld id="{90E8E4E6-21A7-4402-B90B-F04F7934444B}" type="datetimeFigureOut">
               <a:rPr lang="de-DE" smtClean="0"/>
-              <a:t>25.09.2023</a:t>
+              <a:t>06.10.2023</a:t>
             </a:fld>
             <a:endParaRPr lang="de-DE"/>
           </a:p>
@@ -4848,7 +5240,7 @@
           <a:p>
             <a:fld id="{53CF7B73-E03C-4DE6-8963-91BC7C02C353}" type="slidenum">
               <a:rPr lang="de-DE" smtClean="0"/>
-              <a:t>‹Nr.›</a:t>
+              <a:t>‹#›</a:t>
             </a:fld>
             <a:endParaRPr lang="de-DE"/>
           </a:p>
@@ -6193,47 +6585,12 @@
           <a:chExt cx="0" cy="0"/>
         </a:xfrm>
       </p:grpSpPr>
-      <p:pic>
-        <p:nvPicPr>
-          <p:cNvPr id="96" name="Grafik 95" descr="Ein Bild, das Pflanze, Baum, Palme Orchidee, Palme enthält.&#10;&#10;Automatisch generierte Beschreibung">
-            <a:extLst>
-              <a:ext uri="{FF2B5EF4-FFF2-40B4-BE49-F238E27FC236}">
-                <a16:creationId xmlns:a16="http://schemas.microsoft.com/office/drawing/2014/main" id="{091B29DC-2AA5-39DC-D2CF-3461E12D054D}"/>
-              </a:ext>
-            </a:extLst>
-          </p:cNvPr>
-          <p:cNvPicPr>
-            <a:picLocks noChangeAspect="1"/>
-          </p:cNvPicPr>
-          <p:nvPr/>
-        </p:nvPicPr>
-        <p:blipFill rotWithShape="1">
-          <a:blip r:embed="rId2">
-            <a:extLst>
-              <a:ext uri="{28A0092B-C50C-407E-A947-70E740481C1C}">
-                <a14:useLocalDpi xmlns:a14="http://schemas.microsoft.com/office/drawing/2010/main" val="0"/>
-              </a:ext>
-            </a:extLst>
-          </a:blip>
-          <a:srcRect t="2112" b="10982"/>
-          <a:stretch/>
-        </p:blipFill>
-        <p:spPr>
-          <a:xfrm>
-            <a:off x="5122176" y="687516"/>
-            <a:ext cx="4601914" cy="6170484"/>
-          </a:xfrm>
-          <a:prstGeom prst="rect">
-            <a:avLst/>
-          </a:prstGeom>
-        </p:spPr>
-      </p:pic>
       <p:sp>
         <p:nvSpPr>
           <p:cNvPr id="2" name="TextBox 1">
             <a:extLst>
               <a:ext uri="{FF2B5EF4-FFF2-40B4-BE49-F238E27FC236}">
-                <a16:creationId xmlns:a16="http://schemas.microsoft.com/office/drawing/2014/main" id="{7A7C78DC-BEBE-328D-BF13-630539227AAF}"/>
+                <a16:creationId xmlns:a16="http://schemas.microsoft.com/office/drawing/2014/main" id="{D22FC611-9826-F9DE-8874-4875BD9C9BA7}"/>
               </a:ext>
             </a:extLst>
           </p:cNvPr>
@@ -6242,8 +6599,8 @@
         </p:nvSpPr>
         <p:spPr>
           <a:xfrm>
-            <a:off x="514350" y="342900"/>
-            <a:ext cx="11163300" cy="461665"/>
+            <a:off x="234593" y="694076"/>
+            <a:ext cx="11722814" cy="6524863"/>
           </a:xfrm>
           <a:prstGeom prst="rect">
             <a:avLst/>
@@ -6256,2276 +6613,1893 @@
           </a:bodyPr>
           <a:lstStyle/>
           <a:p>
-            <a:pPr algn="ctr"/>
-            <a:r>
-              <a:rPr lang="de-DE" sz="2400" dirty="0">
-                <a:latin typeface="+mj-lt"/>
-              </a:rPr>
-              <a:t>Making </a:t>
-            </a:r>
-            <a:r>
-              <a:rPr lang="de-DE" sz="2400" dirty="0" err="1">
-                <a:latin typeface="+mj-lt"/>
-              </a:rPr>
-              <a:t>our</a:t>
-            </a:r>
-            <a:r>
-              <a:rPr lang="de-DE" sz="2400" dirty="0">
-                <a:latin typeface="+mj-lt"/>
-              </a:rPr>
-              <a:t> Problem </a:t>
-            </a:r>
-            <a:r>
-              <a:rPr lang="de-DE" sz="2400" dirty="0" err="1">
-                <a:latin typeface="+mj-lt"/>
-              </a:rPr>
-              <a:t>definition</a:t>
-            </a:r>
-            <a:r>
-              <a:rPr lang="de-DE" sz="2400" dirty="0">
-                <a:latin typeface="+mj-lt"/>
-              </a:rPr>
-              <a:t> </a:t>
-            </a:r>
-            <a:r>
-              <a:rPr lang="de-DE" sz="2400" dirty="0" err="1">
-                <a:latin typeface="+mj-lt"/>
-              </a:rPr>
-              <a:t>more</a:t>
-            </a:r>
-            <a:r>
-              <a:rPr lang="de-DE" sz="2400" dirty="0">
-                <a:latin typeface="+mj-lt"/>
-              </a:rPr>
-              <a:t> </a:t>
-            </a:r>
-            <a:r>
-              <a:rPr lang="de-DE" sz="2400" dirty="0" err="1">
-                <a:latin typeface="+mj-lt"/>
-              </a:rPr>
-              <a:t>specific</a:t>
-            </a:r>
-            <a:endParaRPr lang="de-DE" sz="2400" dirty="0">
-              <a:latin typeface="+mj-lt"/>
-            </a:endParaRPr>
+            <a:r>
+              <a:rPr lang="de-DE" sz="1600" dirty="0"/>
+              <a:t>The Dreamer:</a:t>
+            </a:r>
+          </a:p>
+          <a:p>
+            <a:pPr lvl="1"/>
+            <a:r>
+              <a:rPr lang="de-DE" sz="1600" dirty="0"/>
+              <a:t>-     </a:t>
+            </a:r>
+            <a:r>
+              <a:rPr lang="de-DE" sz="1600" dirty="0" err="1"/>
+              <a:t>Moodle</a:t>
+            </a:r>
+            <a:r>
+              <a:rPr lang="de-DE" sz="1600" dirty="0"/>
+              <a:t> </a:t>
+            </a:r>
+            <a:r>
+              <a:rPr lang="de-DE" sz="1600" dirty="0" err="1"/>
+              <a:t>with</a:t>
+            </a:r>
+            <a:r>
+              <a:rPr lang="de-DE" sz="1600" dirty="0"/>
+              <a:t> </a:t>
+            </a:r>
+            <a:r>
+              <a:rPr lang="de-DE" sz="1600" dirty="0" err="1"/>
+              <a:t>included</a:t>
+            </a:r>
+            <a:r>
+              <a:rPr lang="de-DE" sz="1600" dirty="0"/>
+              <a:t> "</a:t>
+            </a:r>
+            <a:r>
+              <a:rPr lang="de-DE" sz="1600" dirty="0" err="1"/>
+              <a:t>ChatGPT</a:t>
+            </a:r>
+            <a:r>
+              <a:rPr lang="de-DE" sz="1600" dirty="0"/>
+              <a:t>" </a:t>
+            </a:r>
+          </a:p>
+          <a:p>
+            <a:pPr lvl="1"/>
+            <a:r>
+              <a:rPr lang="de-DE" sz="1600" dirty="0"/>
+              <a:t>-     </a:t>
+            </a:r>
+            <a:r>
+              <a:rPr lang="de-DE" sz="1600" dirty="0" err="1"/>
+              <a:t>Stuctured</a:t>
+            </a:r>
+            <a:r>
+              <a:rPr lang="de-DE" sz="1600" dirty="0"/>
+              <a:t> and </a:t>
+            </a:r>
+            <a:r>
+              <a:rPr lang="de-DE" sz="1600" dirty="0" err="1"/>
+              <a:t>easier</a:t>
+            </a:r>
+            <a:r>
+              <a:rPr lang="de-DE" sz="1600" dirty="0"/>
+              <a:t> to </a:t>
+            </a:r>
+            <a:r>
+              <a:rPr lang="de-DE" sz="1600" dirty="0" err="1"/>
+              <a:t>use</a:t>
+            </a:r>
+            <a:r>
+              <a:rPr lang="de-DE" sz="1600" dirty="0"/>
+              <a:t> Website (</a:t>
+            </a:r>
+            <a:r>
+              <a:rPr lang="de-DE" sz="1600" dirty="0" err="1"/>
+              <a:t>akin</a:t>
+            </a:r>
+            <a:r>
+              <a:rPr lang="de-DE" sz="1600" dirty="0"/>
+              <a:t> to </a:t>
+            </a:r>
+            <a:r>
+              <a:rPr lang="de-DE" sz="1600" dirty="0" err="1"/>
+              <a:t>Moodle</a:t>
+            </a:r>
+            <a:r>
+              <a:rPr lang="de-DE" sz="1600" dirty="0"/>
+              <a:t>)</a:t>
+            </a:r>
+          </a:p>
+          <a:p>
+            <a:pPr marL="742950" lvl="1" indent="-285750">
+              <a:buFontTx/>
+              <a:buChar char="-"/>
+            </a:pPr>
+            <a:r>
+              <a:rPr lang="de-DE" sz="1600" dirty="0"/>
+              <a:t>All Infos and </a:t>
+            </a:r>
+            <a:r>
+              <a:rPr lang="de-DE" sz="1600" dirty="0" err="1"/>
+              <a:t>Documents</a:t>
+            </a:r>
+            <a:r>
+              <a:rPr lang="de-DE" sz="1600" dirty="0"/>
+              <a:t> in </a:t>
+            </a:r>
+            <a:r>
+              <a:rPr lang="de-DE" sz="1600" dirty="0" err="1"/>
+              <a:t>one</a:t>
+            </a:r>
+            <a:r>
+              <a:rPr lang="de-DE" sz="1600" dirty="0"/>
+              <a:t> </a:t>
+            </a:r>
+            <a:r>
+              <a:rPr lang="de-DE" sz="1600" dirty="0" err="1"/>
+              <a:t>place</a:t>
+            </a:r>
+            <a:r>
+              <a:rPr lang="de-DE" sz="1600" dirty="0"/>
+              <a:t> (</a:t>
+            </a:r>
+            <a:r>
+              <a:rPr lang="de-DE" sz="1600" dirty="0" err="1"/>
+              <a:t>standardised</a:t>
+            </a:r>
+            <a:r>
+              <a:rPr lang="de-DE" sz="1600" dirty="0"/>
+              <a:t> Methods)</a:t>
+            </a:r>
+          </a:p>
+          <a:p>
+            <a:pPr marL="742950" lvl="1" indent="-285750">
+              <a:buFontTx/>
+              <a:buChar char="-"/>
+            </a:pPr>
+            <a:r>
+              <a:rPr lang="de-DE" sz="1600" dirty="0"/>
+              <a:t>General, </a:t>
+            </a:r>
+            <a:r>
+              <a:rPr lang="de-DE" sz="1600" dirty="0" err="1"/>
+              <a:t>from</a:t>
+            </a:r>
+            <a:r>
+              <a:rPr lang="de-DE" sz="1600" dirty="0"/>
+              <a:t> </a:t>
+            </a:r>
+            <a:r>
+              <a:rPr lang="de-DE" sz="1600" dirty="0" err="1"/>
+              <a:t>the</a:t>
+            </a:r>
+            <a:r>
+              <a:rPr lang="de-DE" sz="1600" dirty="0"/>
+              <a:t> Class Course </a:t>
+            </a:r>
+            <a:r>
+              <a:rPr lang="de-DE" sz="1600" dirty="0" err="1"/>
+              <a:t>seperate</a:t>
+            </a:r>
+            <a:r>
+              <a:rPr lang="de-DE" sz="1600" dirty="0"/>
+              <a:t>, Wiki in </a:t>
+            </a:r>
+            <a:r>
+              <a:rPr lang="de-DE" sz="1600" dirty="0" err="1"/>
+              <a:t>which</a:t>
+            </a:r>
+            <a:r>
+              <a:rPr lang="de-DE" sz="1600" dirty="0"/>
+              <a:t> Teachers and </a:t>
+            </a:r>
+            <a:r>
+              <a:rPr lang="de-DE" sz="1600" dirty="0" err="1"/>
+              <a:t>Students</a:t>
+            </a:r>
+            <a:r>
+              <a:rPr lang="de-DE" sz="1600" dirty="0"/>
+              <a:t> </a:t>
+            </a:r>
+            <a:r>
+              <a:rPr lang="de-DE" sz="1600" dirty="0" err="1"/>
+              <a:t>can</a:t>
+            </a:r>
+            <a:r>
+              <a:rPr lang="de-DE" sz="1600" dirty="0"/>
+              <a:t> </a:t>
+            </a:r>
+            <a:r>
+              <a:rPr lang="de-DE" sz="1600" dirty="0" err="1"/>
+              <a:t>add</a:t>
+            </a:r>
+            <a:r>
+              <a:rPr lang="de-DE" sz="1600" dirty="0"/>
+              <a:t> </a:t>
+            </a:r>
+            <a:r>
+              <a:rPr lang="de-DE" sz="1600" dirty="0" err="1"/>
+              <a:t>new</a:t>
+            </a:r>
+            <a:r>
+              <a:rPr lang="de-DE" sz="1600" dirty="0"/>
+              <a:t> </a:t>
+            </a:r>
+            <a:r>
+              <a:rPr lang="de-DE" sz="1600" dirty="0" err="1"/>
+              <a:t>information</a:t>
+            </a:r>
+            <a:endParaRPr lang="de-DE" sz="1600" dirty="0"/>
+          </a:p>
+          <a:p>
+            <a:pPr marL="742950" lvl="1" indent="-285750">
+              <a:buFontTx/>
+              <a:buChar char="-"/>
+            </a:pPr>
+            <a:r>
+              <a:rPr lang="de-DE" sz="1600" dirty="0"/>
+              <a:t>In </a:t>
+            </a:r>
+            <a:r>
+              <a:rPr lang="de-DE" sz="1600" dirty="0" err="1"/>
+              <a:t>Moodle</a:t>
+            </a:r>
+            <a:r>
+              <a:rPr lang="de-DE" sz="1600" dirty="0"/>
+              <a:t> </a:t>
+            </a:r>
+            <a:r>
+              <a:rPr lang="de-DE" sz="1600" dirty="0" err="1"/>
+              <a:t>included</a:t>
+            </a:r>
+            <a:r>
+              <a:rPr lang="de-DE" sz="1600" dirty="0"/>
+              <a:t> Chat/Meeting </a:t>
+            </a:r>
+            <a:r>
+              <a:rPr lang="de-DE" sz="1600" dirty="0" err="1"/>
+              <a:t>app</a:t>
+            </a:r>
+            <a:r>
+              <a:rPr lang="de-DE" sz="1600" dirty="0"/>
+              <a:t> (</a:t>
+            </a:r>
+            <a:r>
+              <a:rPr lang="de-DE" sz="1600" dirty="0" err="1"/>
+              <a:t>instead</a:t>
+            </a:r>
+            <a:r>
+              <a:rPr lang="de-DE" sz="1600" dirty="0"/>
+              <a:t> </a:t>
+            </a:r>
+            <a:r>
+              <a:rPr lang="de-DE" sz="1600" dirty="0" err="1"/>
+              <a:t>of</a:t>
+            </a:r>
+            <a:r>
+              <a:rPr lang="de-DE" sz="1600" dirty="0"/>
+              <a:t> </a:t>
+            </a:r>
+            <a:r>
+              <a:rPr lang="de-DE" sz="1600" dirty="0" err="1"/>
+              <a:t>Webex</a:t>
+            </a:r>
+            <a:r>
+              <a:rPr lang="de-DE" sz="1600" dirty="0"/>
+              <a:t>)</a:t>
+            </a:r>
+          </a:p>
+          <a:p>
+            <a:pPr marL="742950" lvl="1" indent="-285750">
+              <a:buFontTx/>
+              <a:buChar char="-"/>
+            </a:pPr>
+            <a:r>
+              <a:rPr lang="de-DE" sz="1600" dirty="0"/>
+              <a:t>In </a:t>
+            </a:r>
+            <a:r>
+              <a:rPr lang="de-DE" sz="1600" dirty="0" err="1"/>
+              <a:t>Moodle</a:t>
+            </a:r>
+            <a:r>
+              <a:rPr lang="de-DE" sz="1600" dirty="0"/>
+              <a:t> </a:t>
+            </a:r>
+            <a:r>
+              <a:rPr lang="de-DE" sz="1600" dirty="0" err="1"/>
+              <a:t>included</a:t>
+            </a:r>
+            <a:r>
+              <a:rPr lang="de-DE" sz="1600" dirty="0"/>
+              <a:t> Planner/</a:t>
+            </a:r>
+            <a:r>
+              <a:rPr lang="de-DE" sz="1600" dirty="0" err="1"/>
+              <a:t>Kanboard</a:t>
+            </a:r>
+            <a:r>
+              <a:rPr lang="de-DE" sz="1600" dirty="0"/>
+              <a:t> </a:t>
+            </a:r>
+            <a:r>
+              <a:rPr lang="de-DE" sz="1600" dirty="0" err="1"/>
+              <a:t>app</a:t>
+            </a:r>
+            <a:r>
+              <a:rPr lang="de-DE" sz="1600" dirty="0"/>
+              <a:t> </a:t>
+            </a:r>
+          </a:p>
+          <a:p>
+            <a:pPr marL="742950" lvl="1" indent="-285750">
+              <a:buFontTx/>
+              <a:buChar char="-"/>
+            </a:pPr>
+            <a:r>
+              <a:rPr lang="de-DE" sz="1600" dirty="0"/>
+              <a:t>In </a:t>
+            </a:r>
+            <a:r>
+              <a:rPr lang="de-DE" sz="1600" dirty="0" err="1"/>
+              <a:t>Moodle</a:t>
+            </a:r>
+            <a:r>
+              <a:rPr lang="de-DE" sz="1600" dirty="0"/>
+              <a:t> </a:t>
+            </a:r>
+            <a:r>
+              <a:rPr lang="de-DE" sz="1600" dirty="0" err="1"/>
+              <a:t>included</a:t>
+            </a:r>
+            <a:r>
+              <a:rPr lang="de-DE" sz="1600" dirty="0"/>
+              <a:t> </a:t>
+            </a:r>
+            <a:r>
+              <a:rPr lang="de-DE" sz="1600" dirty="0" err="1"/>
+              <a:t>Timetable</a:t>
+            </a:r>
+            <a:r>
+              <a:rPr lang="de-DE" sz="1600" dirty="0"/>
+              <a:t> (</a:t>
+            </a:r>
+            <a:r>
+              <a:rPr lang="de-DE" sz="1600" dirty="0" err="1"/>
+              <a:t>instead</a:t>
+            </a:r>
+            <a:r>
+              <a:rPr lang="de-DE" sz="1600" dirty="0"/>
+              <a:t> </a:t>
+            </a:r>
+            <a:r>
+              <a:rPr lang="de-DE" sz="1600" dirty="0" err="1"/>
+              <a:t>of</a:t>
+            </a:r>
+            <a:r>
+              <a:rPr lang="de-DE" sz="1600" dirty="0"/>
+              <a:t> external Google Doc)</a:t>
+            </a:r>
+          </a:p>
+          <a:p>
+            <a:pPr marL="742950" lvl="1" indent="-285750">
+              <a:buFontTx/>
+              <a:buChar char="-"/>
+            </a:pPr>
+            <a:r>
+              <a:rPr lang="de-DE" sz="1600" dirty="0" err="1"/>
+              <a:t>Only</a:t>
+            </a:r>
+            <a:r>
+              <a:rPr lang="de-DE" sz="1600" dirty="0"/>
+              <a:t> </a:t>
+            </a:r>
+            <a:r>
+              <a:rPr lang="de-DE" sz="1600" dirty="0" err="1"/>
+              <a:t>include</a:t>
+            </a:r>
+            <a:r>
+              <a:rPr lang="de-DE" sz="1600" dirty="0"/>
+              <a:t> Infos in </a:t>
+            </a:r>
+            <a:r>
+              <a:rPr lang="de-DE" sz="1600" dirty="0" err="1"/>
+              <a:t>Moodle</a:t>
+            </a:r>
+            <a:r>
+              <a:rPr lang="de-DE" sz="1600" dirty="0"/>
+              <a:t> </a:t>
+            </a:r>
+            <a:r>
+              <a:rPr lang="de-DE" sz="1600" dirty="0" err="1"/>
+              <a:t>which</a:t>
+            </a:r>
+            <a:r>
+              <a:rPr lang="de-DE" sz="1600" dirty="0"/>
+              <a:t> </a:t>
+            </a:r>
+            <a:r>
+              <a:rPr lang="de-DE" sz="1600" dirty="0" err="1"/>
+              <a:t>are</a:t>
+            </a:r>
+            <a:r>
+              <a:rPr lang="de-DE" sz="1600" dirty="0"/>
+              <a:t> relevant </a:t>
+            </a:r>
+            <a:r>
+              <a:rPr lang="de-DE" sz="1600" dirty="0" err="1"/>
+              <a:t>for</a:t>
+            </a:r>
+            <a:r>
+              <a:rPr lang="de-DE" sz="1600" dirty="0"/>
+              <a:t> </a:t>
+            </a:r>
+            <a:r>
+              <a:rPr lang="de-DE" sz="1600" dirty="0" err="1"/>
+              <a:t>the</a:t>
+            </a:r>
+            <a:r>
+              <a:rPr lang="de-DE" sz="1600" dirty="0"/>
+              <a:t>  </a:t>
+            </a:r>
+            <a:r>
+              <a:rPr lang="de-DE" sz="1600" dirty="0" err="1"/>
+              <a:t>respective</a:t>
+            </a:r>
+            <a:r>
+              <a:rPr lang="de-DE" sz="1600" dirty="0"/>
+              <a:t> Student (</a:t>
+            </a:r>
+            <a:r>
+              <a:rPr lang="de-DE" sz="1600" dirty="0" err="1"/>
+              <a:t>no</a:t>
+            </a:r>
+            <a:r>
+              <a:rPr lang="de-DE" sz="1600" dirty="0"/>
+              <a:t> </a:t>
+            </a:r>
+            <a:r>
+              <a:rPr lang="de-DE" sz="1600" dirty="0" err="1"/>
+              <a:t>courses</a:t>
+            </a:r>
+            <a:r>
+              <a:rPr lang="de-DE" sz="1600" dirty="0"/>
+              <a:t> </a:t>
+            </a:r>
+            <a:r>
+              <a:rPr lang="de-DE" sz="1600" dirty="0" err="1"/>
+              <a:t>from</a:t>
+            </a:r>
+            <a:r>
+              <a:rPr lang="de-DE" sz="1600" dirty="0"/>
+              <a:t> </a:t>
+            </a:r>
+            <a:r>
+              <a:rPr lang="de-DE" sz="1600" dirty="0" err="1"/>
+              <a:t>chemistry</a:t>
+            </a:r>
+            <a:r>
+              <a:rPr lang="de-DE" sz="1600" dirty="0"/>
+              <a:t> </a:t>
+            </a:r>
+            <a:r>
+              <a:rPr lang="de-DE" sz="1600" dirty="0" err="1"/>
+              <a:t>for</a:t>
+            </a:r>
+            <a:r>
+              <a:rPr lang="de-DE" sz="1600" dirty="0"/>
+              <a:t> </a:t>
+            </a:r>
+            <a:r>
+              <a:rPr lang="de-DE" sz="1600" dirty="0" err="1"/>
+              <a:t>example</a:t>
+            </a:r>
+            <a:r>
+              <a:rPr lang="de-DE" sz="1600" dirty="0"/>
+              <a:t>)</a:t>
+            </a:r>
+          </a:p>
+          <a:p>
+            <a:pPr marL="742950" lvl="1" indent="-285750">
+              <a:buFontTx/>
+              <a:buChar char="-"/>
+            </a:pPr>
+            <a:r>
+              <a:rPr lang="de-DE" sz="1600" dirty="0"/>
+              <a:t>In </a:t>
+            </a:r>
+            <a:r>
+              <a:rPr lang="de-DE" sz="1600" dirty="0" err="1"/>
+              <a:t>Moodle</a:t>
+            </a:r>
+            <a:r>
+              <a:rPr lang="de-DE" sz="1600" dirty="0"/>
+              <a:t> Integrated </a:t>
+            </a:r>
+            <a:r>
+              <a:rPr lang="de-DE" sz="1600" dirty="0" err="1"/>
+              <a:t>GitLab</a:t>
+            </a:r>
+            <a:r>
+              <a:rPr lang="de-DE" sz="1600" dirty="0"/>
+              <a:t> </a:t>
+            </a:r>
+            <a:r>
+              <a:rPr lang="de-DE" sz="1600" dirty="0" err="1"/>
+              <a:t>for</a:t>
+            </a:r>
+            <a:r>
+              <a:rPr lang="de-DE" sz="1600" dirty="0"/>
+              <a:t> </a:t>
+            </a:r>
+            <a:r>
+              <a:rPr lang="de-DE" sz="1600" dirty="0" err="1"/>
+              <a:t>every</a:t>
+            </a:r>
+            <a:r>
+              <a:rPr lang="de-DE" sz="1600" dirty="0"/>
+              <a:t> Student </a:t>
+            </a:r>
+          </a:p>
+          <a:p>
+            <a:pPr marL="742950" lvl="1" indent="-285750">
+              <a:buFontTx/>
+              <a:buChar char="-"/>
+            </a:pPr>
+            <a:r>
+              <a:rPr lang="de-DE" sz="1600" dirty="0"/>
+              <a:t>Own </a:t>
+            </a:r>
+            <a:r>
+              <a:rPr lang="de-DE" sz="1600" dirty="0" err="1"/>
+              <a:t>Virtualization</a:t>
+            </a:r>
+            <a:r>
+              <a:rPr lang="de-DE" sz="1600" dirty="0"/>
+              <a:t> </a:t>
+            </a:r>
+            <a:r>
+              <a:rPr lang="de-DE" sz="1600" dirty="0" err="1"/>
+              <a:t>Platform</a:t>
+            </a:r>
+            <a:r>
+              <a:rPr lang="de-DE" sz="1600" dirty="0"/>
+              <a:t> </a:t>
+            </a:r>
+            <a:r>
+              <a:rPr lang="de-DE" sz="1600" dirty="0" err="1"/>
+              <a:t>for</a:t>
+            </a:r>
+            <a:r>
+              <a:rPr lang="de-DE" sz="1600" dirty="0"/>
+              <a:t> </a:t>
+            </a:r>
+            <a:r>
+              <a:rPr lang="de-DE" sz="1600" dirty="0" err="1"/>
+              <a:t>Students</a:t>
+            </a:r>
+            <a:r>
+              <a:rPr lang="de-DE" sz="1600" dirty="0"/>
+              <a:t> to deploy </a:t>
+            </a:r>
+            <a:r>
+              <a:rPr lang="de-DE" sz="1600" dirty="0" err="1"/>
+              <a:t>their</a:t>
+            </a:r>
+            <a:r>
+              <a:rPr lang="de-DE" sz="1600" dirty="0"/>
+              <a:t> VMs (like VCenter</a:t>
+            </a:r>
+          </a:p>
+          <a:p>
+            <a:endParaRPr lang="de-DE" sz="1600" dirty="0"/>
+          </a:p>
+          <a:p>
+            <a:r>
+              <a:rPr lang="de-DE" sz="1600" dirty="0"/>
+              <a:t>The Realist:</a:t>
+            </a:r>
+          </a:p>
+          <a:p>
+            <a:r>
+              <a:rPr lang="de-DE" sz="1600" dirty="0"/>
+              <a:t>	</a:t>
+            </a:r>
+            <a:r>
+              <a:rPr lang="de-DE" sz="1600" dirty="0" err="1"/>
+              <a:t>ChatGPT</a:t>
+            </a:r>
+            <a:r>
+              <a:rPr lang="de-DE" sz="1600" dirty="0"/>
+              <a:t>:</a:t>
+            </a:r>
+          </a:p>
+          <a:p>
+            <a:pPr lvl="1"/>
+            <a:r>
+              <a:rPr lang="de-DE" sz="1600" dirty="0"/>
+              <a:t>	- </a:t>
+            </a:r>
+            <a:r>
+              <a:rPr lang="de-DE" sz="1600" dirty="0" err="1"/>
+              <a:t>OpenAI</a:t>
+            </a:r>
+            <a:r>
+              <a:rPr lang="de-DE" sz="1600" dirty="0"/>
+              <a:t> </a:t>
+            </a:r>
+            <a:r>
+              <a:rPr lang="de-DE" sz="1600" dirty="0" err="1"/>
+              <a:t>ChatGPT</a:t>
+            </a:r>
+            <a:r>
+              <a:rPr lang="de-DE" sz="1600" dirty="0"/>
+              <a:t> </a:t>
+            </a:r>
+            <a:r>
+              <a:rPr lang="de-DE" sz="1600" dirty="0" err="1"/>
+              <a:t>subscription</a:t>
+            </a:r>
+            <a:r>
+              <a:rPr lang="de-DE" sz="1600" dirty="0"/>
+              <a:t> </a:t>
+            </a:r>
+            <a:r>
+              <a:rPr lang="de-DE" sz="1600" dirty="0" err="1"/>
+              <a:t>too</a:t>
+            </a:r>
+            <a:r>
+              <a:rPr lang="de-DE" sz="1600" dirty="0"/>
+              <a:t> expensive</a:t>
+            </a:r>
+          </a:p>
+          <a:p>
+            <a:pPr lvl="1"/>
+            <a:r>
+              <a:rPr lang="de-DE" sz="1600" dirty="0"/>
+              <a:t>	- On-Prem </a:t>
+            </a:r>
+            <a:r>
+              <a:rPr lang="de-DE" sz="1600" dirty="0" err="1"/>
+              <a:t>ChatGPT</a:t>
+            </a:r>
+            <a:endParaRPr lang="de-DE" sz="1600" dirty="0"/>
+          </a:p>
+          <a:p>
+            <a:r>
+              <a:rPr lang="de-DE" sz="1600" dirty="0"/>
+              <a:t>	</a:t>
+            </a:r>
+            <a:r>
+              <a:rPr lang="de-DE" sz="1600" dirty="0" err="1"/>
+              <a:t>Moodle</a:t>
+            </a:r>
+            <a:r>
+              <a:rPr lang="de-DE" sz="1600" dirty="0"/>
+              <a:t>:</a:t>
+            </a:r>
+          </a:p>
+          <a:p>
+            <a:r>
+              <a:rPr lang="de-DE" sz="1600" dirty="0"/>
+              <a:t>	- Include Modules in </a:t>
+            </a:r>
+            <a:r>
+              <a:rPr lang="de-DE" sz="1600" dirty="0" err="1"/>
+              <a:t>Moodle</a:t>
+            </a:r>
+            <a:r>
+              <a:rPr lang="de-DE" sz="1600" dirty="0"/>
+              <a:t> </a:t>
+            </a:r>
+            <a:r>
+              <a:rPr lang="de-DE" sz="1600" dirty="0" err="1"/>
+              <a:t>using</a:t>
+            </a:r>
+            <a:r>
+              <a:rPr lang="de-DE" sz="1600" dirty="0"/>
+              <a:t> </a:t>
+            </a:r>
+            <a:r>
+              <a:rPr lang="de-DE" sz="1600" dirty="0" err="1"/>
+              <a:t>Iframes</a:t>
+            </a:r>
+            <a:r>
+              <a:rPr lang="de-DE" sz="1600" dirty="0"/>
+              <a:t> (</a:t>
+            </a:r>
+            <a:r>
+              <a:rPr lang="de-DE" sz="1600" dirty="0" err="1"/>
+              <a:t>for</a:t>
+            </a:r>
+            <a:r>
+              <a:rPr lang="de-DE" sz="1600" dirty="0"/>
+              <a:t> Chat/Meeting, </a:t>
+            </a:r>
+            <a:r>
+              <a:rPr lang="de-DE" sz="1600" dirty="0" err="1"/>
+              <a:t>Timetable</a:t>
+            </a:r>
+            <a:r>
+              <a:rPr lang="de-DE" sz="1600" dirty="0"/>
+              <a:t>, </a:t>
+            </a:r>
+            <a:r>
+              <a:rPr lang="de-DE" sz="1600" dirty="0" err="1"/>
+              <a:t>Gitlab</a:t>
+            </a:r>
+            <a:r>
+              <a:rPr lang="de-DE" sz="1600" dirty="0"/>
+              <a:t>, Wiki, </a:t>
+            </a:r>
+            <a:r>
+              <a:rPr lang="de-DE" sz="1600" dirty="0" err="1"/>
+              <a:t>ChatGPT</a:t>
+            </a:r>
+            <a:r>
+              <a:rPr lang="de-DE" sz="1600" dirty="0"/>
+              <a:t> </a:t>
+            </a:r>
+            <a:r>
+              <a:rPr lang="de-DE" sz="1600" dirty="0" err="1"/>
+              <a:t>app</a:t>
+            </a:r>
+            <a:r>
+              <a:rPr lang="de-DE" sz="1600" dirty="0"/>
+              <a:t> etc.)</a:t>
+            </a:r>
+          </a:p>
+          <a:p>
+            <a:r>
+              <a:rPr lang="de-DE" sz="1600" dirty="0"/>
+              <a:t>		</a:t>
+            </a:r>
+          </a:p>
+          <a:p>
+            <a:r>
+              <a:rPr lang="de-DE" sz="1600" dirty="0"/>
+              <a:t>The </a:t>
+            </a:r>
+            <a:r>
+              <a:rPr lang="de-DE" sz="1600" dirty="0" err="1"/>
+              <a:t>Critic</a:t>
+            </a:r>
+            <a:r>
+              <a:rPr lang="de-DE" sz="1600" dirty="0"/>
+              <a:t>:</a:t>
+            </a:r>
+          </a:p>
+          <a:p>
+            <a:r>
+              <a:rPr lang="de-DE" sz="1600" dirty="0"/>
+              <a:t>	</a:t>
+            </a:r>
+            <a:r>
+              <a:rPr lang="de-DE" sz="1600" dirty="0" err="1"/>
+              <a:t>ChatGPT</a:t>
+            </a:r>
+            <a:r>
+              <a:rPr lang="de-DE" sz="1600" dirty="0"/>
+              <a:t>:</a:t>
+            </a:r>
+          </a:p>
+          <a:p>
+            <a:r>
+              <a:rPr lang="de-DE" sz="1600" dirty="0"/>
+              <a:t>	- Needs </a:t>
+            </a:r>
+            <a:r>
+              <a:rPr lang="de-DE" sz="1600" dirty="0" err="1"/>
+              <a:t>too</a:t>
+            </a:r>
+            <a:r>
+              <a:rPr lang="de-DE" sz="1600" dirty="0"/>
+              <a:t> </a:t>
+            </a:r>
+            <a:r>
+              <a:rPr lang="de-DE" sz="1600" dirty="0" err="1"/>
+              <a:t>much</a:t>
+            </a:r>
+            <a:r>
+              <a:rPr lang="de-DE" sz="1600" dirty="0"/>
+              <a:t> power/</a:t>
+            </a:r>
+            <a:r>
+              <a:rPr lang="de-DE" sz="1600" dirty="0" err="1"/>
+              <a:t>too</a:t>
+            </a:r>
+            <a:r>
+              <a:rPr lang="de-DE" sz="1600" dirty="0"/>
+              <a:t> </a:t>
+            </a:r>
+            <a:r>
+              <a:rPr lang="de-DE" sz="1600" dirty="0" err="1"/>
+              <a:t>many</a:t>
+            </a:r>
+            <a:r>
+              <a:rPr lang="de-DE" sz="1600" dirty="0"/>
+              <a:t> </a:t>
+            </a:r>
+            <a:r>
+              <a:rPr lang="de-DE" sz="1600" dirty="0" err="1"/>
+              <a:t>hardware</a:t>
+            </a:r>
+            <a:r>
+              <a:rPr lang="de-DE" sz="1600" dirty="0"/>
+              <a:t> </a:t>
+            </a:r>
+            <a:r>
+              <a:rPr lang="de-DE" sz="1600" dirty="0" err="1"/>
+              <a:t>ressources</a:t>
+            </a:r>
+            <a:endParaRPr lang="de-DE" sz="1600" dirty="0"/>
+          </a:p>
+          <a:p>
+            <a:r>
+              <a:rPr lang="de-DE" sz="1600" dirty="0"/>
+              <a:t>	- High power </a:t>
+            </a:r>
+            <a:r>
+              <a:rPr lang="de-DE" sz="1600" dirty="0" err="1"/>
+              <a:t>usage</a:t>
+            </a:r>
+            <a:r>
+              <a:rPr lang="de-DE" sz="1600" dirty="0"/>
+              <a:t> = high CO2 </a:t>
+            </a:r>
+            <a:r>
+              <a:rPr lang="de-DE" sz="1600" dirty="0" err="1"/>
+              <a:t>exhaustions</a:t>
+            </a:r>
+            <a:endParaRPr lang="de-DE" sz="1600" dirty="0"/>
+          </a:p>
+          <a:p>
+            <a:r>
+              <a:rPr lang="de-DE" sz="1600" dirty="0"/>
+              <a:t>	Wiki:</a:t>
+            </a:r>
+          </a:p>
+          <a:p>
+            <a:r>
+              <a:rPr lang="de-DE" sz="1600" dirty="0"/>
+              <a:t>	- Teachers </a:t>
+            </a:r>
+            <a:r>
+              <a:rPr lang="de-DE" sz="1600" dirty="0" err="1"/>
+              <a:t>need</a:t>
+            </a:r>
+            <a:r>
+              <a:rPr lang="de-DE" sz="1600" dirty="0"/>
+              <a:t> to check </a:t>
+            </a:r>
+            <a:r>
+              <a:rPr lang="de-DE" sz="1600" dirty="0" err="1"/>
+              <a:t>content</a:t>
+            </a:r>
+            <a:r>
+              <a:rPr lang="de-DE" sz="1600" dirty="0"/>
+              <a:t> </a:t>
+            </a:r>
+            <a:r>
+              <a:rPr lang="de-DE" sz="1600" dirty="0" err="1"/>
+              <a:t>contributed</a:t>
+            </a:r>
+            <a:r>
+              <a:rPr lang="de-DE" sz="1600" dirty="0"/>
+              <a:t> </a:t>
+            </a:r>
+            <a:r>
+              <a:rPr lang="de-DE" sz="1600" dirty="0" err="1"/>
+              <a:t>by</a:t>
+            </a:r>
+            <a:r>
+              <a:rPr lang="de-DE" sz="1600" dirty="0"/>
+              <a:t> </a:t>
+            </a:r>
+            <a:r>
+              <a:rPr lang="de-DE" sz="1600" dirty="0" err="1"/>
+              <a:t>students</a:t>
+            </a:r>
+            <a:endParaRPr lang="de-DE" sz="1600" dirty="0"/>
+          </a:p>
+          <a:p>
+            <a:r>
+              <a:rPr lang="de-DE" dirty="0"/>
+              <a:t>	</a:t>
+            </a:r>
           </a:p>
         </p:txBody>
       </p:sp>
       <p:sp>
         <p:nvSpPr>
-          <p:cNvPr id="3" name="Rectangle: Rounded Corners 3">
+          <p:cNvPr id="3" name="TextBox 2">
             <a:extLst>
               <a:ext uri="{FF2B5EF4-FFF2-40B4-BE49-F238E27FC236}">
-                <a16:creationId xmlns:a16="http://schemas.microsoft.com/office/drawing/2014/main" id="{9DDE0463-BEE0-3E28-A634-5480B7A22AF3}"/>
+                <a16:creationId xmlns:a16="http://schemas.microsoft.com/office/drawing/2014/main" id="{8C33EB48-5F85-2B6E-4890-ECFE9AC13B48}"/>
               </a:ext>
             </a:extLst>
           </p:cNvPr>
-          <p:cNvSpPr/>
+          <p:cNvSpPr txBox="1"/>
           <p:nvPr/>
         </p:nvSpPr>
         <p:spPr>
           <a:xfrm>
-            <a:off x="6862118" y="4260641"/>
-            <a:ext cx="1108706" cy="605282"/>
+            <a:off x="1803400" y="228600"/>
+            <a:ext cx="9017000" cy="707886"/>
           </a:xfrm>
-          <a:prstGeom prst="roundRect">
+          <a:prstGeom prst="rect">
             <a:avLst/>
           </a:prstGeom>
-          <a:solidFill>
-            <a:srgbClr val="8E573E"/>
-          </a:solidFill>
-          <a:ln w="19050">
-            <a:solidFill>
-              <a:schemeClr val="tx1"/>
-            </a:solidFill>
-          </a:ln>
+          <a:noFill/>
         </p:spPr>
-        <p:style>
-          <a:lnRef idx="2">
-            <a:schemeClr val="accent1">
-              <a:shade val="50000"/>
-            </a:schemeClr>
-          </a:lnRef>
-          <a:fillRef idx="1">
-            <a:schemeClr val="accent1"/>
-          </a:fillRef>
-          <a:effectRef idx="0">
-            <a:schemeClr val="accent1"/>
-          </a:effectRef>
-          <a:fontRef idx="minor">
-            <a:schemeClr val="lt1"/>
-          </a:fontRef>
-        </p:style>
         <p:txBody>
-          <a:bodyPr rtlCol="0" anchor="ctr"/>
+          <a:bodyPr wrap="square" rtlCol="0">
+            <a:spAutoFit/>
+          </a:bodyPr>
           <a:lstStyle/>
           <a:p>
-            <a:pPr defTabSz="777240">
-              <a:spcAft>
-                <a:spcPts val="600"/>
-              </a:spcAft>
+            <a:pPr algn="ctr"/>
+            <a:r>
+              <a:rPr lang="de-DE" sz="4000" dirty="0">
+                <a:latin typeface="+mj-lt"/>
+              </a:rPr>
+              <a:t>Walt Disney Method</a:t>
+            </a:r>
+          </a:p>
+        </p:txBody>
+      </p:sp>
+    </p:spTree>
+    <p:extLst>
+      <p:ext uri="{BB962C8B-B14F-4D97-AF65-F5344CB8AC3E}">
+        <p14:creationId xmlns:p14="http://schemas.microsoft.com/office/powerpoint/2010/main" val="767207952"/>
+      </p:ext>
+    </p:extLst>
+  </p:cSld>
+  <p:clrMapOvr>
+    <a:masterClrMapping/>
+  </p:clrMapOvr>
+</p:sld>
+</file>
+
+<file path=ppt/slides/slide11.xml><?xml version="1.0" encoding="utf-8"?>
+<p:sld xmlns:a="http://schemas.openxmlformats.org/drawingml/2006/main" xmlns:r="http://schemas.openxmlformats.org/officeDocument/2006/relationships" xmlns:p="http://schemas.openxmlformats.org/presentationml/2006/main">
+  <p:cSld>
+    <p:spTree>
+      <p:nvGrpSpPr>
+        <p:cNvPr id="1" name=""/>
+        <p:cNvGrpSpPr/>
+        <p:nvPr/>
+      </p:nvGrpSpPr>
+      <p:grpSpPr>
+        <a:xfrm>
+          <a:off x="0" y="0"/>
+          <a:ext cx="0" cy="0"/>
+          <a:chOff x="0" y="0"/>
+          <a:chExt cx="0" cy="0"/>
+        </a:xfrm>
+      </p:grpSpPr>
+      <p:sp>
+        <p:nvSpPr>
+          <p:cNvPr id="2" name="TextBox 1">
+            <a:extLst>
+              <a:ext uri="{FF2B5EF4-FFF2-40B4-BE49-F238E27FC236}">
+                <a16:creationId xmlns:a16="http://schemas.microsoft.com/office/drawing/2014/main" id="{240CB6FA-FF19-B0A8-B480-AD52F4BAF123}"/>
+              </a:ext>
+            </a:extLst>
+          </p:cNvPr>
+          <p:cNvSpPr txBox="1"/>
+          <p:nvPr/>
+        </p:nvSpPr>
+        <p:spPr>
+          <a:xfrm>
+            <a:off x="1587500" y="246356"/>
+            <a:ext cx="9017000" cy="584775"/>
+          </a:xfrm>
+          <a:prstGeom prst="rect">
+            <a:avLst/>
+          </a:prstGeom>
+          <a:noFill/>
+        </p:spPr>
+        <p:txBody>
+          <a:bodyPr wrap="square" rtlCol="0">
+            <a:spAutoFit/>
+          </a:bodyPr>
+          <a:lstStyle/>
+          <a:p>
+            <a:pPr algn="ctr"/>
+            <a:r>
+              <a:rPr lang="de-DE" sz="3200" dirty="0">
+                <a:latin typeface="+mj-lt"/>
+              </a:rPr>
+              <a:t>Infrastructure Architecture</a:t>
+            </a:r>
+          </a:p>
+        </p:txBody>
+      </p:sp>
+      <p:pic>
+        <p:nvPicPr>
+          <p:cNvPr id="6" name="Picture 5" descr="A diagram of a computer&#10;&#10;Description automatically generated">
+            <a:extLst>
+              <a:ext uri="{FF2B5EF4-FFF2-40B4-BE49-F238E27FC236}">
+                <a16:creationId xmlns:a16="http://schemas.microsoft.com/office/drawing/2014/main" id="{1927A0D3-D520-B970-C298-D84CFA114B86}"/>
+              </a:ext>
+            </a:extLst>
+          </p:cNvPr>
+          <p:cNvPicPr>
+            <a:picLocks noChangeAspect="1"/>
+          </p:cNvPicPr>
+          <p:nvPr/>
+        </p:nvPicPr>
+        <p:blipFill>
+          <a:blip r:embed="rId2">
+            <a:extLst>
+              <a:ext uri="{28A0092B-C50C-407E-A947-70E740481C1C}">
+                <a14:useLocalDpi xmlns:a14="http://schemas.microsoft.com/office/drawing/2010/main" val="0"/>
+              </a:ext>
+            </a:extLst>
+          </a:blip>
+          <a:stretch>
+            <a:fillRect/>
+          </a:stretch>
+        </p:blipFill>
+        <p:spPr>
+          <a:xfrm>
+            <a:off x="1064564" y="1163313"/>
+            <a:ext cx="8625261" cy="4817609"/>
+          </a:xfrm>
+          <a:prstGeom prst="rect">
+            <a:avLst/>
+          </a:prstGeom>
+        </p:spPr>
+      </p:pic>
+    </p:spTree>
+    <p:extLst>
+      <p:ext uri="{BB962C8B-B14F-4D97-AF65-F5344CB8AC3E}">
+        <p14:creationId xmlns:p14="http://schemas.microsoft.com/office/powerpoint/2010/main" val="1546852388"/>
+      </p:ext>
+    </p:extLst>
+  </p:cSld>
+  <p:clrMapOvr>
+    <a:masterClrMapping/>
+  </p:clrMapOvr>
+</p:sld>
+</file>
+
+<file path=ppt/slides/slide12.xml><?xml version="1.0" encoding="utf-8"?>
+<p:sld xmlns:a="http://schemas.openxmlformats.org/drawingml/2006/main" xmlns:r="http://schemas.openxmlformats.org/officeDocument/2006/relationships" xmlns:p="http://schemas.openxmlformats.org/presentationml/2006/main">
+  <p:cSld>
+    <p:spTree>
+      <p:nvGrpSpPr>
+        <p:cNvPr id="1" name=""/>
+        <p:cNvGrpSpPr/>
+        <p:nvPr/>
+      </p:nvGrpSpPr>
+      <p:grpSpPr>
+        <a:xfrm>
+          <a:off x="0" y="0"/>
+          <a:ext cx="0" cy="0"/>
+          <a:chOff x="0" y="0"/>
+          <a:chExt cx="0" cy="0"/>
+        </a:xfrm>
+      </p:grpSpPr>
+      <p:pic>
+        <p:nvPicPr>
+          <p:cNvPr id="3" name="Picture 2" descr="A screenshot of a computer&#10;&#10;Description automatically generated">
+            <a:extLst>
+              <a:ext uri="{FF2B5EF4-FFF2-40B4-BE49-F238E27FC236}">
+                <a16:creationId xmlns:a16="http://schemas.microsoft.com/office/drawing/2014/main" id="{F9379BCD-1265-9ABE-5C48-AB35AE85927F}"/>
+              </a:ext>
+            </a:extLst>
+          </p:cNvPr>
+          <p:cNvPicPr>
+            <a:picLocks noChangeAspect="1"/>
+          </p:cNvPicPr>
+          <p:nvPr/>
+        </p:nvPicPr>
+        <p:blipFill>
+          <a:blip r:embed="rId2">
+            <a:extLst>
+              <a:ext uri="{28A0092B-C50C-407E-A947-70E740481C1C}">
+                <a14:useLocalDpi xmlns:a14="http://schemas.microsoft.com/office/drawing/2010/main" val="0"/>
+              </a:ext>
+            </a:extLst>
+          </a:blip>
+          <a:stretch>
+            <a:fillRect/>
+          </a:stretch>
+        </p:blipFill>
+        <p:spPr>
+          <a:xfrm>
+            <a:off x="956808" y="0"/>
+            <a:ext cx="10278384" cy="6858000"/>
+          </a:xfrm>
+          <a:prstGeom prst="rect">
+            <a:avLst/>
+          </a:prstGeom>
+        </p:spPr>
+      </p:pic>
+      <p:sp>
+        <p:nvSpPr>
+          <p:cNvPr id="4" name="TextBox 3">
+            <a:extLst>
+              <a:ext uri="{FF2B5EF4-FFF2-40B4-BE49-F238E27FC236}">
+                <a16:creationId xmlns:a16="http://schemas.microsoft.com/office/drawing/2014/main" id="{923CC472-6A2C-92D6-0F40-B8055452C1E3}"/>
+              </a:ext>
+            </a:extLst>
+          </p:cNvPr>
+          <p:cNvSpPr txBox="1"/>
+          <p:nvPr/>
+        </p:nvSpPr>
+        <p:spPr>
+          <a:xfrm>
+            <a:off x="1257300" y="1628775"/>
+            <a:ext cx="1860550" cy="1569660"/>
+          </a:xfrm>
+          <a:prstGeom prst="rect">
+            <a:avLst/>
+          </a:prstGeom>
+          <a:noFill/>
+        </p:spPr>
+        <p:txBody>
+          <a:bodyPr wrap="square" rtlCol="0">
+            <a:spAutoFit/>
+          </a:bodyPr>
+          <a:lstStyle/>
+          <a:p>
+            <a:r>
+              <a:rPr lang="de-DE" sz="800" dirty="0"/>
+              <a:t>Key Partners:</a:t>
+            </a:r>
+          </a:p>
+          <a:p>
+            <a:pPr marL="171450" indent="-171450">
+              <a:buFont typeface="Arial" panose="020B0604020202020204" pitchFamily="34" charset="0"/>
+              <a:buChar char="•"/>
             </a:pPr>
             <a:r>
-              <a:rPr lang="en-US" sz="1000" dirty="0">
-                <a:solidFill>
-                  <a:schemeClr val="bg1"/>
-                </a:solidFill>
-                <a:effectLst/>
-                <a:latin typeface="Calibri" panose="020F0502020204030204" pitchFamily="34" charset="0"/>
-              </a:rPr>
-              <a:t>School </a:t>
-            </a:r>
-            <a:r>
-              <a:rPr lang="en-US" sz="1000" dirty="0" err="1">
-                <a:solidFill>
-                  <a:schemeClr val="bg1"/>
-                </a:solidFill>
-                <a:effectLst/>
-                <a:latin typeface="Calibri" panose="020F0502020204030204" pitchFamily="34" charset="0"/>
-              </a:rPr>
-              <a:t>Webportal</a:t>
-            </a:r>
-            <a:r>
-              <a:rPr lang="en-US" sz="1000" dirty="0">
-                <a:solidFill>
-                  <a:schemeClr val="bg1"/>
-                </a:solidFill>
-                <a:effectLst/>
-                <a:latin typeface="Calibri" panose="020F0502020204030204" pitchFamily="34" charset="0"/>
-              </a:rPr>
-              <a:t> is badly structured</a:t>
-            </a:r>
+              <a:rPr lang="de-DE" sz="800" dirty="0"/>
+              <a:t>The </a:t>
+            </a:r>
+            <a:r>
+              <a:rPr lang="de-DE" sz="800" dirty="0" err="1"/>
+              <a:t>Moodle</a:t>
+            </a:r>
+            <a:r>
+              <a:rPr lang="de-DE" sz="800" dirty="0"/>
+              <a:t> </a:t>
+            </a:r>
+            <a:r>
+              <a:rPr lang="de-DE" sz="800" dirty="0" err="1"/>
+              <a:t>company</a:t>
+            </a:r>
+            <a:r>
+              <a:rPr lang="de-DE" sz="800" dirty="0"/>
+              <a:t> (</a:t>
+            </a:r>
+            <a:r>
+              <a:rPr lang="de-DE" sz="800" dirty="0" err="1"/>
+              <a:t>moodle</a:t>
+            </a:r>
+            <a:r>
+              <a:rPr lang="de-DE" sz="800" dirty="0"/>
+              <a:t>-</a:t>
+            </a:r>
+            <a:r>
+              <a:rPr lang="de-DE" sz="800" dirty="0" err="1"/>
+              <a:t>as</a:t>
+            </a:r>
+            <a:r>
+              <a:rPr lang="de-DE" sz="800" dirty="0"/>
+              <a:t>-a-service</a:t>
+            </a:r>
+          </a:p>
+          <a:p>
+            <a:pPr marL="171450" indent="-171450">
+              <a:buFont typeface="Arial" panose="020B0604020202020204" pitchFamily="34" charset="0"/>
+              <a:buChar char="•"/>
+            </a:pPr>
+            <a:r>
+              <a:rPr lang="de-DE" sz="800" dirty="0"/>
+              <a:t>The </a:t>
+            </a:r>
+            <a:r>
+              <a:rPr lang="de-DE" sz="800" dirty="0" err="1"/>
+              <a:t>teachers</a:t>
+            </a:r>
+            <a:endParaRPr lang="de-DE" sz="800" dirty="0"/>
+          </a:p>
+          <a:p>
+            <a:pPr marL="171450" indent="-171450">
+              <a:buFont typeface="Arial" panose="020B0604020202020204" pitchFamily="34" charset="0"/>
+              <a:buChar char="•"/>
+            </a:pPr>
+            <a:endParaRPr lang="de-DE" sz="800" dirty="0"/>
+          </a:p>
+          <a:p>
+            <a:r>
+              <a:rPr lang="de-DE" sz="800" dirty="0"/>
+              <a:t>Key </a:t>
+            </a:r>
+            <a:r>
+              <a:rPr lang="de-DE" sz="800" dirty="0" err="1"/>
+              <a:t>Suppliers</a:t>
+            </a:r>
+            <a:r>
+              <a:rPr lang="de-DE" sz="800" dirty="0"/>
+              <a:t>:</a:t>
+            </a:r>
+          </a:p>
+          <a:p>
+            <a:pPr marL="171450" indent="-171450">
+              <a:buFont typeface="Arial" panose="020B0604020202020204" pitchFamily="34" charset="0"/>
+              <a:buChar char="•"/>
+            </a:pPr>
+            <a:r>
+              <a:rPr lang="de-DE" sz="800" dirty="0" err="1"/>
+              <a:t>Moodle</a:t>
+            </a:r>
+            <a:r>
+              <a:rPr lang="de-DE" sz="800" dirty="0"/>
+              <a:t> (</a:t>
+            </a:r>
+            <a:r>
+              <a:rPr lang="de-DE" sz="800" dirty="0" err="1"/>
+              <a:t>the</a:t>
+            </a:r>
+            <a:r>
+              <a:rPr lang="de-DE" sz="800" dirty="0"/>
+              <a:t> </a:t>
+            </a:r>
+            <a:r>
+              <a:rPr lang="de-DE" sz="800" dirty="0" err="1"/>
+              <a:t>base</a:t>
+            </a:r>
+            <a:r>
+              <a:rPr lang="de-DE" sz="800" dirty="0"/>
+              <a:t> </a:t>
+            </a:r>
+            <a:r>
+              <a:rPr lang="de-DE" sz="800" dirty="0" err="1"/>
+              <a:t>platform</a:t>
+            </a:r>
+            <a:r>
+              <a:rPr lang="de-DE" sz="800" dirty="0"/>
+              <a:t>)</a:t>
+            </a:r>
+          </a:p>
+          <a:p>
+            <a:pPr marL="171450" indent="-171450">
+              <a:buFont typeface="Arial" panose="020B0604020202020204" pitchFamily="34" charset="0"/>
+              <a:buChar char="•"/>
+            </a:pPr>
+            <a:r>
+              <a:rPr lang="de-DE" sz="800" dirty="0"/>
+              <a:t>Software </a:t>
+            </a:r>
+            <a:r>
+              <a:rPr lang="de-DE" sz="800" dirty="0" err="1"/>
+              <a:t>developers</a:t>
+            </a:r>
+            <a:r>
+              <a:rPr lang="de-DE" sz="800" dirty="0"/>
+              <a:t> (</a:t>
+            </a:r>
+            <a:r>
+              <a:rPr lang="de-DE" sz="800" dirty="0" err="1"/>
+              <a:t>the</a:t>
+            </a:r>
+            <a:r>
+              <a:rPr lang="de-DE" sz="800" dirty="0"/>
+              <a:t> </a:t>
+            </a:r>
+            <a:r>
+              <a:rPr lang="de-DE" sz="800" dirty="0" err="1"/>
+              <a:t>Iframe</a:t>
+            </a:r>
+            <a:r>
+              <a:rPr lang="de-DE" sz="800" dirty="0"/>
+              <a:t> Modules</a:t>
+            </a:r>
+          </a:p>
+          <a:p>
+            <a:pPr marL="171450" indent="-171450">
+              <a:buFont typeface="Arial" panose="020B0604020202020204" pitchFamily="34" charset="0"/>
+              <a:buChar char="•"/>
+            </a:pPr>
+            <a:r>
+              <a:rPr lang="de-DE" sz="800" dirty="0"/>
+              <a:t>Hosting </a:t>
+            </a:r>
+            <a:r>
+              <a:rPr lang="de-DE" sz="800" dirty="0" err="1"/>
+              <a:t>company</a:t>
+            </a:r>
+            <a:r>
+              <a:rPr lang="de-DE" sz="800" dirty="0"/>
+              <a:t>/</a:t>
+            </a:r>
+            <a:r>
+              <a:rPr lang="de-DE" sz="800" dirty="0" err="1"/>
+              <a:t>cloud</a:t>
+            </a:r>
+            <a:r>
+              <a:rPr lang="de-DE" sz="800" dirty="0"/>
+              <a:t> (to </a:t>
+            </a:r>
+            <a:r>
+              <a:rPr lang="de-DE" sz="800" dirty="0" err="1"/>
+              <a:t>run</a:t>
+            </a:r>
+            <a:r>
+              <a:rPr lang="de-DE" sz="800" dirty="0"/>
+              <a:t> </a:t>
+            </a:r>
+            <a:r>
+              <a:rPr lang="de-DE" sz="800" dirty="0" err="1"/>
+              <a:t>the</a:t>
+            </a:r>
+            <a:r>
+              <a:rPr lang="de-DE" sz="800" dirty="0"/>
+              <a:t> </a:t>
+            </a:r>
+            <a:r>
+              <a:rPr lang="de-DE" sz="800" dirty="0" err="1"/>
+              <a:t>iframes</a:t>
+            </a:r>
+            <a:r>
+              <a:rPr lang="de-DE" sz="800" dirty="0"/>
+              <a:t> on </a:t>
+            </a:r>
+            <a:r>
+              <a:rPr lang="de-DE" sz="800" dirty="0" err="1"/>
+              <a:t>webservers</a:t>
+            </a:r>
+            <a:r>
+              <a:rPr lang="de-DE" sz="800" dirty="0"/>
+              <a:t>)</a:t>
+            </a:r>
+          </a:p>
+          <a:p>
+            <a:pPr marL="171450" indent="-171450">
+              <a:buFont typeface="Arial" panose="020B0604020202020204" pitchFamily="34" charset="0"/>
+              <a:buChar char="•"/>
+            </a:pPr>
+            <a:endParaRPr lang="de-DE" sz="800" dirty="0"/>
           </a:p>
         </p:txBody>
       </p:sp>
       <p:sp>
         <p:nvSpPr>
-          <p:cNvPr id="4" name="Rectangle: Rounded Corners 4">
+          <p:cNvPr id="5" name="TextBox 4">
             <a:extLst>
               <a:ext uri="{FF2B5EF4-FFF2-40B4-BE49-F238E27FC236}">
-                <a16:creationId xmlns:a16="http://schemas.microsoft.com/office/drawing/2014/main" id="{292008B6-8B79-F43F-251A-97D317B651CA}"/>
+                <a16:creationId xmlns:a16="http://schemas.microsoft.com/office/drawing/2014/main" id="{B180248F-0F3D-92E9-9793-C37AA3502A80}"/>
               </a:ext>
             </a:extLst>
           </p:cNvPr>
-          <p:cNvSpPr/>
+          <p:cNvSpPr txBox="1"/>
           <p:nvPr/>
         </p:nvSpPr>
         <p:spPr>
           <a:xfrm>
-            <a:off x="8791910" y="6253479"/>
-            <a:ext cx="745797" cy="523242"/>
+            <a:off x="3187700" y="1658295"/>
+            <a:ext cx="1748366" cy="707886"/>
           </a:xfrm>
-          <a:prstGeom prst="roundRect">
+          <a:prstGeom prst="rect">
             <a:avLst/>
           </a:prstGeom>
-          <a:solidFill>
-            <a:schemeClr val="accent2">
-              <a:lumMod val="20000"/>
-              <a:lumOff val="80000"/>
-            </a:schemeClr>
-          </a:solidFill>
-          <a:ln w="19050">
-            <a:solidFill>
-              <a:schemeClr val="tx1"/>
-            </a:solidFill>
-          </a:ln>
+          <a:noFill/>
         </p:spPr>
-        <p:style>
-          <a:lnRef idx="2">
-            <a:schemeClr val="accent1">
-              <a:shade val="50000"/>
-            </a:schemeClr>
-          </a:lnRef>
-          <a:fillRef idx="1">
-            <a:schemeClr val="accent1"/>
-          </a:fillRef>
-          <a:effectRef idx="0">
-            <a:schemeClr val="accent1"/>
-          </a:effectRef>
-          <a:fontRef idx="minor">
-            <a:schemeClr val="lt1"/>
-          </a:fontRef>
-        </p:style>
         <p:txBody>
-          <a:bodyPr rtlCol="0" anchor="ctr"/>
+          <a:bodyPr wrap="square" rtlCol="0">
+            <a:spAutoFit/>
+          </a:bodyPr>
           <a:lstStyle/>
           <a:p>
-            <a:pPr defTabSz="777240">
-              <a:spcAft>
-                <a:spcPts val="600"/>
-              </a:spcAft>
+            <a:pPr marL="171450" indent="-171450">
+              <a:buFont typeface="Arial" panose="020B0604020202020204" pitchFamily="34" charset="0"/>
+              <a:buChar char="•"/>
             </a:pPr>
             <a:r>
-              <a:rPr lang="de-DE" sz="850" kern="1200">
-                <a:solidFill>
-                  <a:schemeClr val="tx1"/>
-                </a:solidFill>
-                <a:latin typeface="Calibri" panose="020F0502020204030204" pitchFamily="34" charset="0"/>
-                <a:ea typeface="+mn-ea"/>
-                <a:cs typeface="+mn-cs"/>
-              </a:rPr>
-              <a:t>Not </a:t>
-            </a:r>
-            <a:r>
-              <a:rPr lang="de-DE" sz="850" kern="1200" err="1">
-                <a:solidFill>
-                  <a:schemeClr val="tx1"/>
-                </a:solidFill>
-                <a:latin typeface="Calibri" panose="020F0502020204030204" pitchFamily="34" charset="0"/>
-                <a:ea typeface="+mn-ea"/>
-                <a:cs typeface="+mn-cs"/>
-              </a:rPr>
-              <a:t>enough</a:t>
-            </a:r>
-            <a:r>
-              <a:rPr lang="de-DE" sz="850" kern="1200">
-                <a:solidFill>
-                  <a:schemeClr val="tx1"/>
-                </a:solidFill>
-                <a:latin typeface="Calibri" panose="020F0502020204030204" pitchFamily="34" charset="0"/>
-                <a:ea typeface="+mn-ea"/>
-                <a:cs typeface="+mn-cs"/>
-              </a:rPr>
-              <a:t> </a:t>
-            </a:r>
-            <a:r>
-              <a:rPr lang="de-DE" sz="850" kern="1200" err="1">
-                <a:solidFill>
-                  <a:schemeClr val="tx1"/>
-                </a:solidFill>
-                <a:latin typeface="Calibri" panose="020F0502020204030204" pitchFamily="34" charset="0"/>
-                <a:ea typeface="+mn-ea"/>
-                <a:cs typeface="+mn-cs"/>
-              </a:rPr>
+              <a:rPr lang="de-DE" sz="800" dirty="0" err="1"/>
+              <a:t>Developing</a:t>
+            </a:r>
+            <a:r>
+              <a:rPr lang="de-DE" sz="800" dirty="0"/>
+              <a:t> (</a:t>
+            </a:r>
+            <a:r>
+              <a:rPr lang="de-DE" sz="800" dirty="0" err="1"/>
+              <a:t>iframe</a:t>
+            </a:r>
+            <a:r>
+              <a:rPr lang="de-DE" sz="800" dirty="0"/>
+              <a:t>) </a:t>
+            </a:r>
+            <a:r>
+              <a:rPr lang="de-DE" sz="800" dirty="0" err="1"/>
+              <a:t>modules</a:t>
+            </a:r>
+            <a:endParaRPr lang="de-DE" sz="800" dirty="0"/>
+          </a:p>
+          <a:p>
+            <a:pPr marL="171450" indent="-171450">
+              <a:buFont typeface="Arial" panose="020B0604020202020204" pitchFamily="34" charset="0"/>
+              <a:buChar char="•"/>
+            </a:pPr>
+            <a:r>
+              <a:rPr lang="de-DE" sz="800" dirty="0"/>
+              <a:t>Talking </a:t>
+            </a:r>
+            <a:r>
+              <a:rPr lang="de-DE" sz="800" dirty="0" err="1"/>
+              <a:t>with</a:t>
+            </a:r>
+            <a:r>
+              <a:rPr lang="de-DE" sz="800" dirty="0"/>
+              <a:t> </a:t>
+            </a:r>
+            <a:r>
+              <a:rPr lang="de-DE" sz="800" dirty="0" err="1"/>
               <a:t>teachers</a:t>
             </a:r>
-            <a:endParaRPr lang="de-DE" sz="1000">
-              <a:solidFill>
-                <a:schemeClr val="tx1"/>
-              </a:solidFill>
-              <a:effectLst/>
-              <a:latin typeface="Calibri" panose="020F0502020204030204" pitchFamily="34" charset="0"/>
-            </a:endParaRPr>
+            <a:r>
+              <a:rPr lang="de-DE" sz="800" dirty="0"/>
+              <a:t> and </a:t>
+            </a:r>
+            <a:r>
+              <a:rPr lang="de-DE" sz="800" dirty="0" err="1"/>
+              <a:t>students</a:t>
+            </a:r>
+            <a:r>
+              <a:rPr lang="de-DE" sz="800" dirty="0"/>
+              <a:t> </a:t>
+            </a:r>
+            <a:r>
+              <a:rPr lang="de-DE" sz="800" dirty="0" err="1"/>
+              <a:t>what</a:t>
+            </a:r>
+            <a:r>
+              <a:rPr lang="de-DE" sz="800" dirty="0"/>
+              <a:t> </a:t>
+            </a:r>
+            <a:r>
+              <a:rPr lang="de-DE" sz="800" dirty="0" err="1"/>
+              <a:t>is</a:t>
+            </a:r>
+            <a:r>
+              <a:rPr lang="de-DE" sz="800" dirty="0"/>
+              <a:t> </a:t>
+            </a:r>
+            <a:r>
+              <a:rPr lang="de-DE" sz="800" dirty="0" err="1"/>
+              <a:t>needed</a:t>
+            </a:r>
+            <a:r>
+              <a:rPr lang="de-DE" sz="800" dirty="0"/>
+              <a:t>/</a:t>
+            </a:r>
+            <a:r>
+              <a:rPr lang="de-DE" sz="800" dirty="0" err="1"/>
+              <a:t>required</a:t>
+            </a:r>
+            <a:endParaRPr lang="de-DE" sz="800" dirty="0"/>
+          </a:p>
+          <a:p>
+            <a:pPr marL="171450" indent="-171450">
+              <a:buFont typeface="Arial" panose="020B0604020202020204" pitchFamily="34" charset="0"/>
+              <a:buChar char="•"/>
+            </a:pPr>
+            <a:endParaRPr lang="de-DE" sz="800" dirty="0"/>
           </a:p>
         </p:txBody>
       </p:sp>
       <p:sp>
         <p:nvSpPr>
-          <p:cNvPr id="5" name="Rectangle: Rounded Corners 5">
+          <p:cNvPr id="6" name="TextBox 5">
             <a:extLst>
               <a:ext uri="{FF2B5EF4-FFF2-40B4-BE49-F238E27FC236}">
-                <a16:creationId xmlns:a16="http://schemas.microsoft.com/office/drawing/2014/main" id="{1539E178-7B7A-234D-2C1E-1B62847F68ED}"/>
+                <a16:creationId xmlns:a16="http://schemas.microsoft.com/office/drawing/2014/main" id="{6A7DFC9C-A0CF-9F95-2F97-26662E05A9F0}"/>
               </a:ext>
             </a:extLst>
           </p:cNvPr>
-          <p:cNvSpPr/>
+          <p:cNvSpPr txBox="1"/>
           <p:nvPr/>
         </p:nvSpPr>
         <p:spPr>
           <a:xfrm>
-            <a:off x="5606987" y="5453090"/>
-            <a:ext cx="978025" cy="496411"/>
+            <a:off x="3187700" y="3636433"/>
+            <a:ext cx="1871133" cy="338554"/>
           </a:xfrm>
-          <a:prstGeom prst="roundRect">
+          <a:prstGeom prst="rect">
             <a:avLst/>
           </a:prstGeom>
-          <a:solidFill>
-            <a:schemeClr val="accent2">
-              <a:lumMod val="20000"/>
-              <a:lumOff val="80000"/>
-            </a:schemeClr>
-          </a:solidFill>
-          <a:ln w="19050">
-            <a:solidFill>
-              <a:schemeClr val="tx1"/>
-            </a:solidFill>
-          </a:ln>
+          <a:noFill/>
         </p:spPr>
-        <p:style>
-          <a:lnRef idx="2">
-            <a:schemeClr val="accent1">
-              <a:shade val="50000"/>
-            </a:schemeClr>
-          </a:lnRef>
-          <a:fillRef idx="1">
-            <a:schemeClr val="accent1"/>
-          </a:fillRef>
-          <a:effectRef idx="0">
-            <a:schemeClr val="accent1"/>
-          </a:effectRef>
-          <a:fontRef idx="minor">
-            <a:schemeClr val="lt1"/>
-          </a:fontRef>
-        </p:style>
         <p:txBody>
-          <a:bodyPr rtlCol="0" anchor="ctr"/>
+          <a:bodyPr wrap="square" rtlCol="0">
+            <a:spAutoFit/>
+          </a:bodyPr>
           <a:lstStyle/>
           <a:p>
-            <a:pPr defTabSz="777240">
-              <a:spcAft>
-                <a:spcPts val="600"/>
-              </a:spcAft>
+            <a:pPr marL="171450" indent="-171450">
+              <a:buFont typeface="Arial" panose="020B0604020202020204" pitchFamily="34" charset="0"/>
+              <a:buChar char="•"/>
             </a:pPr>
             <a:r>
-              <a:rPr lang="en-US" sz="850" kern="1200" dirty="0">
-                <a:solidFill>
-                  <a:schemeClr val="tx1"/>
-                </a:solidFill>
-                <a:latin typeface="Calibri" panose="020F0502020204030204" pitchFamily="34" charset="0"/>
-                <a:ea typeface="+mn-ea"/>
-                <a:cs typeface="+mn-cs"/>
-              </a:rPr>
-              <a:t>Teachers lacking skill and knowledge</a:t>
-            </a:r>
-            <a:endParaRPr lang="en-US" sz="1000" dirty="0">
-              <a:solidFill>
-                <a:schemeClr val="tx1"/>
-              </a:solidFill>
-              <a:effectLst/>
-              <a:latin typeface="Calibri" panose="020F0502020204030204" pitchFamily="34" charset="0"/>
-            </a:endParaRPr>
+              <a:rPr lang="de-DE" sz="800" dirty="0"/>
+              <a:t>Servers/Cloud to </a:t>
+            </a:r>
+            <a:r>
+              <a:rPr lang="de-DE" sz="800" dirty="0" err="1"/>
+              <a:t>run</a:t>
+            </a:r>
+            <a:r>
+              <a:rPr lang="de-DE" sz="800" dirty="0"/>
+              <a:t> </a:t>
+            </a:r>
+            <a:r>
+              <a:rPr lang="de-DE" sz="800" dirty="0" err="1"/>
+              <a:t>the</a:t>
+            </a:r>
+            <a:r>
+              <a:rPr lang="de-DE" sz="800" dirty="0"/>
+              <a:t> </a:t>
+            </a:r>
+            <a:r>
+              <a:rPr lang="de-DE" sz="800" dirty="0" err="1"/>
+              <a:t>Iframe</a:t>
+            </a:r>
+            <a:r>
+              <a:rPr lang="de-DE" sz="800" dirty="0"/>
+              <a:t> </a:t>
+            </a:r>
+            <a:r>
+              <a:rPr lang="de-DE" sz="800" dirty="0" err="1"/>
+              <a:t>modules</a:t>
+            </a:r>
+            <a:r>
+              <a:rPr lang="de-DE" sz="800" dirty="0"/>
+              <a:t> on</a:t>
+            </a:r>
           </a:p>
         </p:txBody>
       </p:sp>
       <p:sp>
         <p:nvSpPr>
-          <p:cNvPr id="6" name="Rectangle: Rounded Corners 6">
+          <p:cNvPr id="7" name="TextBox 6">
             <a:extLst>
               <a:ext uri="{FF2B5EF4-FFF2-40B4-BE49-F238E27FC236}">
-                <a16:creationId xmlns:a16="http://schemas.microsoft.com/office/drawing/2014/main" id="{DDF5F441-2B78-4E4A-3F79-1888ADA239B0}"/>
+                <a16:creationId xmlns:a16="http://schemas.microsoft.com/office/drawing/2014/main" id="{DEFBA880-3F5F-6186-1DAB-3871CFBAC2DE}"/>
               </a:ext>
             </a:extLst>
           </p:cNvPr>
-          <p:cNvSpPr/>
+          <p:cNvSpPr txBox="1"/>
           <p:nvPr/>
         </p:nvSpPr>
         <p:spPr>
           <a:xfrm>
-            <a:off x="4444533" y="5613215"/>
-            <a:ext cx="724022" cy="520385"/>
+            <a:off x="5135034" y="1909233"/>
+            <a:ext cx="1905000" cy="584775"/>
           </a:xfrm>
-          <a:prstGeom prst="roundRect">
+          <a:prstGeom prst="rect">
             <a:avLst/>
           </a:prstGeom>
-          <a:solidFill>
-            <a:schemeClr val="accent2">
-              <a:lumMod val="20000"/>
-              <a:lumOff val="80000"/>
-            </a:schemeClr>
-          </a:solidFill>
-          <a:ln w="19050">
-            <a:solidFill>
-              <a:schemeClr val="tx1"/>
-            </a:solidFill>
-          </a:ln>
+          <a:noFill/>
         </p:spPr>
-        <p:style>
-          <a:lnRef idx="2">
-            <a:schemeClr val="accent1">
-              <a:shade val="50000"/>
-            </a:schemeClr>
-          </a:lnRef>
-          <a:fillRef idx="1">
-            <a:schemeClr val="accent1"/>
-          </a:fillRef>
-          <a:effectRef idx="0">
-            <a:schemeClr val="accent1"/>
-          </a:effectRef>
-          <a:fontRef idx="minor">
-            <a:schemeClr val="lt1"/>
-          </a:fontRef>
-        </p:style>
         <p:txBody>
-          <a:bodyPr rtlCol="0" anchor="ctr"/>
+          <a:bodyPr wrap="square" rtlCol="0">
+            <a:spAutoFit/>
+          </a:bodyPr>
           <a:lstStyle/>
           <a:p>
-            <a:pPr defTabSz="777240">
-              <a:spcAft>
-                <a:spcPts val="600"/>
-              </a:spcAft>
+            <a:pPr marL="171450" indent="-171450">
+              <a:buFont typeface="Arial" panose="020B0604020202020204" pitchFamily="34" charset="0"/>
+              <a:buChar char="•"/>
             </a:pPr>
             <a:r>
-              <a:rPr lang="de-DE" sz="850" kern="1200" dirty="0">
-                <a:solidFill>
-                  <a:schemeClr val="tx1"/>
-                </a:solidFill>
-                <a:latin typeface="Calibri" panose="020F0502020204030204" pitchFamily="34" charset="0"/>
-                <a:ea typeface="+mn-ea"/>
-                <a:cs typeface="+mn-cs"/>
-              </a:rPr>
-              <a:t>Bad </a:t>
-            </a:r>
-            <a:r>
-              <a:rPr lang="de-DE" sz="850" kern="1200" dirty="0" err="1">
-                <a:solidFill>
-                  <a:schemeClr val="tx1"/>
-                </a:solidFill>
-                <a:latin typeface="Calibri" panose="020F0502020204030204" pitchFamily="34" charset="0"/>
-                <a:ea typeface="+mn-ea"/>
-                <a:cs typeface="+mn-cs"/>
-              </a:rPr>
-              <a:t>equipment</a:t>
-            </a:r>
-            <a:r>
-              <a:rPr lang="de-DE" sz="850" kern="1200" dirty="0">
-                <a:solidFill>
-                  <a:schemeClr val="tx1"/>
-                </a:solidFill>
-                <a:latin typeface="Calibri" panose="020F0502020204030204" pitchFamily="34" charset="0"/>
-                <a:ea typeface="+mn-ea"/>
-                <a:cs typeface="+mn-cs"/>
-              </a:rPr>
-              <a:t> at </a:t>
-            </a:r>
-            <a:r>
-              <a:rPr lang="de-DE" sz="850" kern="1200" dirty="0" err="1">
-                <a:solidFill>
-                  <a:schemeClr val="tx1"/>
-                </a:solidFill>
-                <a:latin typeface="Calibri" panose="020F0502020204030204" pitchFamily="34" charset="0"/>
-                <a:ea typeface="+mn-ea"/>
-                <a:cs typeface="+mn-cs"/>
-              </a:rPr>
-              <a:t>schools</a:t>
-            </a:r>
-            <a:endParaRPr lang="de-DE" sz="1000" dirty="0">
-              <a:solidFill>
-                <a:schemeClr val="tx1"/>
-              </a:solidFill>
-              <a:effectLst/>
-              <a:latin typeface="Calibri" panose="020F0502020204030204" pitchFamily="34" charset="0"/>
-            </a:endParaRPr>
+              <a:rPr lang="de-DE" sz="800" dirty="0" err="1"/>
+              <a:t>Iframe</a:t>
+            </a:r>
+            <a:r>
+              <a:rPr lang="de-DE" sz="800" dirty="0"/>
+              <a:t> Modules </a:t>
+            </a:r>
+            <a:r>
+              <a:rPr lang="de-DE" sz="800" dirty="0" err="1"/>
+              <a:t>for</a:t>
+            </a:r>
+            <a:r>
+              <a:rPr lang="de-DE" sz="800" dirty="0"/>
+              <a:t> </a:t>
+            </a:r>
+            <a:r>
+              <a:rPr lang="de-DE" sz="800" dirty="0" err="1"/>
+              <a:t>Moodle</a:t>
+            </a:r>
+            <a:r>
+              <a:rPr lang="de-DE" sz="800" dirty="0"/>
+              <a:t> </a:t>
+            </a:r>
+            <a:r>
+              <a:rPr lang="de-DE" sz="800" dirty="0" err="1"/>
+              <a:t>extend</a:t>
+            </a:r>
+            <a:r>
+              <a:rPr lang="de-DE" sz="800" dirty="0"/>
+              <a:t> </a:t>
+            </a:r>
+            <a:r>
+              <a:rPr lang="de-DE" sz="800" dirty="0" err="1"/>
+              <a:t>its</a:t>
+            </a:r>
+            <a:r>
+              <a:rPr lang="de-DE" sz="800" dirty="0"/>
+              <a:t> </a:t>
+            </a:r>
+            <a:r>
+              <a:rPr lang="de-DE" sz="800" dirty="0" err="1"/>
+              <a:t>functionality</a:t>
+            </a:r>
+            <a:r>
+              <a:rPr lang="de-DE" sz="800" dirty="0"/>
+              <a:t> and </a:t>
+            </a:r>
+            <a:r>
+              <a:rPr lang="de-DE" sz="800" dirty="0" err="1"/>
+              <a:t>allow</a:t>
+            </a:r>
+            <a:r>
+              <a:rPr lang="de-DE" sz="800" dirty="0"/>
+              <a:t> </a:t>
+            </a:r>
+            <a:r>
+              <a:rPr lang="de-DE" sz="800" dirty="0" err="1"/>
+              <a:t>for</a:t>
+            </a:r>
+            <a:r>
+              <a:rPr lang="de-DE" sz="800" dirty="0"/>
+              <a:t> a </a:t>
+            </a:r>
+            <a:r>
+              <a:rPr lang="de-DE" sz="800" dirty="0" err="1"/>
+              <a:t>better</a:t>
+            </a:r>
+            <a:r>
+              <a:rPr lang="de-DE" sz="800" dirty="0"/>
+              <a:t> and </a:t>
+            </a:r>
+            <a:r>
+              <a:rPr lang="de-DE" sz="800" dirty="0" err="1"/>
+              <a:t>more</a:t>
+            </a:r>
+            <a:r>
+              <a:rPr lang="de-DE" sz="800" dirty="0"/>
+              <a:t> </a:t>
+            </a:r>
+            <a:r>
+              <a:rPr lang="de-DE" sz="800" dirty="0" err="1"/>
+              <a:t>customizable</a:t>
+            </a:r>
+            <a:r>
+              <a:rPr lang="de-DE" sz="800" dirty="0"/>
+              <a:t> </a:t>
+            </a:r>
+            <a:r>
+              <a:rPr lang="de-DE" sz="800" dirty="0" err="1"/>
+              <a:t>moodle</a:t>
+            </a:r>
+            <a:r>
+              <a:rPr lang="de-DE" sz="800" dirty="0"/>
+              <a:t> </a:t>
+            </a:r>
+            <a:r>
+              <a:rPr lang="de-DE" sz="800" dirty="0" err="1"/>
+              <a:t>experience</a:t>
+            </a:r>
+            <a:endParaRPr lang="de-DE" sz="800" dirty="0"/>
           </a:p>
         </p:txBody>
       </p:sp>
       <p:sp>
         <p:nvSpPr>
-          <p:cNvPr id="9" name="Rectangle: Rounded Corners 19">
+          <p:cNvPr id="8" name="TextBox 7">
             <a:extLst>
               <a:ext uri="{FF2B5EF4-FFF2-40B4-BE49-F238E27FC236}">
-                <a16:creationId xmlns:a16="http://schemas.microsoft.com/office/drawing/2014/main" id="{E6F8C3F4-999A-1E0A-954B-2B3E5E2CD401}"/>
+                <a16:creationId xmlns:a16="http://schemas.microsoft.com/office/drawing/2014/main" id="{CD90FB0B-37B9-F6F0-5F9B-C46116491D3E}"/>
               </a:ext>
             </a:extLst>
           </p:cNvPr>
-          <p:cNvSpPr/>
+          <p:cNvSpPr txBox="1"/>
           <p:nvPr/>
         </p:nvSpPr>
         <p:spPr>
           <a:xfrm>
-            <a:off x="9794449" y="5498917"/>
-            <a:ext cx="745797" cy="523242"/>
+            <a:off x="9029701" y="1553633"/>
+            <a:ext cx="1904999" cy="338554"/>
           </a:xfrm>
-          <a:prstGeom prst="roundRect">
+          <a:prstGeom prst="rect">
             <a:avLst/>
           </a:prstGeom>
-          <a:solidFill>
-            <a:schemeClr val="accent2">
-              <a:lumMod val="20000"/>
-              <a:lumOff val="80000"/>
-            </a:schemeClr>
-          </a:solidFill>
-          <a:ln w="19050">
-            <a:solidFill>
-              <a:schemeClr val="tx1"/>
-            </a:solidFill>
-          </a:ln>
+          <a:noFill/>
         </p:spPr>
-        <p:style>
-          <a:lnRef idx="2">
-            <a:schemeClr val="accent1">
-              <a:shade val="50000"/>
-            </a:schemeClr>
-          </a:lnRef>
-          <a:fillRef idx="1">
-            <a:schemeClr val="accent1"/>
-          </a:fillRef>
-          <a:effectRef idx="0">
-            <a:schemeClr val="accent1"/>
-          </a:effectRef>
-          <a:fontRef idx="minor">
-            <a:schemeClr val="lt1"/>
-          </a:fontRef>
-        </p:style>
         <p:txBody>
-          <a:bodyPr rtlCol="0" anchor="ctr"/>
+          <a:bodyPr wrap="square" rtlCol="0">
+            <a:spAutoFit/>
+          </a:bodyPr>
           <a:lstStyle/>
           <a:p>
-            <a:pPr defTabSz="777240">
-              <a:spcAft>
-                <a:spcPts val="600"/>
-              </a:spcAft>
+            <a:pPr marL="171450" indent="-171450">
+              <a:buFont typeface="Arial" panose="020B0604020202020204" pitchFamily="34" charset="0"/>
+              <a:buChar char="•"/>
             </a:pPr>
             <a:r>
-              <a:rPr lang="de-DE" sz="850" kern="1200" dirty="0" err="1">
-                <a:solidFill>
-                  <a:schemeClr val="tx1"/>
-                </a:solidFill>
-                <a:latin typeface="Calibri" panose="020F0502020204030204" pitchFamily="34" charset="0"/>
-                <a:ea typeface="+mn-ea"/>
-                <a:cs typeface="+mn-cs"/>
-              </a:rPr>
-              <a:t>Too</a:t>
-            </a:r>
-            <a:r>
-              <a:rPr lang="de-DE" sz="850" kern="1200" dirty="0">
-                <a:solidFill>
-                  <a:schemeClr val="tx1"/>
-                </a:solidFill>
-                <a:latin typeface="Calibri" panose="020F0502020204030204" pitchFamily="34" charset="0"/>
-                <a:ea typeface="+mn-ea"/>
-                <a:cs typeface="+mn-cs"/>
-              </a:rPr>
-              <a:t> </a:t>
-            </a:r>
-            <a:r>
-              <a:rPr lang="de-DE" sz="850" kern="1200" dirty="0" err="1">
-                <a:solidFill>
-                  <a:schemeClr val="tx1"/>
-                </a:solidFill>
-                <a:latin typeface="Calibri" panose="020F0502020204030204" pitchFamily="34" charset="0"/>
-                <a:ea typeface="+mn-ea"/>
-                <a:cs typeface="+mn-cs"/>
-              </a:rPr>
-              <a:t>much</a:t>
-            </a:r>
-            <a:r>
-              <a:rPr lang="de-DE" sz="850" kern="1200" dirty="0">
-                <a:solidFill>
-                  <a:schemeClr val="tx1"/>
-                </a:solidFill>
-                <a:latin typeface="Calibri" panose="020F0502020204030204" pitchFamily="34" charset="0"/>
-                <a:ea typeface="+mn-ea"/>
-                <a:cs typeface="+mn-cs"/>
-              </a:rPr>
-              <a:t> </a:t>
-            </a:r>
-            <a:r>
-              <a:rPr lang="de-DE" sz="850" kern="1200" dirty="0" err="1">
-                <a:solidFill>
-                  <a:schemeClr val="tx1"/>
-                </a:solidFill>
-                <a:latin typeface="Calibri" panose="020F0502020204030204" pitchFamily="34" charset="0"/>
-                <a:ea typeface="+mn-ea"/>
-                <a:cs typeface="+mn-cs"/>
-              </a:rPr>
-              <a:t>workload</a:t>
-            </a:r>
-            <a:r>
-              <a:rPr lang="de-DE" sz="850" kern="1200" dirty="0">
-                <a:solidFill>
-                  <a:schemeClr val="tx1"/>
-                </a:solidFill>
-                <a:latin typeface="Calibri" panose="020F0502020204030204" pitchFamily="34" charset="0"/>
-                <a:ea typeface="+mn-ea"/>
-                <a:cs typeface="+mn-cs"/>
-              </a:rPr>
-              <a:t> </a:t>
-            </a:r>
-            <a:r>
-              <a:rPr lang="de-DE" sz="850" kern="1200" dirty="0" err="1">
-                <a:solidFill>
-                  <a:schemeClr val="tx1"/>
-                </a:solidFill>
-                <a:latin typeface="Calibri" panose="020F0502020204030204" pitchFamily="34" charset="0"/>
-                <a:ea typeface="+mn-ea"/>
-                <a:cs typeface="+mn-cs"/>
-              </a:rPr>
-              <a:t>for</a:t>
-            </a:r>
-            <a:r>
-              <a:rPr lang="de-DE" sz="850" kern="1200" dirty="0">
-                <a:solidFill>
-                  <a:schemeClr val="tx1"/>
-                </a:solidFill>
-                <a:latin typeface="Calibri" panose="020F0502020204030204" pitchFamily="34" charset="0"/>
-                <a:ea typeface="+mn-ea"/>
-                <a:cs typeface="+mn-cs"/>
-              </a:rPr>
-              <a:t> </a:t>
-            </a:r>
-            <a:r>
-              <a:rPr lang="de-DE" sz="850" kern="1200" dirty="0" err="1">
-                <a:solidFill>
-                  <a:schemeClr val="tx1"/>
-                </a:solidFill>
-                <a:latin typeface="Calibri" panose="020F0502020204030204" pitchFamily="34" charset="0"/>
-                <a:ea typeface="+mn-ea"/>
-                <a:cs typeface="+mn-cs"/>
-              </a:rPr>
-              <a:t>teachers</a:t>
-            </a:r>
-            <a:endParaRPr lang="de-DE" sz="1000" dirty="0">
-              <a:solidFill>
-                <a:schemeClr val="tx1"/>
-              </a:solidFill>
-              <a:effectLst/>
-              <a:latin typeface="Calibri" panose="020F0502020204030204" pitchFamily="34" charset="0"/>
-            </a:endParaRPr>
+              <a:rPr lang="de-DE" sz="800" dirty="0"/>
+              <a:t>Teachers</a:t>
+            </a:r>
+          </a:p>
+          <a:p>
+            <a:pPr marL="171450" indent="-171450">
+              <a:buFont typeface="Arial" panose="020B0604020202020204" pitchFamily="34" charset="0"/>
+              <a:buChar char="•"/>
+            </a:pPr>
+            <a:r>
+              <a:rPr lang="de-DE" sz="800" dirty="0" err="1"/>
+              <a:t>Students</a:t>
+            </a:r>
+            <a:endParaRPr lang="de-DE" sz="800" dirty="0"/>
           </a:p>
         </p:txBody>
       </p:sp>
-      <p:cxnSp>
-        <p:nvCxnSpPr>
-          <p:cNvPr id="11" name="Connector: Curved 24">
+      <p:sp>
+        <p:nvSpPr>
+          <p:cNvPr id="9" name="TextBox 8">
             <a:extLst>
               <a:ext uri="{FF2B5EF4-FFF2-40B4-BE49-F238E27FC236}">
-                <a16:creationId xmlns:a16="http://schemas.microsoft.com/office/drawing/2014/main" id="{3F2D6312-DA44-F5F3-14AA-B834D72337A6}"/>
+                <a16:creationId xmlns:a16="http://schemas.microsoft.com/office/drawing/2014/main" id="{90B45FB0-C7EE-64C6-0BAE-CBBC82C08BA2}"/>
               </a:ext>
             </a:extLst>
           </p:cNvPr>
-          <p:cNvCxnSpPr>
-            <a:stCxn id="4" idx="0"/>
-            <a:endCxn id="9" idx="2"/>
-          </p:cNvCxnSpPr>
-          <p:nvPr/>
-        </p:nvCxnSpPr>
-        <p:spPr>
-          <a:xfrm rot="5400000" flipH="1" flipV="1">
-            <a:off x="9550418" y="5636550"/>
-            <a:ext cx="231320" cy="1002539"/>
-          </a:xfrm>
-          <a:prstGeom prst="curvedConnector3">
-            <a:avLst/>
-          </a:prstGeom>
-          <a:ln>
-            <a:solidFill>
-              <a:schemeClr val="tx1"/>
-            </a:solidFill>
-            <a:tailEnd type="triangle"/>
-          </a:ln>
-        </p:spPr>
-        <p:style>
-          <a:lnRef idx="1">
-            <a:schemeClr val="accent1"/>
-          </a:lnRef>
-          <a:fillRef idx="0">
-            <a:schemeClr val="accent1"/>
-          </a:fillRef>
-          <a:effectRef idx="0">
-            <a:schemeClr val="accent1"/>
-          </a:effectRef>
-          <a:fontRef idx="minor">
-            <a:schemeClr val="tx1"/>
-          </a:fontRef>
-        </p:style>
-      </p:cxnSp>
-      <p:sp>
-        <p:nvSpPr>
-          <p:cNvPr id="12" name="Rectangle: Rounded Corners 25">
-            <a:extLst>
-              <a:ext uri="{FF2B5EF4-FFF2-40B4-BE49-F238E27FC236}">
-                <a16:creationId xmlns:a16="http://schemas.microsoft.com/office/drawing/2014/main" id="{46827CAF-B2E9-987F-C81C-D45FF5B92BD7}"/>
-              </a:ext>
-            </a:extLst>
-          </p:cNvPr>
-          <p:cNvSpPr/>
+          <p:cNvSpPr txBox="1"/>
           <p:nvPr/>
         </p:nvSpPr>
         <p:spPr>
           <a:xfrm>
-            <a:off x="4938286" y="1662713"/>
-            <a:ext cx="1340967" cy="605282"/>
+            <a:off x="2943225" y="5203825"/>
+            <a:ext cx="1860550" cy="461665"/>
           </a:xfrm>
-          <a:prstGeom prst="roundRect">
+          <a:prstGeom prst="rect">
             <a:avLst/>
           </a:prstGeom>
-          <a:solidFill>
-            <a:schemeClr val="accent6">
-              <a:lumMod val="20000"/>
-              <a:lumOff val="80000"/>
-            </a:schemeClr>
-          </a:solidFill>
-          <a:ln w="19050">
-            <a:solidFill>
-              <a:schemeClr val="tx1"/>
-            </a:solidFill>
-          </a:ln>
+          <a:noFill/>
         </p:spPr>
-        <p:style>
-          <a:lnRef idx="2">
-            <a:schemeClr val="accent1">
-              <a:shade val="50000"/>
-            </a:schemeClr>
-          </a:lnRef>
-          <a:fillRef idx="1">
-            <a:schemeClr val="accent1"/>
-          </a:fillRef>
-          <a:effectRef idx="0">
-            <a:schemeClr val="accent1"/>
-          </a:effectRef>
-          <a:fontRef idx="minor">
-            <a:schemeClr val="lt1"/>
-          </a:fontRef>
-        </p:style>
         <p:txBody>
-          <a:bodyPr rtlCol="0" anchor="ctr"/>
+          <a:bodyPr wrap="square" rtlCol="0">
+            <a:spAutoFit/>
+          </a:bodyPr>
           <a:lstStyle/>
           <a:p>
-            <a:pPr defTabSz="777240">
-              <a:spcAft>
-                <a:spcPts val="600"/>
-              </a:spcAft>
+            <a:pPr marL="171450" indent="-171450">
+              <a:buFont typeface="Arial" panose="020B0604020202020204" pitchFamily="34" charset="0"/>
+              <a:buChar char="•"/>
             </a:pPr>
             <a:r>
-              <a:rPr lang="en-US" sz="850" kern="1200" err="1">
-                <a:solidFill>
-                  <a:schemeClr val="tx1"/>
-                </a:solidFill>
-                <a:latin typeface="Calibri" panose="020F0502020204030204" pitchFamily="34" charset="0"/>
-                <a:ea typeface="+mn-ea"/>
-                <a:cs typeface="+mn-cs"/>
-              </a:rPr>
-              <a:t>Ridgid</a:t>
-            </a:r>
-            <a:r>
-              <a:rPr lang="en-US" sz="850" kern="1200">
-                <a:solidFill>
-                  <a:schemeClr val="tx1"/>
-                </a:solidFill>
-                <a:latin typeface="Calibri" panose="020F0502020204030204" pitchFamily="34" charset="0"/>
-                <a:ea typeface="+mn-ea"/>
-                <a:cs typeface="+mn-cs"/>
-              </a:rPr>
-              <a:t> curriculum which ignores individual needs and strengths + weaknesses</a:t>
-            </a:r>
-            <a:endParaRPr lang="de-DE" sz="1000">
-              <a:solidFill>
-                <a:schemeClr val="tx1"/>
-              </a:solidFill>
-              <a:effectLst/>
-              <a:latin typeface="Calibri" panose="020F0502020204030204" pitchFamily="34" charset="0"/>
-            </a:endParaRPr>
+              <a:rPr lang="de-DE" sz="800" dirty="0" err="1"/>
+              <a:t>Developing</a:t>
+            </a:r>
+            <a:r>
+              <a:rPr lang="de-DE" sz="800" dirty="0"/>
+              <a:t> </a:t>
+            </a:r>
+            <a:r>
+              <a:rPr lang="de-DE" sz="800" dirty="0" err="1"/>
+              <a:t>new</a:t>
+            </a:r>
+            <a:r>
+              <a:rPr lang="de-DE" sz="800" dirty="0"/>
+              <a:t> </a:t>
+            </a:r>
+            <a:r>
+              <a:rPr lang="de-DE" sz="800" dirty="0" err="1"/>
+              <a:t>software</a:t>
+            </a:r>
+            <a:r>
+              <a:rPr lang="de-DE" sz="800" dirty="0"/>
+              <a:t> </a:t>
+            </a:r>
+            <a:r>
+              <a:rPr lang="de-DE" sz="800" dirty="0" err="1"/>
+              <a:t>modules</a:t>
+            </a:r>
+            <a:r>
+              <a:rPr lang="de-DE" sz="800" dirty="0"/>
+              <a:t> </a:t>
+            </a:r>
+            <a:r>
+              <a:rPr lang="de-DE" sz="800" dirty="0" err="1"/>
+              <a:t>costs</a:t>
+            </a:r>
+            <a:r>
+              <a:rPr lang="de-DE" sz="800" dirty="0"/>
+              <a:t> </a:t>
+            </a:r>
+            <a:r>
+              <a:rPr lang="de-DE" sz="800" dirty="0" err="1"/>
+              <a:t>money</a:t>
+            </a:r>
+            <a:endParaRPr lang="de-DE" sz="800" dirty="0"/>
+          </a:p>
+          <a:p>
+            <a:pPr marL="171450" indent="-171450">
+              <a:buFont typeface="Arial" panose="020B0604020202020204" pitchFamily="34" charset="0"/>
+              <a:buChar char="•"/>
+            </a:pPr>
+            <a:r>
+              <a:rPr lang="de-DE" sz="800" dirty="0"/>
+              <a:t>Costs </a:t>
+            </a:r>
+            <a:r>
+              <a:rPr lang="de-DE" sz="800" dirty="0" err="1"/>
+              <a:t>for</a:t>
+            </a:r>
+            <a:r>
+              <a:rPr lang="de-DE" sz="800" dirty="0"/>
+              <a:t> </a:t>
+            </a:r>
+            <a:r>
+              <a:rPr lang="de-DE" sz="800" dirty="0" err="1"/>
+              <a:t>hosting</a:t>
+            </a:r>
+            <a:r>
+              <a:rPr lang="de-DE" sz="800" dirty="0"/>
+              <a:t>/</a:t>
+            </a:r>
+            <a:r>
+              <a:rPr lang="de-DE" sz="800" dirty="0" err="1"/>
+              <a:t>cloud</a:t>
+            </a:r>
+            <a:endParaRPr lang="de-DE" sz="800" dirty="0"/>
           </a:p>
         </p:txBody>
       </p:sp>
       <p:sp>
         <p:nvSpPr>
-          <p:cNvPr id="13" name="Rectangle: Rounded Corners 26">
+          <p:cNvPr id="10" name="TextBox 9">
             <a:extLst>
               <a:ext uri="{FF2B5EF4-FFF2-40B4-BE49-F238E27FC236}">
-                <a16:creationId xmlns:a16="http://schemas.microsoft.com/office/drawing/2014/main" id="{53185D38-75DA-3B66-86A1-629B901A0376}"/>
+                <a16:creationId xmlns:a16="http://schemas.microsoft.com/office/drawing/2014/main" id="{14E0EC42-14EA-AED6-8D6F-BDACA8901CD6}"/>
               </a:ext>
             </a:extLst>
           </p:cNvPr>
-          <p:cNvSpPr/>
+          <p:cNvSpPr txBox="1"/>
           <p:nvPr/>
         </p:nvSpPr>
         <p:spPr>
           <a:xfrm>
-            <a:off x="8647562" y="1676020"/>
-            <a:ext cx="813146" cy="549526"/>
+            <a:off x="7197725" y="4133850"/>
+            <a:ext cx="1527175" cy="215444"/>
           </a:xfrm>
-          <a:prstGeom prst="roundRect">
+          <a:prstGeom prst="rect">
             <a:avLst/>
           </a:prstGeom>
-          <a:solidFill>
-            <a:schemeClr val="accent6">
-              <a:lumMod val="20000"/>
-              <a:lumOff val="80000"/>
-            </a:schemeClr>
-          </a:solidFill>
-          <a:ln w="19050">
-            <a:solidFill>
-              <a:schemeClr val="tx1"/>
-            </a:solidFill>
-          </a:ln>
+          <a:noFill/>
         </p:spPr>
-        <p:style>
-          <a:lnRef idx="2">
-            <a:schemeClr val="accent1">
-              <a:shade val="50000"/>
-            </a:schemeClr>
-          </a:lnRef>
-          <a:fillRef idx="1">
-            <a:schemeClr val="accent1"/>
-          </a:fillRef>
-          <a:effectRef idx="0">
-            <a:schemeClr val="accent1"/>
-          </a:effectRef>
-          <a:fontRef idx="minor">
-            <a:schemeClr val="lt1"/>
-          </a:fontRef>
-        </p:style>
         <p:txBody>
-          <a:bodyPr rtlCol="0" anchor="ctr"/>
+          <a:bodyPr wrap="square" rtlCol="0">
+            <a:spAutoFit/>
+          </a:bodyPr>
           <a:lstStyle/>
           <a:p>
-            <a:pPr defTabSz="777240">
-              <a:spcAft>
-                <a:spcPts val="600"/>
-              </a:spcAft>
+            <a:pPr marL="171450" indent="-171450">
+              <a:buFont typeface="Arial" panose="020B0604020202020204" pitchFamily="34" charset="0"/>
+              <a:buChar char="•"/>
             </a:pPr>
             <a:r>
-              <a:rPr lang="en-US" sz="850" kern="1200">
-                <a:solidFill>
-                  <a:schemeClr val="tx1"/>
-                </a:solidFill>
-                <a:latin typeface="Calibri" panose="020F0502020204030204" pitchFamily="34" charset="0"/>
-                <a:ea typeface="+mn-ea"/>
-                <a:cs typeface="+mn-cs"/>
-              </a:rPr>
-              <a:t>Low student motivation </a:t>
-            </a:r>
-            <a:endParaRPr lang="de-DE" sz="1000">
-              <a:solidFill>
-                <a:schemeClr val="tx1"/>
-              </a:solidFill>
-              <a:effectLst/>
-              <a:latin typeface="Calibri" panose="020F0502020204030204" pitchFamily="34" charset="0"/>
-            </a:endParaRPr>
+              <a:rPr lang="de-DE" sz="800" dirty="0" err="1"/>
+              <a:t>Moodle</a:t>
+            </a:r>
+            <a:endParaRPr lang="de-DE" sz="800" dirty="0"/>
           </a:p>
         </p:txBody>
       </p:sp>
-      <p:sp>
-        <p:nvSpPr>
-          <p:cNvPr id="15" name="Rectangle: Rounded Corners 31">
-            <a:extLst>
-              <a:ext uri="{FF2B5EF4-FFF2-40B4-BE49-F238E27FC236}">
-                <a16:creationId xmlns:a16="http://schemas.microsoft.com/office/drawing/2014/main" id="{BDEB3C5E-06B6-1456-7E04-41FD548FB2C0}"/>
-              </a:ext>
-            </a:extLst>
-          </p:cNvPr>
-          <p:cNvSpPr/>
-          <p:nvPr/>
-        </p:nvSpPr>
-        <p:spPr>
-          <a:xfrm>
-            <a:off x="6915422" y="1730456"/>
-            <a:ext cx="959152" cy="440654"/>
-          </a:xfrm>
-          <a:prstGeom prst="roundRect">
-            <a:avLst/>
-          </a:prstGeom>
-          <a:solidFill>
-            <a:schemeClr val="accent6">
-              <a:lumMod val="20000"/>
-              <a:lumOff val="80000"/>
-            </a:schemeClr>
-          </a:solidFill>
-          <a:ln w="19050">
-            <a:solidFill>
-              <a:schemeClr val="tx1"/>
-            </a:solidFill>
-          </a:ln>
-        </p:spPr>
-        <p:style>
-          <a:lnRef idx="2">
-            <a:schemeClr val="accent1">
-              <a:shade val="50000"/>
-            </a:schemeClr>
-          </a:lnRef>
-          <a:fillRef idx="1">
-            <a:schemeClr val="accent1"/>
-          </a:fillRef>
-          <a:effectRef idx="0">
-            <a:schemeClr val="accent1"/>
-          </a:effectRef>
-          <a:fontRef idx="minor">
-            <a:schemeClr val="lt1"/>
-          </a:fontRef>
-        </p:style>
-        <p:txBody>
-          <a:bodyPr rtlCol="0" anchor="ctr"/>
-          <a:lstStyle/>
-          <a:p>
-            <a:pPr defTabSz="777240">
-              <a:spcAft>
-                <a:spcPts val="600"/>
-              </a:spcAft>
-            </a:pPr>
-            <a:r>
-              <a:rPr lang="en-US" sz="850" kern="1200">
-                <a:solidFill>
-                  <a:schemeClr val="tx1"/>
-                </a:solidFill>
-                <a:latin typeface="Calibri" panose="020F0502020204030204" pitchFamily="34" charset="0"/>
-                <a:ea typeface="+mn-ea"/>
-                <a:cs typeface="+mn-cs"/>
-              </a:rPr>
-              <a:t>Slower studying progress</a:t>
-            </a:r>
-            <a:endParaRPr lang="de-DE" sz="1000">
-              <a:solidFill>
-                <a:schemeClr val="tx1"/>
-              </a:solidFill>
-              <a:effectLst/>
-              <a:latin typeface="Calibri" panose="020F0502020204030204" pitchFamily="34" charset="0"/>
-            </a:endParaRPr>
-          </a:p>
-        </p:txBody>
-      </p:sp>
-      <p:sp>
-        <p:nvSpPr>
-          <p:cNvPr id="18" name="Rectangle: Rounded Corners 42">
-            <a:extLst>
-              <a:ext uri="{FF2B5EF4-FFF2-40B4-BE49-F238E27FC236}">
-                <a16:creationId xmlns:a16="http://schemas.microsoft.com/office/drawing/2014/main" id="{38EA9DB5-CD18-F989-B22A-30E114FFCEAB}"/>
-              </a:ext>
-            </a:extLst>
-          </p:cNvPr>
-          <p:cNvSpPr/>
-          <p:nvPr/>
-        </p:nvSpPr>
-        <p:spPr>
-          <a:xfrm>
-            <a:off x="6936895" y="914400"/>
-            <a:ext cx="959152" cy="440654"/>
-          </a:xfrm>
-          <a:prstGeom prst="roundRect">
-            <a:avLst/>
-          </a:prstGeom>
-          <a:solidFill>
-            <a:schemeClr val="accent6">
-              <a:lumMod val="20000"/>
-              <a:lumOff val="80000"/>
-            </a:schemeClr>
-          </a:solidFill>
-          <a:ln w="19050">
-            <a:solidFill>
-              <a:schemeClr val="tx1"/>
-            </a:solidFill>
-          </a:ln>
-        </p:spPr>
-        <p:style>
-          <a:lnRef idx="2">
-            <a:schemeClr val="accent1">
-              <a:shade val="50000"/>
-            </a:schemeClr>
-          </a:lnRef>
-          <a:fillRef idx="1">
-            <a:schemeClr val="accent1"/>
-          </a:fillRef>
-          <a:effectRef idx="0">
-            <a:schemeClr val="accent1"/>
-          </a:effectRef>
-          <a:fontRef idx="minor">
-            <a:schemeClr val="lt1"/>
-          </a:fontRef>
-        </p:style>
-        <p:txBody>
-          <a:bodyPr rtlCol="0" anchor="ctr"/>
-          <a:lstStyle/>
-          <a:p>
-            <a:pPr defTabSz="777240">
-              <a:spcAft>
-                <a:spcPts val="600"/>
-              </a:spcAft>
-            </a:pPr>
-            <a:r>
-              <a:rPr lang="de-DE" sz="850" kern="1200">
-                <a:solidFill>
-                  <a:schemeClr val="tx1"/>
-                </a:solidFill>
-                <a:latin typeface="Calibri" panose="020F0502020204030204" pitchFamily="34" charset="0"/>
-                <a:ea typeface="+mn-ea"/>
-                <a:cs typeface="+mn-cs"/>
-              </a:rPr>
-              <a:t>Bad </a:t>
-            </a:r>
-            <a:r>
-              <a:rPr lang="de-DE" sz="850" kern="1200" err="1">
-                <a:solidFill>
-                  <a:schemeClr val="tx1"/>
-                </a:solidFill>
-                <a:latin typeface="Calibri" panose="020F0502020204030204" pitchFamily="34" charset="0"/>
-                <a:ea typeface="+mn-ea"/>
-                <a:cs typeface="+mn-cs"/>
-              </a:rPr>
-              <a:t>student</a:t>
-            </a:r>
-            <a:r>
-              <a:rPr lang="de-DE" sz="850" kern="1200">
-                <a:solidFill>
-                  <a:schemeClr val="tx1"/>
-                </a:solidFill>
-                <a:latin typeface="Calibri" panose="020F0502020204030204" pitchFamily="34" charset="0"/>
-                <a:ea typeface="+mn-ea"/>
-                <a:cs typeface="+mn-cs"/>
-              </a:rPr>
-              <a:t> </a:t>
-            </a:r>
-            <a:r>
-              <a:rPr lang="de-DE" sz="850" kern="1200" err="1">
-                <a:solidFill>
-                  <a:schemeClr val="tx1"/>
-                </a:solidFill>
-                <a:latin typeface="Calibri" panose="020F0502020204030204" pitchFamily="34" charset="0"/>
-                <a:ea typeface="+mn-ea"/>
-                <a:cs typeface="+mn-cs"/>
-              </a:rPr>
-              <a:t>performance</a:t>
-            </a:r>
-            <a:endParaRPr lang="de-DE" sz="1000">
-              <a:solidFill>
-                <a:schemeClr val="tx1"/>
-              </a:solidFill>
-              <a:effectLst/>
-              <a:latin typeface="Calibri" panose="020F0502020204030204" pitchFamily="34" charset="0"/>
-            </a:endParaRPr>
-          </a:p>
-        </p:txBody>
-      </p:sp>
-      <p:cxnSp>
-        <p:nvCxnSpPr>
-          <p:cNvPr id="19" name="Connector: Curved 44">
-            <a:extLst>
-              <a:ext uri="{FF2B5EF4-FFF2-40B4-BE49-F238E27FC236}">
-                <a16:creationId xmlns:a16="http://schemas.microsoft.com/office/drawing/2014/main" id="{21D7B8E3-9C2C-CE3C-7881-0FD17D35D169}"/>
-              </a:ext>
-            </a:extLst>
-          </p:cNvPr>
-          <p:cNvCxnSpPr>
-            <a:stCxn id="12" idx="0"/>
-            <a:endCxn id="18" idx="2"/>
-          </p:cNvCxnSpPr>
-          <p:nvPr/>
-        </p:nvCxnSpPr>
-        <p:spPr>
-          <a:xfrm rot="5400000" flipH="1" flipV="1">
-            <a:off x="6358791" y="605034"/>
-            <a:ext cx="307659" cy="1807701"/>
-          </a:xfrm>
-          <a:prstGeom prst="curvedConnector3">
-            <a:avLst/>
-          </a:prstGeom>
-          <a:ln>
-            <a:solidFill>
-              <a:schemeClr val="tx1"/>
-            </a:solidFill>
-            <a:tailEnd type="triangle"/>
-          </a:ln>
-        </p:spPr>
-        <p:style>
-          <a:lnRef idx="1">
-            <a:schemeClr val="accent1"/>
-          </a:lnRef>
-          <a:fillRef idx="0">
-            <a:schemeClr val="accent1"/>
-          </a:fillRef>
-          <a:effectRef idx="0">
-            <a:schemeClr val="accent1"/>
-          </a:effectRef>
-          <a:fontRef idx="minor">
-            <a:schemeClr val="tx1"/>
-          </a:fontRef>
-        </p:style>
-      </p:cxnSp>
-      <p:cxnSp>
-        <p:nvCxnSpPr>
-          <p:cNvPr id="20" name="Connector: Curved 46">
-            <a:extLst>
-              <a:ext uri="{FF2B5EF4-FFF2-40B4-BE49-F238E27FC236}">
-                <a16:creationId xmlns:a16="http://schemas.microsoft.com/office/drawing/2014/main" id="{3C578135-AB2F-E3F1-84F3-AB2F426CC502}"/>
-              </a:ext>
-            </a:extLst>
-          </p:cNvPr>
-          <p:cNvCxnSpPr>
-            <a:stCxn id="15" idx="0"/>
-            <a:endCxn id="18" idx="2"/>
-          </p:cNvCxnSpPr>
-          <p:nvPr/>
-        </p:nvCxnSpPr>
-        <p:spPr>
-          <a:xfrm rot="5400000" flipH="1" flipV="1">
-            <a:off x="7218033" y="1532019"/>
-            <a:ext cx="375402" cy="21473"/>
-          </a:xfrm>
-          <a:prstGeom prst="curvedConnector3">
-            <a:avLst/>
-          </a:prstGeom>
-          <a:ln>
-            <a:solidFill>
-              <a:schemeClr val="tx1"/>
-            </a:solidFill>
-            <a:tailEnd type="triangle"/>
-          </a:ln>
-        </p:spPr>
-        <p:style>
-          <a:lnRef idx="1">
-            <a:schemeClr val="accent1"/>
-          </a:lnRef>
-          <a:fillRef idx="0">
-            <a:schemeClr val="accent1"/>
-          </a:fillRef>
-          <a:effectRef idx="0">
-            <a:schemeClr val="accent1"/>
-          </a:effectRef>
-          <a:fontRef idx="minor">
-            <a:schemeClr val="tx1"/>
-          </a:fontRef>
-        </p:style>
-      </p:cxnSp>
-      <p:cxnSp>
-        <p:nvCxnSpPr>
-          <p:cNvPr id="21" name="Connector: Curved 48">
-            <a:extLst>
-              <a:ext uri="{FF2B5EF4-FFF2-40B4-BE49-F238E27FC236}">
-                <a16:creationId xmlns:a16="http://schemas.microsoft.com/office/drawing/2014/main" id="{1EDCF25B-4FBE-51B5-F522-7E38CC6E395C}"/>
-              </a:ext>
-            </a:extLst>
-          </p:cNvPr>
-          <p:cNvCxnSpPr>
-            <a:cxnSpLocks/>
-            <a:stCxn id="13" idx="0"/>
-            <a:endCxn id="18" idx="2"/>
-          </p:cNvCxnSpPr>
-          <p:nvPr/>
-        </p:nvCxnSpPr>
-        <p:spPr>
-          <a:xfrm rot="16200000" flipV="1">
-            <a:off x="8074820" y="696705"/>
-            <a:ext cx="320966" cy="1637664"/>
-          </a:xfrm>
-          <a:prstGeom prst="curvedConnector3">
-            <a:avLst/>
-          </a:prstGeom>
-          <a:ln>
-            <a:solidFill>
-              <a:schemeClr val="tx1"/>
-            </a:solidFill>
-            <a:tailEnd type="triangle"/>
-          </a:ln>
-        </p:spPr>
-        <p:style>
-          <a:lnRef idx="1">
-            <a:schemeClr val="accent1"/>
-          </a:lnRef>
-          <a:fillRef idx="0">
-            <a:schemeClr val="accent1"/>
-          </a:fillRef>
-          <a:effectRef idx="0">
-            <a:schemeClr val="accent1"/>
-          </a:effectRef>
-          <a:fontRef idx="minor">
-            <a:schemeClr val="tx1"/>
-          </a:fontRef>
-        </p:style>
-      </p:cxnSp>
-      <p:sp>
-        <p:nvSpPr>
-          <p:cNvPr id="22" name="Rectangle: Rounded Corners 54">
-            <a:extLst>
-              <a:ext uri="{FF2B5EF4-FFF2-40B4-BE49-F238E27FC236}">
-                <a16:creationId xmlns:a16="http://schemas.microsoft.com/office/drawing/2014/main" id="{53EBD918-29A1-FECF-8E0F-44F80496462C}"/>
-              </a:ext>
-            </a:extLst>
-          </p:cNvPr>
-          <p:cNvSpPr/>
-          <p:nvPr/>
-        </p:nvSpPr>
-        <p:spPr>
-          <a:xfrm>
-            <a:off x="5075796" y="6241826"/>
-            <a:ext cx="724022" cy="520385"/>
-          </a:xfrm>
-          <a:prstGeom prst="roundRect">
-            <a:avLst/>
-          </a:prstGeom>
-          <a:solidFill>
-            <a:schemeClr val="accent2">
-              <a:lumMod val="20000"/>
-              <a:lumOff val="80000"/>
-            </a:schemeClr>
-          </a:solidFill>
-          <a:ln w="19050">
-            <a:solidFill>
-              <a:schemeClr val="tx1"/>
-            </a:solidFill>
-          </a:ln>
-        </p:spPr>
-        <p:style>
-          <a:lnRef idx="2">
-            <a:schemeClr val="accent1">
-              <a:shade val="50000"/>
-            </a:schemeClr>
-          </a:lnRef>
-          <a:fillRef idx="1">
-            <a:schemeClr val="accent1"/>
-          </a:fillRef>
-          <a:effectRef idx="0">
-            <a:schemeClr val="accent1"/>
-          </a:effectRef>
-          <a:fontRef idx="minor">
-            <a:schemeClr val="lt1"/>
-          </a:fontRef>
-        </p:style>
-        <p:txBody>
-          <a:bodyPr rtlCol="0" anchor="ctr"/>
-          <a:lstStyle/>
-          <a:p>
-            <a:pPr defTabSz="777240">
-              <a:spcAft>
-                <a:spcPts val="600"/>
-              </a:spcAft>
-            </a:pPr>
-            <a:r>
-              <a:rPr lang="de-DE" sz="850" kern="1200">
-                <a:solidFill>
-                  <a:schemeClr val="tx1"/>
-                </a:solidFill>
-                <a:latin typeface="Calibri" panose="020F0502020204030204" pitchFamily="34" charset="0"/>
-                <a:ea typeface="+mn-ea"/>
-                <a:cs typeface="+mn-cs"/>
-              </a:rPr>
-              <a:t>Not </a:t>
-            </a:r>
-            <a:r>
-              <a:rPr lang="de-DE" sz="850" kern="1200" err="1">
-                <a:solidFill>
-                  <a:schemeClr val="tx1"/>
-                </a:solidFill>
-                <a:latin typeface="Calibri" panose="020F0502020204030204" pitchFamily="34" charset="0"/>
-                <a:ea typeface="+mn-ea"/>
-                <a:cs typeface="+mn-cs"/>
-              </a:rPr>
-              <a:t>enough</a:t>
-            </a:r>
-            <a:r>
-              <a:rPr lang="de-DE" sz="850" kern="1200">
-                <a:solidFill>
-                  <a:schemeClr val="tx1"/>
-                </a:solidFill>
-                <a:latin typeface="Calibri" panose="020F0502020204030204" pitchFamily="34" charset="0"/>
-                <a:ea typeface="+mn-ea"/>
-                <a:cs typeface="+mn-cs"/>
-              </a:rPr>
-              <a:t> </a:t>
-            </a:r>
-            <a:r>
-              <a:rPr lang="de-DE" sz="850" kern="1200" err="1">
-                <a:solidFill>
-                  <a:schemeClr val="tx1"/>
-                </a:solidFill>
-                <a:latin typeface="Calibri" panose="020F0502020204030204" pitchFamily="34" charset="0"/>
-                <a:ea typeface="+mn-ea"/>
-                <a:cs typeface="+mn-cs"/>
-              </a:rPr>
-              <a:t>money</a:t>
-            </a:r>
-            <a:endParaRPr lang="de-DE" sz="1000">
-              <a:solidFill>
-                <a:schemeClr val="tx1"/>
-              </a:solidFill>
-              <a:effectLst/>
-              <a:latin typeface="Calibri" panose="020F0502020204030204" pitchFamily="34" charset="0"/>
-            </a:endParaRPr>
-          </a:p>
-        </p:txBody>
-      </p:sp>
-      <p:cxnSp>
-        <p:nvCxnSpPr>
-          <p:cNvPr id="23" name="Connector: Curved 56">
-            <a:extLst>
-              <a:ext uri="{FF2B5EF4-FFF2-40B4-BE49-F238E27FC236}">
-                <a16:creationId xmlns:a16="http://schemas.microsoft.com/office/drawing/2014/main" id="{DBE2F979-EEC2-6E55-5C0F-AE2D52BAB08A}"/>
-              </a:ext>
-            </a:extLst>
-          </p:cNvPr>
-          <p:cNvCxnSpPr>
-            <a:stCxn id="22" idx="0"/>
-            <a:endCxn id="6" idx="2"/>
-          </p:cNvCxnSpPr>
-          <p:nvPr/>
-        </p:nvCxnSpPr>
-        <p:spPr>
-          <a:xfrm rot="16200000" flipV="1">
-            <a:off x="5068063" y="5872081"/>
-            <a:ext cx="108226" cy="631263"/>
-          </a:xfrm>
-          <a:prstGeom prst="curvedConnector3">
-            <a:avLst/>
-          </a:prstGeom>
-          <a:ln>
-            <a:solidFill>
-              <a:schemeClr val="tx1"/>
-            </a:solidFill>
-            <a:tailEnd type="triangle"/>
-          </a:ln>
-        </p:spPr>
-        <p:style>
-          <a:lnRef idx="1">
-            <a:schemeClr val="accent1"/>
-          </a:lnRef>
-          <a:fillRef idx="0">
-            <a:schemeClr val="accent1"/>
-          </a:fillRef>
-          <a:effectRef idx="0">
-            <a:schemeClr val="accent1"/>
-          </a:effectRef>
-          <a:fontRef idx="minor">
-            <a:schemeClr val="tx1"/>
-          </a:fontRef>
-        </p:style>
-      </p:cxnSp>
-      <p:sp>
-        <p:nvSpPr>
-          <p:cNvPr id="24" name="Rectangle: Rounded Corners 31">
-            <a:extLst>
-              <a:ext uri="{FF2B5EF4-FFF2-40B4-BE49-F238E27FC236}">
-                <a16:creationId xmlns:a16="http://schemas.microsoft.com/office/drawing/2014/main" id="{73F90B1D-42F1-7945-FE7F-9266E654684C}"/>
-              </a:ext>
-            </a:extLst>
-          </p:cNvPr>
-          <p:cNvSpPr/>
-          <p:nvPr/>
-        </p:nvSpPr>
-        <p:spPr>
-          <a:xfrm>
-            <a:off x="6925989" y="2969061"/>
-            <a:ext cx="959152" cy="440654"/>
-          </a:xfrm>
-          <a:prstGeom prst="roundRect">
-            <a:avLst/>
-          </a:prstGeom>
-          <a:solidFill>
-            <a:srgbClr val="CA9A84"/>
-          </a:solidFill>
-          <a:ln w="19050">
-            <a:solidFill>
-              <a:schemeClr val="tx1"/>
-            </a:solidFill>
-          </a:ln>
-        </p:spPr>
-        <p:style>
-          <a:lnRef idx="2">
-            <a:schemeClr val="accent1">
-              <a:shade val="50000"/>
-            </a:schemeClr>
-          </a:lnRef>
-          <a:fillRef idx="1">
-            <a:schemeClr val="accent1"/>
-          </a:fillRef>
-          <a:effectRef idx="0">
-            <a:schemeClr val="accent1"/>
-          </a:effectRef>
-          <a:fontRef idx="minor">
-            <a:schemeClr val="lt1"/>
-          </a:fontRef>
-        </p:style>
-        <p:txBody>
-          <a:bodyPr rtlCol="0" anchor="ctr"/>
-          <a:lstStyle/>
-          <a:p>
-            <a:pPr defTabSz="777240">
-              <a:spcAft>
-                <a:spcPts val="600"/>
-              </a:spcAft>
-            </a:pPr>
-            <a:r>
-              <a:rPr lang="en-US" sz="850" kern="1200" dirty="0">
-                <a:solidFill>
-                  <a:schemeClr val="bg1"/>
-                </a:solidFill>
-                <a:latin typeface="Calibri" panose="020F0502020204030204" pitchFamily="34" charset="0"/>
-                <a:ea typeface="+mn-ea"/>
-                <a:cs typeface="+mn-cs"/>
-              </a:rPr>
-              <a:t>Unclear information</a:t>
-            </a:r>
-            <a:endParaRPr lang="de-DE" sz="1000" dirty="0">
-              <a:solidFill>
-                <a:schemeClr val="bg1"/>
-              </a:solidFill>
-              <a:effectLst/>
-              <a:latin typeface="Calibri" panose="020F0502020204030204" pitchFamily="34" charset="0"/>
-            </a:endParaRPr>
-          </a:p>
-        </p:txBody>
-      </p:sp>
-      <p:sp>
-        <p:nvSpPr>
-          <p:cNvPr id="25" name="Rectangle: Rounded Corners 31">
-            <a:extLst>
-              <a:ext uri="{FF2B5EF4-FFF2-40B4-BE49-F238E27FC236}">
-                <a16:creationId xmlns:a16="http://schemas.microsoft.com/office/drawing/2014/main" id="{9E2B4445-C036-F948-8228-F3EDBF19C09C}"/>
-              </a:ext>
-            </a:extLst>
-          </p:cNvPr>
-          <p:cNvSpPr/>
-          <p:nvPr/>
-        </p:nvSpPr>
-        <p:spPr>
-          <a:xfrm>
-            <a:off x="6936893" y="2375085"/>
-            <a:ext cx="959152" cy="440654"/>
-          </a:xfrm>
-          <a:prstGeom prst="roundRect">
-            <a:avLst/>
-          </a:prstGeom>
-          <a:solidFill>
-            <a:srgbClr val="CA9A84"/>
-          </a:solidFill>
-          <a:ln w="19050">
-            <a:solidFill>
-              <a:schemeClr val="tx1"/>
-            </a:solidFill>
-          </a:ln>
-        </p:spPr>
-        <p:style>
-          <a:lnRef idx="2">
-            <a:schemeClr val="accent1">
-              <a:shade val="50000"/>
-            </a:schemeClr>
-          </a:lnRef>
-          <a:fillRef idx="1">
-            <a:schemeClr val="accent1"/>
-          </a:fillRef>
-          <a:effectRef idx="0">
-            <a:schemeClr val="accent1"/>
-          </a:effectRef>
-          <a:fontRef idx="minor">
-            <a:schemeClr val="lt1"/>
-          </a:fontRef>
-        </p:style>
-        <p:txBody>
-          <a:bodyPr rtlCol="0" anchor="ctr"/>
-          <a:lstStyle/>
-          <a:p>
-            <a:pPr defTabSz="777240">
-              <a:spcAft>
-                <a:spcPts val="600"/>
-              </a:spcAft>
-            </a:pPr>
-            <a:r>
-              <a:rPr lang="en-US" sz="850" kern="1200" dirty="0">
-                <a:solidFill>
-                  <a:schemeClr val="bg1"/>
-                </a:solidFill>
-                <a:latin typeface="Calibri" panose="020F0502020204030204" pitchFamily="34" charset="0"/>
-                <a:ea typeface="+mn-ea"/>
-                <a:cs typeface="+mn-cs"/>
-              </a:rPr>
-              <a:t>Bad organization</a:t>
-            </a:r>
-            <a:endParaRPr lang="de-DE" sz="1000" dirty="0">
-              <a:solidFill>
-                <a:schemeClr val="bg1"/>
-              </a:solidFill>
-              <a:effectLst/>
-              <a:latin typeface="Calibri" panose="020F0502020204030204" pitchFamily="34" charset="0"/>
-            </a:endParaRPr>
-          </a:p>
-        </p:txBody>
-      </p:sp>
-      <p:sp>
-        <p:nvSpPr>
-          <p:cNvPr id="26" name="Rectangle: Rounded Corners 31">
-            <a:extLst>
-              <a:ext uri="{FF2B5EF4-FFF2-40B4-BE49-F238E27FC236}">
-                <a16:creationId xmlns:a16="http://schemas.microsoft.com/office/drawing/2014/main" id="{F53DEDCB-81B1-9859-2940-23ACDA396C63}"/>
-              </a:ext>
-            </a:extLst>
-          </p:cNvPr>
-          <p:cNvSpPr/>
-          <p:nvPr/>
-        </p:nvSpPr>
-        <p:spPr>
-          <a:xfrm>
-            <a:off x="6936893" y="3574342"/>
-            <a:ext cx="959152" cy="440654"/>
-          </a:xfrm>
-          <a:prstGeom prst="roundRect">
-            <a:avLst/>
-          </a:prstGeom>
-          <a:solidFill>
-            <a:srgbClr val="CA9A84"/>
-          </a:solidFill>
-          <a:ln w="19050">
-            <a:solidFill>
-              <a:schemeClr val="tx1"/>
-            </a:solidFill>
-          </a:ln>
-        </p:spPr>
-        <p:style>
-          <a:lnRef idx="2">
-            <a:schemeClr val="accent1">
-              <a:shade val="50000"/>
-            </a:schemeClr>
-          </a:lnRef>
-          <a:fillRef idx="1">
-            <a:schemeClr val="accent1"/>
-          </a:fillRef>
-          <a:effectRef idx="0">
-            <a:schemeClr val="accent1"/>
-          </a:effectRef>
-          <a:fontRef idx="minor">
-            <a:schemeClr val="lt1"/>
-          </a:fontRef>
-        </p:style>
-        <p:txBody>
-          <a:bodyPr rtlCol="0" anchor="ctr"/>
-          <a:lstStyle/>
-          <a:p>
-            <a:pPr defTabSz="777240">
-              <a:spcAft>
-                <a:spcPts val="600"/>
-              </a:spcAft>
-            </a:pPr>
-            <a:r>
-              <a:rPr lang="en-US" sz="850" kern="1200" dirty="0">
-                <a:solidFill>
-                  <a:schemeClr val="bg1"/>
-                </a:solidFill>
-                <a:latin typeface="Calibri" panose="020F0502020204030204" pitchFamily="34" charset="0"/>
-                <a:ea typeface="+mn-ea"/>
-                <a:cs typeface="+mn-cs"/>
-              </a:rPr>
-              <a:t>unclear communication</a:t>
-            </a:r>
-            <a:endParaRPr lang="de-DE" sz="1000" dirty="0">
-              <a:solidFill>
-                <a:schemeClr val="bg1"/>
-              </a:solidFill>
-              <a:effectLst/>
-              <a:latin typeface="Calibri" panose="020F0502020204030204" pitchFamily="34" charset="0"/>
-            </a:endParaRPr>
-          </a:p>
-        </p:txBody>
-      </p:sp>
-      <p:cxnSp>
-        <p:nvCxnSpPr>
-          <p:cNvPr id="28" name="Verbinder: gekrümmt 27">
-            <a:extLst>
-              <a:ext uri="{FF2B5EF4-FFF2-40B4-BE49-F238E27FC236}">
-                <a16:creationId xmlns:a16="http://schemas.microsoft.com/office/drawing/2014/main" id="{B2E11D88-265C-AA78-260B-7F23B9F5EEF9}"/>
-              </a:ext>
-            </a:extLst>
-          </p:cNvPr>
-          <p:cNvCxnSpPr>
-            <a:cxnSpLocks/>
-            <a:stCxn id="5" idx="0"/>
-            <a:endCxn id="3" idx="2"/>
-          </p:cNvCxnSpPr>
-          <p:nvPr/>
-        </p:nvCxnSpPr>
-        <p:spPr>
-          <a:xfrm rot="5400000" flipH="1" flipV="1">
-            <a:off x="6462652" y="4499272"/>
-            <a:ext cx="587167" cy="1320471"/>
-          </a:xfrm>
-          <a:prstGeom prst="curvedConnector3">
-            <a:avLst/>
-          </a:prstGeom>
-          <a:ln>
-            <a:solidFill>
-              <a:schemeClr val="tx1"/>
-            </a:solidFill>
-            <a:tailEnd type="triangle"/>
-          </a:ln>
-        </p:spPr>
-        <p:style>
-          <a:lnRef idx="1">
-            <a:schemeClr val="accent1"/>
-          </a:lnRef>
-          <a:fillRef idx="0">
-            <a:schemeClr val="accent1"/>
-          </a:fillRef>
-          <a:effectRef idx="0">
-            <a:schemeClr val="accent1"/>
-          </a:effectRef>
-          <a:fontRef idx="minor">
-            <a:schemeClr val="tx1"/>
-          </a:fontRef>
-        </p:style>
-      </p:cxnSp>
-      <p:sp>
-        <p:nvSpPr>
-          <p:cNvPr id="30" name="Rectangle: Rounded Corners 4">
-            <a:extLst>
-              <a:ext uri="{FF2B5EF4-FFF2-40B4-BE49-F238E27FC236}">
-                <a16:creationId xmlns:a16="http://schemas.microsoft.com/office/drawing/2014/main" id="{99008415-E2A8-609F-8E46-94CBF799A1F7}"/>
-              </a:ext>
-            </a:extLst>
-          </p:cNvPr>
-          <p:cNvSpPr/>
-          <p:nvPr/>
-        </p:nvSpPr>
-        <p:spPr>
-          <a:xfrm>
-            <a:off x="8112631" y="5420358"/>
-            <a:ext cx="1254275" cy="523242"/>
-          </a:xfrm>
-          <a:prstGeom prst="roundRect">
-            <a:avLst/>
-          </a:prstGeom>
-          <a:solidFill>
-            <a:schemeClr val="accent2">
-              <a:lumMod val="20000"/>
-              <a:lumOff val="80000"/>
-            </a:schemeClr>
-          </a:solidFill>
-          <a:ln w="19050">
-            <a:solidFill>
-              <a:schemeClr val="tx1"/>
-            </a:solidFill>
-          </a:ln>
-        </p:spPr>
-        <p:style>
-          <a:lnRef idx="2">
-            <a:schemeClr val="accent1">
-              <a:shade val="50000"/>
-            </a:schemeClr>
-          </a:lnRef>
-          <a:fillRef idx="1">
-            <a:schemeClr val="accent1"/>
-          </a:fillRef>
-          <a:effectRef idx="0">
-            <a:schemeClr val="accent1"/>
-          </a:effectRef>
-          <a:fontRef idx="minor">
-            <a:schemeClr val="lt1"/>
-          </a:fontRef>
-        </p:style>
-        <p:txBody>
-          <a:bodyPr rtlCol="0" anchor="ctr"/>
-          <a:lstStyle/>
-          <a:p>
-            <a:pPr defTabSz="777240">
-              <a:spcAft>
-                <a:spcPts val="600"/>
-              </a:spcAft>
-            </a:pPr>
-            <a:r>
-              <a:rPr lang="de-DE" sz="850" kern="1200" dirty="0" err="1">
-                <a:solidFill>
-                  <a:schemeClr val="tx1"/>
-                </a:solidFill>
-                <a:latin typeface="Calibri" panose="020F0502020204030204" pitchFamily="34" charset="0"/>
-                <a:ea typeface="+mn-ea"/>
-                <a:cs typeface="+mn-cs"/>
-              </a:rPr>
-              <a:t>No</a:t>
-            </a:r>
-            <a:r>
-              <a:rPr lang="de-DE" sz="850" kern="1200" dirty="0">
-                <a:solidFill>
-                  <a:schemeClr val="tx1"/>
-                </a:solidFill>
-                <a:latin typeface="Calibri" panose="020F0502020204030204" pitchFamily="34" charset="0"/>
-                <a:ea typeface="+mn-ea"/>
-                <a:cs typeface="+mn-cs"/>
-              </a:rPr>
-              <a:t> </a:t>
-            </a:r>
-            <a:r>
-              <a:rPr lang="de-DE" sz="850" kern="1200" dirty="0" err="1">
-                <a:solidFill>
-                  <a:schemeClr val="tx1"/>
-                </a:solidFill>
-                <a:latin typeface="Calibri" panose="020F0502020204030204" pitchFamily="34" charset="0"/>
-                <a:ea typeface="+mn-ea"/>
-                <a:cs typeface="+mn-cs"/>
-              </a:rPr>
-              <a:t>standardization</a:t>
-            </a:r>
-            <a:endParaRPr lang="de-DE" sz="1000" dirty="0">
-              <a:solidFill>
-                <a:schemeClr val="tx1"/>
-              </a:solidFill>
-              <a:effectLst/>
-              <a:latin typeface="Calibri" panose="020F0502020204030204" pitchFamily="34" charset="0"/>
-            </a:endParaRPr>
-          </a:p>
-        </p:txBody>
-      </p:sp>
-      <p:sp>
-        <p:nvSpPr>
-          <p:cNvPr id="33" name="Rectangle: Rounded Corners 4">
-            <a:extLst>
-              <a:ext uri="{FF2B5EF4-FFF2-40B4-BE49-F238E27FC236}">
-                <a16:creationId xmlns:a16="http://schemas.microsoft.com/office/drawing/2014/main" id="{D2A03AD7-9884-7775-0127-437158967133}"/>
-              </a:ext>
-            </a:extLst>
-          </p:cNvPr>
-          <p:cNvSpPr/>
-          <p:nvPr/>
-        </p:nvSpPr>
-        <p:spPr>
-          <a:xfrm>
-            <a:off x="6789332" y="5681979"/>
-            <a:ext cx="1254275" cy="523242"/>
-          </a:xfrm>
-          <a:prstGeom prst="roundRect">
-            <a:avLst/>
-          </a:prstGeom>
-          <a:solidFill>
-            <a:schemeClr val="accent2">
-              <a:lumMod val="20000"/>
-              <a:lumOff val="80000"/>
-            </a:schemeClr>
-          </a:solidFill>
-          <a:ln w="19050">
-            <a:solidFill>
-              <a:schemeClr val="tx1"/>
-            </a:solidFill>
-          </a:ln>
-        </p:spPr>
-        <p:style>
-          <a:lnRef idx="2">
-            <a:schemeClr val="accent1">
-              <a:shade val="50000"/>
-            </a:schemeClr>
-          </a:lnRef>
-          <a:fillRef idx="1">
-            <a:schemeClr val="accent1"/>
-          </a:fillRef>
-          <a:effectRef idx="0">
-            <a:schemeClr val="accent1"/>
-          </a:effectRef>
-          <a:fontRef idx="minor">
-            <a:schemeClr val="lt1"/>
-          </a:fontRef>
-        </p:style>
-        <p:txBody>
-          <a:bodyPr rtlCol="0" anchor="ctr"/>
-          <a:lstStyle/>
-          <a:p>
-            <a:pPr defTabSz="777240">
-              <a:spcAft>
-                <a:spcPts val="600"/>
-              </a:spcAft>
-            </a:pPr>
-            <a:r>
-              <a:rPr lang="de-DE" sz="850" kern="1200" dirty="0" err="1">
-                <a:solidFill>
-                  <a:schemeClr val="tx1"/>
-                </a:solidFill>
-                <a:latin typeface="Calibri" panose="020F0502020204030204" pitchFamily="34" charset="0"/>
-                <a:ea typeface="+mn-ea"/>
-                <a:cs typeface="+mn-cs"/>
-              </a:rPr>
-              <a:t>Moodle</a:t>
-            </a:r>
-            <a:r>
-              <a:rPr lang="de-DE" sz="850" kern="1200" dirty="0">
-                <a:solidFill>
-                  <a:schemeClr val="tx1"/>
-                </a:solidFill>
-                <a:latin typeface="Calibri" panose="020F0502020204030204" pitchFamily="34" charset="0"/>
-                <a:ea typeface="+mn-ea"/>
-                <a:cs typeface="+mn-cs"/>
-              </a:rPr>
-              <a:t> </a:t>
-            </a:r>
-            <a:r>
-              <a:rPr lang="de-DE" sz="850" kern="1200" dirty="0" err="1">
-                <a:solidFill>
-                  <a:schemeClr val="tx1"/>
-                </a:solidFill>
-                <a:latin typeface="Calibri" panose="020F0502020204030204" pitchFamily="34" charset="0"/>
-                <a:ea typeface="+mn-ea"/>
-                <a:cs typeface="+mn-cs"/>
-              </a:rPr>
-              <a:t>lacking</a:t>
-            </a:r>
-            <a:r>
-              <a:rPr lang="de-DE" sz="850" kern="1200" dirty="0">
-                <a:solidFill>
-                  <a:schemeClr val="tx1"/>
-                </a:solidFill>
-                <a:latin typeface="Calibri" panose="020F0502020204030204" pitchFamily="34" charset="0"/>
-                <a:ea typeface="+mn-ea"/>
-                <a:cs typeface="+mn-cs"/>
-              </a:rPr>
-              <a:t> </a:t>
-            </a:r>
-            <a:r>
-              <a:rPr lang="de-DE" sz="850" kern="1200" dirty="0" err="1">
-                <a:solidFill>
-                  <a:schemeClr val="tx1"/>
-                </a:solidFill>
-                <a:latin typeface="Calibri" panose="020F0502020204030204" pitchFamily="34" charset="0"/>
-                <a:ea typeface="+mn-ea"/>
-                <a:cs typeface="+mn-cs"/>
-              </a:rPr>
-              <a:t>features</a:t>
-            </a:r>
-            <a:endParaRPr lang="de-DE" sz="1000" dirty="0">
-              <a:solidFill>
-                <a:schemeClr val="tx1"/>
-              </a:solidFill>
-              <a:effectLst/>
-              <a:latin typeface="Calibri" panose="020F0502020204030204" pitchFamily="34" charset="0"/>
-            </a:endParaRPr>
-          </a:p>
-        </p:txBody>
-      </p:sp>
-      <p:cxnSp>
-        <p:nvCxnSpPr>
-          <p:cNvPr id="36" name="Verbinder: gekrümmt 35">
-            <a:extLst>
-              <a:ext uri="{FF2B5EF4-FFF2-40B4-BE49-F238E27FC236}">
-                <a16:creationId xmlns:a16="http://schemas.microsoft.com/office/drawing/2014/main" id="{9076E20D-7C83-164C-C4BF-BA55695F2941}"/>
-              </a:ext>
-            </a:extLst>
-          </p:cNvPr>
-          <p:cNvCxnSpPr>
-            <a:cxnSpLocks/>
-            <a:stCxn id="33" idx="0"/>
-            <a:endCxn id="3" idx="2"/>
-          </p:cNvCxnSpPr>
-          <p:nvPr/>
-        </p:nvCxnSpPr>
-        <p:spPr>
-          <a:xfrm rot="5400000" flipH="1" flipV="1">
-            <a:off x="7008442" y="5273951"/>
-            <a:ext cx="816056" cy="1"/>
-          </a:xfrm>
-          <a:prstGeom prst="curvedConnector3">
-            <a:avLst/>
-          </a:prstGeom>
-          <a:ln>
-            <a:solidFill>
-              <a:schemeClr val="tx1"/>
-            </a:solidFill>
-            <a:tailEnd type="triangle"/>
-          </a:ln>
-        </p:spPr>
-        <p:style>
-          <a:lnRef idx="1">
-            <a:schemeClr val="accent1"/>
-          </a:lnRef>
-          <a:fillRef idx="0">
-            <a:schemeClr val="accent1"/>
-          </a:fillRef>
-          <a:effectRef idx="0">
-            <a:schemeClr val="accent1"/>
-          </a:effectRef>
-          <a:fontRef idx="minor">
-            <a:schemeClr val="tx1"/>
-          </a:fontRef>
-        </p:style>
-      </p:cxnSp>
-      <p:cxnSp>
-        <p:nvCxnSpPr>
-          <p:cNvPr id="38" name="Verbinder: gekrümmt 37">
-            <a:extLst>
-              <a:ext uri="{FF2B5EF4-FFF2-40B4-BE49-F238E27FC236}">
-                <a16:creationId xmlns:a16="http://schemas.microsoft.com/office/drawing/2014/main" id="{A44DA422-7A20-6AED-3B5D-E905FE220878}"/>
-              </a:ext>
-            </a:extLst>
-          </p:cNvPr>
-          <p:cNvCxnSpPr>
-            <a:cxnSpLocks/>
-            <a:stCxn id="30" idx="0"/>
-            <a:endCxn id="3" idx="2"/>
-          </p:cNvCxnSpPr>
-          <p:nvPr/>
-        </p:nvCxnSpPr>
-        <p:spPr>
-          <a:xfrm rot="16200000" flipV="1">
-            <a:off x="7800903" y="4481492"/>
-            <a:ext cx="554435" cy="1323298"/>
-          </a:xfrm>
-          <a:prstGeom prst="curvedConnector3">
-            <a:avLst/>
-          </a:prstGeom>
-          <a:ln>
-            <a:solidFill>
-              <a:schemeClr val="tx1"/>
-            </a:solidFill>
-            <a:tailEnd type="triangle"/>
-          </a:ln>
-        </p:spPr>
-        <p:style>
-          <a:lnRef idx="1">
-            <a:schemeClr val="accent1"/>
-          </a:lnRef>
-          <a:fillRef idx="0">
-            <a:schemeClr val="accent1"/>
-          </a:fillRef>
-          <a:effectRef idx="0">
-            <a:schemeClr val="accent1"/>
-          </a:effectRef>
-          <a:fontRef idx="minor">
-            <a:schemeClr val="tx1"/>
-          </a:fontRef>
-        </p:style>
-      </p:cxnSp>
-      <p:cxnSp>
-        <p:nvCxnSpPr>
-          <p:cNvPr id="39" name="Verbinder: gekrümmt 38">
-            <a:extLst>
-              <a:ext uri="{FF2B5EF4-FFF2-40B4-BE49-F238E27FC236}">
-                <a16:creationId xmlns:a16="http://schemas.microsoft.com/office/drawing/2014/main" id="{B650A7BC-8D0B-F1F6-7AF5-73D844A320EB}"/>
-              </a:ext>
-            </a:extLst>
-          </p:cNvPr>
-          <p:cNvCxnSpPr>
-            <a:cxnSpLocks/>
-            <a:stCxn id="9" idx="0"/>
-            <a:endCxn id="3" idx="2"/>
-          </p:cNvCxnSpPr>
-          <p:nvPr/>
-        </p:nvCxnSpPr>
-        <p:spPr>
-          <a:xfrm rot="16200000" flipV="1">
-            <a:off x="8475413" y="3806981"/>
-            <a:ext cx="632994" cy="2750877"/>
-          </a:xfrm>
-          <a:prstGeom prst="curvedConnector3">
-            <a:avLst>
-              <a:gd name="adj1" fmla="val 50000"/>
-            </a:avLst>
-          </a:prstGeom>
-          <a:ln>
-            <a:solidFill>
-              <a:schemeClr val="tx1"/>
-            </a:solidFill>
-            <a:tailEnd type="triangle"/>
-          </a:ln>
-        </p:spPr>
-        <p:style>
-          <a:lnRef idx="1">
-            <a:schemeClr val="accent1"/>
-          </a:lnRef>
-          <a:fillRef idx="0">
-            <a:schemeClr val="accent1"/>
-          </a:fillRef>
-          <a:effectRef idx="0">
-            <a:schemeClr val="accent1"/>
-          </a:effectRef>
-          <a:fontRef idx="minor">
-            <a:schemeClr val="tx1"/>
-          </a:fontRef>
-        </p:style>
-      </p:cxnSp>
-      <p:cxnSp>
-        <p:nvCxnSpPr>
-          <p:cNvPr id="42" name="Verbinder: gekrümmt 41">
-            <a:extLst>
-              <a:ext uri="{FF2B5EF4-FFF2-40B4-BE49-F238E27FC236}">
-                <a16:creationId xmlns:a16="http://schemas.microsoft.com/office/drawing/2014/main" id="{57EEBE10-DA6E-121C-A8A5-C9DFC7D7AA48}"/>
-              </a:ext>
-            </a:extLst>
-          </p:cNvPr>
-          <p:cNvCxnSpPr>
-            <a:cxnSpLocks/>
-            <a:stCxn id="6" idx="0"/>
-            <a:endCxn id="3" idx="2"/>
-          </p:cNvCxnSpPr>
-          <p:nvPr/>
-        </p:nvCxnSpPr>
-        <p:spPr>
-          <a:xfrm rot="5400000" flipH="1" flipV="1">
-            <a:off x="5737861" y="3934606"/>
-            <a:ext cx="747292" cy="2609927"/>
-          </a:xfrm>
-          <a:prstGeom prst="curvedConnector3">
-            <a:avLst>
-              <a:gd name="adj1" fmla="val 50000"/>
-            </a:avLst>
-          </a:prstGeom>
-          <a:ln>
-            <a:solidFill>
-              <a:schemeClr val="tx1"/>
-            </a:solidFill>
-            <a:tailEnd type="triangle"/>
-          </a:ln>
-        </p:spPr>
-        <p:style>
-          <a:lnRef idx="1">
-            <a:schemeClr val="accent1"/>
-          </a:lnRef>
-          <a:fillRef idx="0">
-            <a:schemeClr val="accent1"/>
-          </a:fillRef>
-          <a:effectRef idx="0">
-            <a:schemeClr val="accent1"/>
-          </a:effectRef>
-          <a:fontRef idx="minor">
-            <a:schemeClr val="tx1"/>
-          </a:fontRef>
-        </p:style>
-      </p:cxnSp>
-      <p:cxnSp>
-        <p:nvCxnSpPr>
-          <p:cNvPr id="61" name="Verbinder: gekrümmt 60">
-            <a:extLst>
-              <a:ext uri="{FF2B5EF4-FFF2-40B4-BE49-F238E27FC236}">
-                <a16:creationId xmlns:a16="http://schemas.microsoft.com/office/drawing/2014/main" id="{B27FA74D-B754-A407-8D0A-F0A1C4DAF7E6}"/>
-              </a:ext>
-            </a:extLst>
-          </p:cNvPr>
-          <p:cNvCxnSpPr>
-            <a:cxnSpLocks/>
-            <a:stCxn id="3" idx="0"/>
-            <a:endCxn id="26" idx="2"/>
-          </p:cNvCxnSpPr>
-          <p:nvPr/>
-        </p:nvCxnSpPr>
-        <p:spPr>
-          <a:xfrm rot="16200000" flipV="1">
-            <a:off x="7293648" y="4137818"/>
-            <a:ext cx="245645" cy="2"/>
-          </a:xfrm>
-          <a:prstGeom prst="curvedConnector3">
-            <a:avLst>
-              <a:gd name="adj1" fmla="val 50000"/>
-            </a:avLst>
-          </a:prstGeom>
-          <a:ln>
-            <a:solidFill>
-              <a:schemeClr val="tx1"/>
-            </a:solidFill>
-            <a:tailEnd type="triangle"/>
-          </a:ln>
-        </p:spPr>
-        <p:style>
-          <a:lnRef idx="1">
-            <a:schemeClr val="accent1"/>
-          </a:lnRef>
-          <a:fillRef idx="0">
-            <a:schemeClr val="accent1"/>
-          </a:fillRef>
-          <a:effectRef idx="0">
-            <a:schemeClr val="accent1"/>
-          </a:effectRef>
-          <a:fontRef idx="minor">
-            <a:schemeClr val="tx1"/>
-          </a:fontRef>
-        </p:style>
-      </p:cxnSp>
-      <p:cxnSp>
-        <p:nvCxnSpPr>
-          <p:cNvPr id="64" name="Verbinder: gekrümmt 63">
-            <a:extLst>
-              <a:ext uri="{FF2B5EF4-FFF2-40B4-BE49-F238E27FC236}">
-                <a16:creationId xmlns:a16="http://schemas.microsoft.com/office/drawing/2014/main" id="{B4CAEE8D-8AFF-63AF-B689-EE2DCD0B64E5}"/>
-              </a:ext>
-            </a:extLst>
-          </p:cNvPr>
-          <p:cNvCxnSpPr>
-            <a:cxnSpLocks/>
-            <a:stCxn id="26" idx="0"/>
-            <a:endCxn id="24" idx="2"/>
-          </p:cNvCxnSpPr>
-          <p:nvPr/>
-        </p:nvCxnSpPr>
-        <p:spPr>
-          <a:xfrm rot="16200000" flipV="1">
-            <a:off x="7328704" y="3486577"/>
-            <a:ext cx="164627" cy="10904"/>
-          </a:xfrm>
-          <a:prstGeom prst="curvedConnector3">
-            <a:avLst>
-              <a:gd name="adj1" fmla="val 50000"/>
-            </a:avLst>
-          </a:prstGeom>
-          <a:ln>
-            <a:solidFill>
-              <a:schemeClr val="tx1"/>
-            </a:solidFill>
-            <a:tailEnd type="triangle"/>
-          </a:ln>
-        </p:spPr>
-        <p:style>
-          <a:lnRef idx="1">
-            <a:schemeClr val="accent1"/>
-          </a:lnRef>
-          <a:fillRef idx="0">
-            <a:schemeClr val="accent1"/>
-          </a:fillRef>
-          <a:effectRef idx="0">
-            <a:schemeClr val="accent1"/>
-          </a:effectRef>
-          <a:fontRef idx="minor">
-            <a:schemeClr val="tx1"/>
-          </a:fontRef>
-        </p:style>
-      </p:cxnSp>
-      <p:cxnSp>
-        <p:nvCxnSpPr>
-          <p:cNvPr id="67" name="Verbinder: gekrümmt 66">
-            <a:extLst>
-              <a:ext uri="{FF2B5EF4-FFF2-40B4-BE49-F238E27FC236}">
-                <a16:creationId xmlns:a16="http://schemas.microsoft.com/office/drawing/2014/main" id="{D79C9A6E-E221-04DF-F4B9-C27BC069E89D}"/>
-              </a:ext>
-            </a:extLst>
-          </p:cNvPr>
-          <p:cNvCxnSpPr>
-            <a:cxnSpLocks/>
-            <a:stCxn id="24" idx="0"/>
-            <a:endCxn id="25" idx="2"/>
-          </p:cNvCxnSpPr>
-          <p:nvPr/>
-        </p:nvCxnSpPr>
-        <p:spPr>
-          <a:xfrm rot="5400000" flipH="1" flipV="1">
-            <a:off x="7334356" y="2886948"/>
-            <a:ext cx="153322" cy="10904"/>
-          </a:xfrm>
-          <a:prstGeom prst="curvedConnector3">
-            <a:avLst>
-              <a:gd name="adj1" fmla="val 50000"/>
-            </a:avLst>
-          </a:prstGeom>
-          <a:ln>
-            <a:solidFill>
-              <a:schemeClr val="tx1"/>
-            </a:solidFill>
-            <a:tailEnd type="triangle"/>
-          </a:ln>
-        </p:spPr>
-        <p:style>
-          <a:lnRef idx="1">
-            <a:schemeClr val="accent1"/>
-          </a:lnRef>
-          <a:fillRef idx="0">
-            <a:schemeClr val="accent1"/>
-          </a:fillRef>
-          <a:effectRef idx="0">
-            <a:schemeClr val="accent1"/>
-          </a:effectRef>
-          <a:fontRef idx="minor">
-            <a:schemeClr val="tx1"/>
-          </a:fontRef>
-        </p:style>
-      </p:cxnSp>
-      <p:cxnSp>
-        <p:nvCxnSpPr>
-          <p:cNvPr id="72" name="Verbinder: gekrümmt 71">
-            <a:extLst>
-              <a:ext uri="{FF2B5EF4-FFF2-40B4-BE49-F238E27FC236}">
-                <a16:creationId xmlns:a16="http://schemas.microsoft.com/office/drawing/2014/main" id="{56ADB86E-C26F-F308-F365-547F0FAE7783}"/>
-              </a:ext>
-            </a:extLst>
-          </p:cNvPr>
-          <p:cNvCxnSpPr>
-            <a:cxnSpLocks/>
-            <a:stCxn id="25" idx="3"/>
-            <a:endCxn id="13" idx="2"/>
-          </p:cNvCxnSpPr>
-          <p:nvPr/>
-        </p:nvCxnSpPr>
-        <p:spPr>
-          <a:xfrm flipV="1">
-            <a:off x="7896045" y="2225546"/>
-            <a:ext cx="1158090" cy="369866"/>
-          </a:xfrm>
-          <a:prstGeom prst="curvedConnector2">
-            <a:avLst/>
-          </a:prstGeom>
-          <a:ln>
-            <a:solidFill>
-              <a:schemeClr val="tx1"/>
-            </a:solidFill>
-            <a:tailEnd type="triangle"/>
-          </a:ln>
-        </p:spPr>
-        <p:style>
-          <a:lnRef idx="1">
-            <a:schemeClr val="accent1"/>
-          </a:lnRef>
-          <a:fillRef idx="0">
-            <a:schemeClr val="accent1"/>
-          </a:fillRef>
-          <a:effectRef idx="0">
-            <a:schemeClr val="accent1"/>
-          </a:effectRef>
-          <a:fontRef idx="minor">
-            <a:schemeClr val="tx1"/>
-          </a:fontRef>
-        </p:style>
-      </p:cxnSp>
-      <p:cxnSp>
-        <p:nvCxnSpPr>
-          <p:cNvPr id="75" name="Verbinder: gekrümmt 74">
-            <a:extLst>
-              <a:ext uri="{FF2B5EF4-FFF2-40B4-BE49-F238E27FC236}">
-                <a16:creationId xmlns:a16="http://schemas.microsoft.com/office/drawing/2014/main" id="{7F60F168-CDE4-0EB4-3C60-6C5CF94906F4}"/>
-              </a:ext>
-            </a:extLst>
-          </p:cNvPr>
-          <p:cNvCxnSpPr>
-            <a:cxnSpLocks/>
-            <a:stCxn id="25" idx="1"/>
-            <a:endCxn id="12" idx="2"/>
-          </p:cNvCxnSpPr>
-          <p:nvPr/>
-        </p:nvCxnSpPr>
-        <p:spPr>
-          <a:xfrm rot="10800000">
-            <a:off x="5608771" y="2267996"/>
-            <a:ext cx="1328123" cy="327417"/>
-          </a:xfrm>
-          <a:prstGeom prst="curvedConnector2">
-            <a:avLst/>
-          </a:prstGeom>
-          <a:ln>
-            <a:solidFill>
-              <a:schemeClr val="tx1"/>
-            </a:solidFill>
-            <a:tailEnd type="triangle"/>
-          </a:ln>
-        </p:spPr>
-        <p:style>
-          <a:lnRef idx="1">
-            <a:schemeClr val="accent1"/>
-          </a:lnRef>
-          <a:fillRef idx="0">
-            <a:schemeClr val="accent1"/>
-          </a:fillRef>
-          <a:effectRef idx="0">
-            <a:schemeClr val="accent1"/>
-          </a:effectRef>
-          <a:fontRef idx="minor">
-            <a:schemeClr val="tx1"/>
-          </a:fontRef>
-        </p:style>
-      </p:cxnSp>
-      <p:cxnSp>
-        <p:nvCxnSpPr>
-          <p:cNvPr id="78" name="Verbinder: gekrümmt 77">
-            <a:extLst>
-              <a:ext uri="{FF2B5EF4-FFF2-40B4-BE49-F238E27FC236}">
-                <a16:creationId xmlns:a16="http://schemas.microsoft.com/office/drawing/2014/main" id="{FCDB6813-CAD4-AD3D-0595-DBE83035EE0D}"/>
-              </a:ext>
-            </a:extLst>
-          </p:cNvPr>
-          <p:cNvCxnSpPr>
-            <a:cxnSpLocks/>
-            <a:stCxn id="25" idx="0"/>
-            <a:endCxn id="15" idx="2"/>
-          </p:cNvCxnSpPr>
-          <p:nvPr/>
-        </p:nvCxnSpPr>
-        <p:spPr>
-          <a:xfrm rot="16200000" flipV="1">
-            <a:off x="7303747" y="2262362"/>
-            <a:ext cx="203975" cy="21471"/>
-          </a:xfrm>
-          <a:prstGeom prst="curvedConnector3">
-            <a:avLst>
-              <a:gd name="adj1" fmla="val 50000"/>
-            </a:avLst>
-          </a:prstGeom>
-          <a:ln>
-            <a:solidFill>
-              <a:schemeClr val="tx1"/>
-            </a:solidFill>
-            <a:tailEnd type="triangle"/>
-          </a:ln>
-        </p:spPr>
-        <p:style>
-          <a:lnRef idx="1">
-            <a:schemeClr val="accent1"/>
-          </a:lnRef>
-          <a:fillRef idx="0">
-            <a:schemeClr val="accent1"/>
-          </a:fillRef>
-          <a:effectRef idx="0">
-            <a:schemeClr val="accent1"/>
-          </a:effectRef>
-          <a:fontRef idx="minor">
-            <a:schemeClr val="tx1"/>
-          </a:fontRef>
-        </p:style>
-      </p:cxnSp>
     </p:spTree>
     <p:extLst>
       <p:ext uri="{BB962C8B-B14F-4D97-AF65-F5344CB8AC3E}">
-        <p14:creationId xmlns:p14="http://schemas.microsoft.com/office/powerpoint/2010/main" val="3384507258"/>
+        <p14:creationId xmlns:p14="http://schemas.microsoft.com/office/powerpoint/2010/main" val="33474643"/>
       </p:ext>
     </p:extLst>
   </p:cSld>
@@ -12146,6 +12120,2365 @@
           <a:chExt cx="0" cy="0"/>
         </a:xfrm>
       </p:grpSpPr>
+      <p:pic>
+        <p:nvPicPr>
+          <p:cNvPr id="96" name="Grafik 95" descr="Ein Bild, das Pflanze, Baum, Palme Orchidee, Palme enthält.&#10;&#10;Automatisch generierte Beschreibung">
+            <a:extLst>
+              <a:ext uri="{FF2B5EF4-FFF2-40B4-BE49-F238E27FC236}">
+                <a16:creationId xmlns:a16="http://schemas.microsoft.com/office/drawing/2014/main" id="{091B29DC-2AA5-39DC-D2CF-3461E12D054D}"/>
+              </a:ext>
+            </a:extLst>
+          </p:cNvPr>
+          <p:cNvPicPr>
+            <a:picLocks noChangeAspect="1"/>
+          </p:cNvPicPr>
+          <p:nvPr/>
+        </p:nvPicPr>
+        <p:blipFill rotWithShape="1">
+          <a:blip r:embed="rId2">
+            <a:extLst>
+              <a:ext uri="{28A0092B-C50C-407E-A947-70E740481C1C}">
+                <a14:useLocalDpi xmlns:a14="http://schemas.microsoft.com/office/drawing/2010/main" val="0"/>
+              </a:ext>
+            </a:extLst>
+          </a:blip>
+          <a:srcRect t="2112" b="10982"/>
+          <a:stretch/>
+        </p:blipFill>
+        <p:spPr>
+          <a:xfrm>
+            <a:off x="3932568" y="568551"/>
+            <a:ext cx="4601914" cy="6170484"/>
+          </a:xfrm>
+          <a:prstGeom prst="rect">
+            <a:avLst/>
+          </a:prstGeom>
+        </p:spPr>
+      </p:pic>
+      <p:sp>
+        <p:nvSpPr>
+          <p:cNvPr id="2" name="TextBox 1">
+            <a:extLst>
+              <a:ext uri="{FF2B5EF4-FFF2-40B4-BE49-F238E27FC236}">
+                <a16:creationId xmlns:a16="http://schemas.microsoft.com/office/drawing/2014/main" id="{7A7C78DC-BEBE-328D-BF13-630539227AAF}"/>
+              </a:ext>
+            </a:extLst>
+          </p:cNvPr>
+          <p:cNvSpPr txBox="1"/>
+          <p:nvPr/>
+        </p:nvSpPr>
+        <p:spPr>
+          <a:xfrm>
+            <a:off x="533188" y="118965"/>
+            <a:ext cx="11163300" cy="461665"/>
+          </a:xfrm>
+          <a:prstGeom prst="rect">
+            <a:avLst/>
+          </a:prstGeom>
+          <a:noFill/>
+        </p:spPr>
+        <p:txBody>
+          <a:bodyPr wrap="square" rtlCol="0">
+            <a:spAutoFit/>
+          </a:bodyPr>
+          <a:lstStyle/>
+          <a:p>
+            <a:pPr algn="ctr"/>
+            <a:r>
+              <a:rPr lang="de-DE" sz="2400" dirty="0">
+                <a:latin typeface="+mj-lt"/>
+              </a:rPr>
+              <a:t>Making </a:t>
+            </a:r>
+            <a:r>
+              <a:rPr lang="de-DE" sz="2400" dirty="0" err="1">
+                <a:latin typeface="+mj-lt"/>
+              </a:rPr>
+              <a:t>our</a:t>
+            </a:r>
+            <a:r>
+              <a:rPr lang="de-DE" sz="2400" dirty="0">
+                <a:latin typeface="+mj-lt"/>
+              </a:rPr>
+              <a:t> Problem </a:t>
+            </a:r>
+            <a:r>
+              <a:rPr lang="de-DE" sz="2400" dirty="0" err="1">
+                <a:latin typeface="+mj-lt"/>
+              </a:rPr>
+              <a:t>definition</a:t>
+            </a:r>
+            <a:r>
+              <a:rPr lang="de-DE" sz="2400" dirty="0">
+                <a:latin typeface="+mj-lt"/>
+              </a:rPr>
+              <a:t> </a:t>
+            </a:r>
+            <a:r>
+              <a:rPr lang="de-DE" sz="2400" dirty="0" err="1">
+                <a:latin typeface="+mj-lt"/>
+              </a:rPr>
+              <a:t>more</a:t>
+            </a:r>
+            <a:r>
+              <a:rPr lang="de-DE" sz="2400" dirty="0">
+                <a:latin typeface="+mj-lt"/>
+              </a:rPr>
+              <a:t> </a:t>
+            </a:r>
+            <a:r>
+              <a:rPr lang="de-DE" sz="2400" dirty="0" err="1">
+                <a:latin typeface="+mj-lt"/>
+              </a:rPr>
+              <a:t>specific</a:t>
+            </a:r>
+            <a:endParaRPr lang="de-DE" sz="2400" dirty="0">
+              <a:latin typeface="+mj-lt"/>
+            </a:endParaRPr>
+          </a:p>
+        </p:txBody>
+      </p:sp>
+      <p:sp>
+        <p:nvSpPr>
+          <p:cNvPr id="3" name="Rectangle: Rounded Corners 3">
+            <a:extLst>
+              <a:ext uri="{FF2B5EF4-FFF2-40B4-BE49-F238E27FC236}">
+                <a16:creationId xmlns:a16="http://schemas.microsoft.com/office/drawing/2014/main" id="{9DDE0463-BEE0-3E28-A634-5480B7A22AF3}"/>
+              </a:ext>
+            </a:extLst>
+          </p:cNvPr>
+          <p:cNvSpPr/>
+          <p:nvPr/>
+        </p:nvSpPr>
+        <p:spPr>
+          <a:xfrm>
+            <a:off x="5569464" y="4141676"/>
+            <a:ext cx="1328122" cy="605282"/>
+          </a:xfrm>
+          <a:prstGeom prst="roundRect">
+            <a:avLst/>
+          </a:prstGeom>
+          <a:solidFill>
+            <a:srgbClr val="8E573E"/>
+          </a:solidFill>
+          <a:ln w="19050">
+            <a:solidFill>
+              <a:schemeClr val="tx1"/>
+            </a:solidFill>
+          </a:ln>
+        </p:spPr>
+        <p:style>
+          <a:lnRef idx="2">
+            <a:schemeClr val="accent1">
+              <a:shade val="50000"/>
+            </a:schemeClr>
+          </a:lnRef>
+          <a:fillRef idx="1">
+            <a:schemeClr val="accent1"/>
+          </a:fillRef>
+          <a:effectRef idx="0">
+            <a:schemeClr val="accent1"/>
+          </a:effectRef>
+          <a:fontRef idx="minor">
+            <a:schemeClr val="lt1"/>
+          </a:fontRef>
+        </p:style>
+        <p:txBody>
+          <a:bodyPr rtlCol="0" anchor="ctr"/>
+          <a:lstStyle/>
+          <a:p>
+            <a:pPr defTabSz="777240">
+              <a:spcAft>
+                <a:spcPts val="600"/>
+              </a:spcAft>
+            </a:pPr>
+            <a:r>
+              <a:rPr lang="en-US" sz="1000" dirty="0">
+                <a:solidFill>
+                  <a:schemeClr val="bg1"/>
+                </a:solidFill>
+                <a:effectLst/>
+                <a:latin typeface="Calibri" panose="020F0502020204030204" pitchFamily="34" charset="0"/>
+              </a:rPr>
+              <a:t>School </a:t>
+            </a:r>
+            <a:r>
+              <a:rPr lang="en-US" sz="1000" dirty="0" err="1">
+                <a:solidFill>
+                  <a:schemeClr val="bg1"/>
+                </a:solidFill>
+                <a:effectLst/>
+                <a:latin typeface="Calibri" panose="020F0502020204030204" pitchFamily="34" charset="0"/>
+              </a:rPr>
+              <a:t>Webportal</a:t>
+            </a:r>
+            <a:r>
+              <a:rPr lang="en-US" sz="1000" dirty="0">
+                <a:solidFill>
+                  <a:schemeClr val="bg1"/>
+                </a:solidFill>
+                <a:effectLst/>
+                <a:latin typeface="Calibri" panose="020F0502020204030204" pitchFamily="34" charset="0"/>
+              </a:rPr>
+              <a:t> is badly structured and missing features</a:t>
+            </a:r>
+          </a:p>
+        </p:txBody>
+      </p:sp>
+      <p:sp>
+        <p:nvSpPr>
+          <p:cNvPr id="4" name="Rectangle: Rounded Corners 4">
+            <a:extLst>
+              <a:ext uri="{FF2B5EF4-FFF2-40B4-BE49-F238E27FC236}">
+                <a16:creationId xmlns:a16="http://schemas.microsoft.com/office/drawing/2014/main" id="{292008B6-8B79-F43F-251A-97D317B651CA}"/>
+              </a:ext>
+            </a:extLst>
+          </p:cNvPr>
+          <p:cNvSpPr/>
+          <p:nvPr/>
+        </p:nvSpPr>
+        <p:spPr>
+          <a:xfrm>
+            <a:off x="7602302" y="6134514"/>
+            <a:ext cx="745797" cy="523242"/>
+          </a:xfrm>
+          <a:prstGeom prst="roundRect">
+            <a:avLst/>
+          </a:prstGeom>
+          <a:solidFill>
+            <a:schemeClr val="accent2">
+              <a:lumMod val="20000"/>
+              <a:lumOff val="80000"/>
+            </a:schemeClr>
+          </a:solidFill>
+          <a:ln w="19050">
+            <a:solidFill>
+              <a:schemeClr val="tx1"/>
+            </a:solidFill>
+          </a:ln>
+        </p:spPr>
+        <p:style>
+          <a:lnRef idx="2">
+            <a:schemeClr val="accent1">
+              <a:shade val="50000"/>
+            </a:schemeClr>
+          </a:lnRef>
+          <a:fillRef idx="1">
+            <a:schemeClr val="accent1"/>
+          </a:fillRef>
+          <a:effectRef idx="0">
+            <a:schemeClr val="accent1"/>
+          </a:effectRef>
+          <a:fontRef idx="minor">
+            <a:schemeClr val="lt1"/>
+          </a:fontRef>
+        </p:style>
+        <p:txBody>
+          <a:bodyPr rtlCol="0" anchor="ctr"/>
+          <a:lstStyle/>
+          <a:p>
+            <a:pPr defTabSz="777240">
+              <a:spcAft>
+                <a:spcPts val="600"/>
+              </a:spcAft>
+            </a:pPr>
+            <a:r>
+              <a:rPr lang="de-DE" sz="850" kern="1200">
+                <a:solidFill>
+                  <a:schemeClr val="tx1"/>
+                </a:solidFill>
+                <a:latin typeface="Calibri" panose="020F0502020204030204" pitchFamily="34" charset="0"/>
+                <a:ea typeface="+mn-ea"/>
+                <a:cs typeface="+mn-cs"/>
+              </a:rPr>
+              <a:t>Not </a:t>
+            </a:r>
+            <a:r>
+              <a:rPr lang="de-DE" sz="850" kern="1200" err="1">
+                <a:solidFill>
+                  <a:schemeClr val="tx1"/>
+                </a:solidFill>
+                <a:latin typeface="Calibri" panose="020F0502020204030204" pitchFamily="34" charset="0"/>
+                <a:ea typeface="+mn-ea"/>
+                <a:cs typeface="+mn-cs"/>
+              </a:rPr>
+              <a:t>enough</a:t>
+            </a:r>
+            <a:r>
+              <a:rPr lang="de-DE" sz="850" kern="1200">
+                <a:solidFill>
+                  <a:schemeClr val="tx1"/>
+                </a:solidFill>
+                <a:latin typeface="Calibri" panose="020F0502020204030204" pitchFamily="34" charset="0"/>
+                <a:ea typeface="+mn-ea"/>
+                <a:cs typeface="+mn-cs"/>
+              </a:rPr>
+              <a:t> </a:t>
+            </a:r>
+            <a:r>
+              <a:rPr lang="de-DE" sz="850" kern="1200" err="1">
+                <a:solidFill>
+                  <a:schemeClr val="tx1"/>
+                </a:solidFill>
+                <a:latin typeface="Calibri" panose="020F0502020204030204" pitchFamily="34" charset="0"/>
+                <a:ea typeface="+mn-ea"/>
+                <a:cs typeface="+mn-cs"/>
+              </a:rPr>
+              <a:t>teachers</a:t>
+            </a:r>
+            <a:endParaRPr lang="de-DE" sz="1000">
+              <a:solidFill>
+                <a:schemeClr val="tx1"/>
+              </a:solidFill>
+              <a:effectLst/>
+              <a:latin typeface="Calibri" panose="020F0502020204030204" pitchFamily="34" charset="0"/>
+            </a:endParaRPr>
+          </a:p>
+        </p:txBody>
+      </p:sp>
+      <p:sp>
+        <p:nvSpPr>
+          <p:cNvPr id="5" name="Rectangle: Rounded Corners 5">
+            <a:extLst>
+              <a:ext uri="{FF2B5EF4-FFF2-40B4-BE49-F238E27FC236}">
+                <a16:creationId xmlns:a16="http://schemas.microsoft.com/office/drawing/2014/main" id="{1539E178-7B7A-234D-2C1E-1B62847F68ED}"/>
+              </a:ext>
+            </a:extLst>
+          </p:cNvPr>
+          <p:cNvSpPr/>
+          <p:nvPr/>
+        </p:nvSpPr>
+        <p:spPr>
+          <a:xfrm>
+            <a:off x="4417379" y="5334125"/>
+            <a:ext cx="978025" cy="496411"/>
+          </a:xfrm>
+          <a:prstGeom prst="roundRect">
+            <a:avLst/>
+          </a:prstGeom>
+          <a:solidFill>
+            <a:schemeClr val="accent2">
+              <a:lumMod val="20000"/>
+              <a:lumOff val="80000"/>
+            </a:schemeClr>
+          </a:solidFill>
+          <a:ln w="19050">
+            <a:solidFill>
+              <a:schemeClr val="tx1"/>
+            </a:solidFill>
+          </a:ln>
+        </p:spPr>
+        <p:style>
+          <a:lnRef idx="2">
+            <a:schemeClr val="accent1">
+              <a:shade val="50000"/>
+            </a:schemeClr>
+          </a:lnRef>
+          <a:fillRef idx="1">
+            <a:schemeClr val="accent1"/>
+          </a:fillRef>
+          <a:effectRef idx="0">
+            <a:schemeClr val="accent1"/>
+          </a:effectRef>
+          <a:fontRef idx="minor">
+            <a:schemeClr val="lt1"/>
+          </a:fontRef>
+        </p:style>
+        <p:txBody>
+          <a:bodyPr rtlCol="0" anchor="ctr"/>
+          <a:lstStyle/>
+          <a:p>
+            <a:pPr defTabSz="777240">
+              <a:spcAft>
+                <a:spcPts val="600"/>
+              </a:spcAft>
+            </a:pPr>
+            <a:r>
+              <a:rPr lang="en-US" sz="850" kern="1200" dirty="0">
+                <a:solidFill>
+                  <a:schemeClr val="tx1"/>
+                </a:solidFill>
+                <a:latin typeface="Calibri" panose="020F0502020204030204" pitchFamily="34" charset="0"/>
+                <a:ea typeface="+mn-ea"/>
+                <a:cs typeface="+mn-cs"/>
+              </a:rPr>
+              <a:t>Teachers lacking skill and knowledge</a:t>
+            </a:r>
+            <a:endParaRPr lang="en-US" sz="1000" dirty="0">
+              <a:solidFill>
+                <a:schemeClr val="tx1"/>
+              </a:solidFill>
+              <a:effectLst/>
+              <a:latin typeface="Calibri" panose="020F0502020204030204" pitchFamily="34" charset="0"/>
+            </a:endParaRPr>
+          </a:p>
+        </p:txBody>
+      </p:sp>
+      <p:sp>
+        <p:nvSpPr>
+          <p:cNvPr id="6" name="Rectangle: Rounded Corners 6">
+            <a:extLst>
+              <a:ext uri="{FF2B5EF4-FFF2-40B4-BE49-F238E27FC236}">
+                <a16:creationId xmlns:a16="http://schemas.microsoft.com/office/drawing/2014/main" id="{DDF5F441-2B78-4E4A-3F79-1888ADA239B0}"/>
+              </a:ext>
+            </a:extLst>
+          </p:cNvPr>
+          <p:cNvSpPr/>
+          <p:nvPr/>
+        </p:nvSpPr>
+        <p:spPr>
+          <a:xfrm>
+            <a:off x="3254925" y="5494250"/>
+            <a:ext cx="724022" cy="520385"/>
+          </a:xfrm>
+          <a:prstGeom prst="roundRect">
+            <a:avLst/>
+          </a:prstGeom>
+          <a:solidFill>
+            <a:schemeClr val="accent2">
+              <a:lumMod val="20000"/>
+              <a:lumOff val="80000"/>
+            </a:schemeClr>
+          </a:solidFill>
+          <a:ln w="19050">
+            <a:solidFill>
+              <a:schemeClr val="tx1"/>
+            </a:solidFill>
+          </a:ln>
+        </p:spPr>
+        <p:style>
+          <a:lnRef idx="2">
+            <a:schemeClr val="accent1">
+              <a:shade val="50000"/>
+            </a:schemeClr>
+          </a:lnRef>
+          <a:fillRef idx="1">
+            <a:schemeClr val="accent1"/>
+          </a:fillRef>
+          <a:effectRef idx="0">
+            <a:schemeClr val="accent1"/>
+          </a:effectRef>
+          <a:fontRef idx="minor">
+            <a:schemeClr val="lt1"/>
+          </a:fontRef>
+        </p:style>
+        <p:txBody>
+          <a:bodyPr rtlCol="0" anchor="ctr"/>
+          <a:lstStyle/>
+          <a:p>
+            <a:pPr defTabSz="777240">
+              <a:spcAft>
+                <a:spcPts val="600"/>
+              </a:spcAft>
+            </a:pPr>
+            <a:r>
+              <a:rPr lang="de-DE" sz="850" kern="1200" dirty="0">
+                <a:solidFill>
+                  <a:schemeClr val="tx1"/>
+                </a:solidFill>
+                <a:latin typeface="Calibri" panose="020F0502020204030204" pitchFamily="34" charset="0"/>
+                <a:ea typeface="+mn-ea"/>
+                <a:cs typeface="+mn-cs"/>
+              </a:rPr>
+              <a:t>Bad </a:t>
+            </a:r>
+            <a:r>
+              <a:rPr lang="de-DE" sz="850" kern="1200" dirty="0" err="1">
+                <a:solidFill>
+                  <a:schemeClr val="tx1"/>
+                </a:solidFill>
+                <a:latin typeface="Calibri" panose="020F0502020204030204" pitchFamily="34" charset="0"/>
+                <a:ea typeface="+mn-ea"/>
+                <a:cs typeface="+mn-cs"/>
+              </a:rPr>
+              <a:t>equipment</a:t>
+            </a:r>
+            <a:r>
+              <a:rPr lang="de-DE" sz="850" kern="1200" dirty="0">
+                <a:solidFill>
+                  <a:schemeClr val="tx1"/>
+                </a:solidFill>
+                <a:latin typeface="Calibri" panose="020F0502020204030204" pitchFamily="34" charset="0"/>
+                <a:ea typeface="+mn-ea"/>
+                <a:cs typeface="+mn-cs"/>
+              </a:rPr>
+              <a:t> at </a:t>
+            </a:r>
+            <a:r>
+              <a:rPr lang="de-DE" sz="850" kern="1200" dirty="0" err="1">
+                <a:solidFill>
+                  <a:schemeClr val="tx1"/>
+                </a:solidFill>
+                <a:latin typeface="Calibri" panose="020F0502020204030204" pitchFamily="34" charset="0"/>
+                <a:ea typeface="+mn-ea"/>
+                <a:cs typeface="+mn-cs"/>
+              </a:rPr>
+              <a:t>schools</a:t>
+            </a:r>
+            <a:endParaRPr lang="de-DE" sz="1000" dirty="0">
+              <a:solidFill>
+                <a:schemeClr val="tx1"/>
+              </a:solidFill>
+              <a:effectLst/>
+              <a:latin typeface="Calibri" panose="020F0502020204030204" pitchFamily="34" charset="0"/>
+            </a:endParaRPr>
+          </a:p>
+        </p:txBody>
+      </p:sp>
+      <p:sp>
+        <p:nvSpPr>
+          <p:cNvPr id="9" name="Rectangle: Rounded Corners 19">
+            <a:extLst>
+              <a:ext uri="{FF2B5EF4-FFF2-40B4-BE49-F238E27FC236}">
+                <a16:creationId xmlns:a16="http://schemas.microsoft.com/office/drawing/2014/main" id="{E6F8C3F4-999A-1E0A-954B-2B3E5E2CD401}"/>
+              </a:ext>
+            </a:extLst>
+          </p:cNvPr>
+          <p:cNvSpPr/>
+          <p:nvPr/>
+        </p:nvSpPr>
+        <p:spPr>
+          <a:xfrm>
+            <a:off x="8604841" y="5379952"/>
+            <a:ext cx="745797" cy="523242"/>
+          </a:xfrm>
+          <a:prstGeom prst="roundRect">
+            <a:avLst/>
+          </a:prstGeom>
+          <a:solidFill>
+            <a:schemeClr val="accent2">
+              <a:lumMod val="20000"/>
+              <a:lumOff val="80000"/>
+            </a:schemeClr>
+          </a:solidFill>
+          <a:ln w="19050">
+            <a:solidFill>
+              <a:schemeClr val="tx1"/>
+            </a:solidFill>
+          </a:ln>
+        </p:spPr>
+        <p:style>
+          <a:lnRef idx="2">
+            <a:schemeClr val="accent1">
+              <a:shade val="50000"/>
+            </a:schemeClr>
+          </a:lnRef>
+          <a:fillRef idx="1">
+            <a:schemeClr val="accent1"/>
+          </a:fillRef>
+          <a:effectRef idx="0">
+            <a:schemeClr val="accent1"/>
+          </a:effectRef>
+          <a:fontRef idx="minor">
+            <a:schemeClr val="lt1"/>
+          </a:fontRef>
+        </p:style>
+        <p:txBody>
+          <a:bodyPr rtlCol="0" anchor="ctr"/>
+          <a:lstStyle/>
+          <a:p>
+            <a:pPr defTabSz="777240">
+              <a:spcAft>
+                <a:spcPts val="600"/>
+              </a:spcAft>
+            </a:pPr>
+            <a:r>
+              <a:rPr lang="de-DE" sz="850" kern="1200" dirty="0" err="1">
+                <a:solidFill>
+                  <a:schemeClr val="tx1"/>
+                </a:solidFill>
+                <a:latin typeface="Calibri" panose="020F0502020204030204" pitchFamily="34" charset="0"/>
+                <a:ea typeface="+mn-ea"/>
+                <a:cs typeface="+mn-cs"/>
+              </a:rPr>
+              <a:t>Too</a:t>
+            </a:r>
+            <a:r>
+              <a:rPr lang="de-DE" sz="850" kern="1200" dirty="0">
+                <a:solidFill>
+                  <a:schemeClr val="tx1"/>
+                </a:solidFill>
+                <a:latin typeface="Calibri" panose="020F0502020204030204" pitchFamily="34" charset="0"/>
+                <a:ea typeface="+mn-ea"/>
+                <a:cs typeface="+mn-cs"/>
+              </a:rPr>
+              <a:t> </a:t>
+            </a:r>
+            <a:r>
+              <a:rPr lang="de-DE" sz="850" kern="1200" dirty="0" err="1">
+                <a:solidFill>
+                  <a:schemeClr val="tx1"/>
+                </a:solidFill>
+                <a:latin typeface="Calibri" panose="020F0502020204030204" pitchFamily="34" charset="0"/>
+                <a:ea typeface="+mn-ea"/>
+                <a:cs typeface="+mn-cs"/>
+              </a:rPr>
+              <a:t>much</a:t>
+            </a:r>
+            <a:r>
+              <a:rPr lang="de-DE" sz="850" kern="1200" dirty="0">
+                <a:solidFill>
+                  <a:schemeClr val="tx1"/>
+                </a:solidFill>
+                <a:latin typeface="Calibri" panose="020F0502020204030204" pitchFamily="34" charset="0"/>
+                <a:ea typeface="+mn-ea"/>
+                <a:cs typeface="+mn-cs"/>
+              </a:rPr>
+              <a:t> </a:t>
+            </a:r>
+            <a:r>
+              <a:rPr lang="de-DE" sz="850" kern="1200" dirty="0" err="1">
+                <a:solidFill>
+                  <a:schemeClr val="tx1"/>
+                </a:solidFill>
+                <a:latin typeface="Calibri" panose="020F0502020204030204" pitchFamily="34" charset="0"/>
+                <a:ea typeface="+mn-ea"/>
+                <a:cs typeface="+mn-cs"/>
+              </a:rPr>
+              <a:t>workload</a:t>
+            </a:r>
+            <a:r>
+              <a:rPr lang="de-DE" sz="850" kern="1200" dirty="0">
+                <a:solidFill>
+                  <a:schemeClr val="tx1"/>
+                </a:solidFill>
+                <a:latin typeface="Calibri" panose="020F0502020204030204" pitchFamily="34" charset="0"/>
+                <a:ea typeface="+mn-ea"/>
+                <a:cs typeface="+mn-cs"/>
+              </a:rPr>
+              <a:t> </a:t>
+            </a:r>
+            <a:r>
+              <a:rPr lang="de-DE" sz="850" kern="1200" dirty="0" err="1">
+                <a:solidFill>
+                  <a:schemeClr val="tx1"/>
+                </a:solidFill>
+                <a:latin typeface="Calibri" panose="020F0502020204030204" pitchFamily="34" charset="0"/>
+                <a:ea typeface="+mn-ea"/>
+                <a:cs typeface="+mn-cs"/>
+              </a:rPr>
+              <a:t>for</a:t>
+            </a:r>
+            <a:r>
+              <a:rPr lang="de-DE" sz="850" kern="1200" dirty="0">
+                <a:solidFill>
+                  <a:schemeClr val="tx1"/>
+                </a:solidFill>
+                <a:latin typeface="Calibri" panose="020F0502020204030204" pitchFamily="34" charset="0"/>
+                <a:ea typeface="+mn-ea"/>
+                <a:cs typeface="+mn-cs"/>
+              </a:rPr>
+              <a:t> </a:t>
+            </a:r>
+            <a:r>
+              <a:rPr lang="de-DE" sz="850" kern="1200" dirty="0" err="1">
+                <a:solidFill>
+                  <a:schemeClr val="tx1"/>
+                </a:solidFill>
+                <a:latin typeface="Calibri" panose="020F0502020204030204" pitchFamily="34" charset="0"/>
+                <a:ea typeface="+mn-ea"/>
+                <a:cs typeface="+mn-cs"/>
+              </a:rPr>
+              <a:t>teachers</a:t>
+            </a:r>
+            <a:endParaRPr lang="de-DE" sz="1000" dirty="0">
+              <a:solidFill>
+                <a:schemeClr val="tx1"/>
+              </a:solidFill>
+              <a:effectLst/>
+              <a:latin typeface="Calibri" panose="020F0502020204030204" pitchFamily="34" charset="0"/>
+            </a:endParaRPr>
+          </a:p>
+        </p:txBody>
+      </p:sp>
+      <p:cxnSp>
+        <p:nvCxnSpPr>
+          <p:cNvPr id="11" name="Connector: Curved 24">
+            <a:extLst>
+              <a:ext uri="{FF2B5EF4-FFF2-40B4-BE49-F238E27FC236}">
+                <a16:creationId xmlns:a16="http://schemas.microsoft.com/office/drawing/2014/main" id="{3F2D6312-DA44-F5F3-14AA-B834D72337A6}"/>
+              </a:ext>
+            </a:extLst>
+          </p:cNvPr>
+          <p:cNvCxnSpPr>
+            <a:stCxn id="4" idx="0"/>
+            <a:endCxn id="9" idx="2"/>
+          </p:cNvCxnSpPr>
+          <p:nvPr/>
+        </p:nvCxnSpPr>
+        <p:spPr>
+          <a:xfrm rot="5400000" flipH="1" flipV="1">
+            <a:off x="8360810" y="5517585"/>
+            <a:ext cx="231320" cy="1002539"/>
+          </a:xfrm>
+          <a:prstGeom prst="curvedConnector3">
+            <a:avLst/>
+          </a:prstGeom>
+          <a:ln>
+            <a:solidFill>
+              <a:schemeClr val="tx1"/>
+            </a:solidFill>
+            <a:tailEnd type="triangle"/>
+          </a:ln>
+        </p:spPr>
+        <p:style>
+          <a:lnRef idx="1">
+            <a:schemeClr val="accent1"/>
+          </a:lnRef>
+          <a:fillRef idx="0">
+            <a:schemeClr val="accent1"/>
+          </a:fillRef>
+          <a:effectRef idx="0">
+            <a:schemeClr val="accent1"/>
+          </a:effectRef>
+          <a:fontRef idx="minor">
+            <a:schemeClr val="tx1"/>
+          </a:fontRef>
+        </p:style>
+      </p:cxnSp>
+      <p:sp>
+        <p:nvSpPr>
+          <p:cNvPr id="12" name="Rectangle: Rounded Corners 25">
+            <a:extLst>
+              <a:ext uri="{FF2B5EF4-FFF2-40B4-BE49-F238E27FC236}">
+                <a16:creationId xmlns:a16="http://schemas.microsoft.com/office/drawing/2014/main" id="{46827CAF-B2E9-987F-C81C-D45FF5B92BD7}"/>
+              </a:ext>
+            </a:extLst>
+          </p:cNvPr>
+          <p:cNvSpPr/>
+          <p:nvPr/>
+        </p:nvSpPr>
+        <p:spPr>
+          <a:xfrm>
+            <a:off x="3748678" y="1543748"/>
+            <a:ext cx="1340967" cy="605282"/>
+          </a:xfrm>
+          <a:prstGeom prst="roundRect">
+            <a:avLst/>
+          </a:prstGeom>
+          <a:solidFill>
+            <a:schemeClr val="accent6">
+              <a:lumMod val="20000"/>
+              <a:lumOff val="80000"/>
+            </a:schemeClr>
+          </a:solidFill>
+          <a:ln w="19050">
+            <a:solidFill>
+              <a:schemeClr val="tx1"/>
+            </a:solidFill>
+          </a:ln>
+        </p:spPr>
+        <p:style>
+          <a:lnRef idx="2">
+            <a:schemeClr val="accent1">
+              <a:shade val="50000"/>
+            </a:schemeClr>
+          </a:lnRef>
+          <a:fillRef idx="1">
+            <a:schemeClr val="accent1"/>
+          </a:fillRef>
+          <a:effectRef idx="0">
+            <a:schemeClr val="accent1"/>
+          </a:effectRef>
+          <a:fontRef idx="minor">
+            <a:schemeClr val="lt1"/>
+          </a:fontRef>
+        </p:style>
+        <p:txBody>
+          <a:bodyPr rtlCol="0" anchor="ctr"/>
+          <a:lstStyle/>
+          <a:p>
+            <a:pPr defTabSz="777240">
+              <a:spcAft>
+                <a:spcPts val="600"/>
+              </a:spcAft>
+            </a:pPr>
+            <a:r>
+              <a:rPr lang="en-US" sz="850" kern="1200" err="1">
+                <a:solidFill>
+                  <a:schemeClr val="tx1"/>
+                </a:solidFill>
+                <a:latin typeface="Calibri" panose="020F0502020204030204" pitchFamily="34" charset="0"/>
+                <a:ea typeface="+mn-ea"/>
+                <a:cs typeface="+mn-cs"/>
+              </a:rPr>
+              <a:t>Ridgid</a:t>
+            </a:r>
+            <a:r>
+              <a:rPr lang="en-US" sz="850" kern="1200">
+                <a:solidFill>
+                  <a:schemeClr val="tx1"/>
+                </a:solidFill>
+                <a:latin typeface="Calibri" panose="020F0502020204030204" pitchFamily="34" charset="0"/>
+                <a:ea typeface="+mn-ea"/>
+                <a:cs typeface="+mn-cs"/>
+              </a:rPr>
+              <a:t> curriculum which ignores individual needs and strengths + weaknesses</a:t>
+            </a:r>
+            <a:endParaRPr lang="de-DE" sz="1000">
+              <a:solidFill>
+                <a:schemeClr val="tx1"/>
+              </a:solidFill>
+              <a:effectLst/>
+              <a:latin typeface="Calibri" panose="020F0502020204030204" pitchFamily="34" charset="0"/>
+            </a:endParaRPr>
+          </a:p>
+        </p:txBody>
+      </p:sp>
+      <p:sp>
+        <p:nvSpPr>
+          <p:cNvPr id="13" name="Rectangle: Rounded Corners 26">
+            <a:extLst>
+              <a:ext uri="{FF2B5EF4-FFF2-40B4-BE49-F238E27FC236}">
+                <a16:creationId xmlns:a16="http://schemas.microsoft.com/office/drawing/2014/main" id="{53185D38-75DA-3B66-86A1-629B901A0376}"/>
+              </a:ext>
+            </a:extLst>
+          </p:cNvPr>
+          <p:cNvSpPr/>
+          <p:nvPr/>
+        </p:nvSpPr>
+        <p:spPr>
+          <a:xfrm>
+            <a:off x="7457954" y="1557055"/>
+            <a:ext cx="813146" cy="549526"/>
+          </a:xfrm>
+          <a:prstGeom prst="roundRect">
+            <a:avLst/>
+          </a:prstGeom>
+          <a:solidFill>
+            <a:schemeClr val="accent6">
+              <a:lumMod val="20000"/>
+              <a:lumOff val="80000"/>
+            </a:schemeClr>
+          </a:solidFill>
+          <a:ln w="19050">
+            <a:solidFill>
+              <a:schemeClr val="tx1"/>
+            </a:solidFill>
+          </a:ln>
+        </p:spPr>
+        <p:style>
+          <a:lnRef idx="2">
+            <a:schemeClr val="accent1">
+              <a:shade val="50000"/>
+            </a:schemeClr>
+          </a:lnRef>
+          <a:fillRef idx="1">
+            <a:schemeClr val="accent1"/>
+          </a:fillRef>
+          <a:effectRef idx="0">
+            <a:schemeClr val="accent1"/>
+          </a:effectRef>
+          <a:fontRef idx="minor">
+            <a:schemeClr val="lt1"/>
+          </a:fontRef>
+        </p:style>
+        <p:txBody>
+          <a:bodyPr rtlCol="0" anchor="ctr"/>
+          <a:lstStyle/>
+          <a:p>
+            <a:pPr defTabSz="777240">
+              <a:spcAft>
+                <a:spcPts val="600"/>
+              </a:spcAft>
+            </a:pPr>
+            <a:r>
+              <a:rPr lang="en-US" sz="850" kern="1200">
+                <a:solidFill>
+                  <a:schemeClr val="tx1"/>
+                </a:solidFill>
+                <a:latin typeface="Calibri" panose="020F0502020204030204" pitchFamily="34" charset="0"/>
+                <a:ea typeface="+mn-ea"/>
+                <a:cs typeface="+mn-cs"/>
+              </a:rPr>
+              <a:t>Low student motivation </a:t>
+            </a:r>
+            <a:endParaRPr lang="de-DE" sz="1000">
+              <a:solidFill>
+                <a:schemeClr val="tx1"/>
+              </a:solidFill>
+              <a:effectLst/>
+              <a:latin typeface="Calibri" panose="020F0502020204030204" pitchFamily="34" charset="0"/>
+            </a:endParaRPr>
+          </a:p>
+        </p:txBody>
+      </p:sp>
+      <p:sp>
+        <p:nvSpPr>
+          <p:cNvPr id="15" name="Rectangle: Rounded Corners 31">
+            <a:extLst>
+              <a:ext uri="{FF2B5EF4-FFF2-40B4-BE49-F238E27FC236}">
+                <a16:creationId xmlns:a16="http://schemas.microsoft.com/office/drawing/2014/main" id="{BDEB3C5E-06B6-1456-7E04-41FD548FB2C0}"/>
+              </a:ext>
+            </a:extLst>
+          </p:cNvPr>
+          <p:cNvSpPr/>
+          <p:nvPr/>
+        </p:nvSpPr>
+        <p:spPr>
+          <a:xfrm>
+            <a:off x="5725814" y="1611491"/>
+            <a:ext cx="959152" cy="440654"/>
+          </a:xfrm>
+          <a:prstGeom prst="roundRect">
+            <a:avLst/>
+          </a:prstGeom>
+          <a:solidFill>
+            <a:schemeClr val="accent6">
+              <a:lumMod val="20000"/>
+              <a:lumOff val="80000"/>
+            </a:schemeClr>
+          </a:solidFill>
+          <a:ln w="19050">
+            <a:solidFill>
+              <a:schemeClr val="tx1"/>
+            </a:solidFill>
+          </a:ln>
+        </p:spPr>
+        <p:style>
+          <a:lnRef idx="2">
+            <a:schemeClr val="accent1">
+              <a:shade val="50000"/>
+            </a:schemeClr>
+          </a:lnRef>
+          <a:fillRef idx="1">
+            <a:schemeClr val="accent1"/>
+          </a:fillRef>
+          <a:effectRef idx="0">
+            <a:schemeClr val="accent1"/>
+          </a:effectRef>
+          <a:fontRef idx="minor">
+            <a:schemeClr val="lt1"/>
+          </a:fontRef>
+        </p:style>
+        <p:txBody>
+          <a:bodyPr rtlCol="0" anchor="ctr"/>
+          <a:lstStyle/>
+          <a:p>
+            <a:pPr defTabSz="777240">
+              <a:spcAft>
+                <a:spcPts val="600"/>
+              </a:spcAft>
+            </a:pPr>
+            <a:r>
+              <a:rPr lang="en-US" sz="850" kern="1200">
+                <a:solidFill>
+                  <a:schemeClr val="tx1"/>
+                </a:solidFill>
+                <a:latin typeface="Calibri" panose="020F0502020204030204" pitchFamily="34" charset="0"/>
+                <a:ea typeface="+mn-ea"/>
+                <a:cs typeface="+mn-cs"/>
+              </a:rPr>
+              <a:t>Slower studying progress</a:t>
+            </a:r>
+            <a:endParaRPr lang="de-DE" sz="1000">
+              <a:solidFill>
+                <a:schemeClr val="tx1"/>
+              </a:solidFill>
+              <a:effectLst/>
+              <a:latin typeface="Calibri" panose="020F0502020204030204" pitchFamily="34" charset="0"/>
+            </a:endParaRPr>
+          </a:p>
+        </p:txBody>
+      </p:sp>
+      <p:sp>
+        <p:nvSpPr>
+          <p:cNvPr id="18" name="Rectangle: Rounded Corners 42">
+            <a:extLst>
+              <a:ext uri="{FF2B5EF4-FFF2-40B4-BE49-F238E27FC236}">
+                <a16:creationId xmlns:a16="http://schemas.microsoft.com/office/drawing/2014/main" id="{38EA9DB5-CD18-F989-B22A-30E114FFCEAB}"/>
+              </a:ext>
+            </a:extLst>
+          </p:cNvPr>
+          <p:cNvSpPr/>
+          <p:nvPr/>
+        </p:nvSpPr>
+        <p:spPr>
+          <a:xfrm>
+            <a:off x="5747287" y="795435"/>
+            <a:ext cx="959152" cy="440654"/>
+          </a:xfrm>
+          <a:prstGeom prst="roundRect">
+            <a:avLst/>
+          </a:prstGeom>
+          <a:solidFill>
+            <a:schemeClr val="accent6">
+              <a:lumMod val="20000"/>
+              <a:lumOff val="80000"/>
+            </a:schemeClr>
+          </a:solidFill>
+          <a:ln w="19050">
+            <a:solidFill>
+              <a:schemeClr val="tx1"/>
+            </a:solidFill>
+          </a:ln>
+        </p:spPr>
+        <p:style>
+          <a:lnRef idx="2">
+            <a:schemeClr val="accent1">
+              <a:shade val="50000"/>
+            </a:schemeClr>
+          </a:lnRef>
+          <a:fillRef idx="1">
+            <a:schemeClr val="accent1"/>
+          </a:fillRef>
+          <a:effectRef idx="0">
+            <a:schemeClr val="accent1"/>
+          </a:effectRef>
+          <a:fontRef idx="minor">
+            <a:schemeClr val="lt1"/>
+          </a:fontRef>
+        </p:style>
+        <p:txBody>
+          <a:bodyPr rtlCol="0" anchor="ctr"/>
+          <a:lstStyle/>
+          <a:p>
+            <a:pPr defTabSz="777240">
+              <a:spcAft>
+                <a:spcPts val="600"/>
+              </a:spcAft>
+            </a:pPr>
+            <a:r>
+              <a:rPr lang="de-DE" sz="850" kern="1200">
+                <a:solidFill>
+                  <a:schemeClr val="tx1"/>
+                </a:solidFill>
+                <a:latin typeface="Calibri" panose="020F0502020204030204" pitchFamily="34" charset="0"/>
+                <a:ea typeface="+mn-ea"/>
+                <a:cs typeface="+mn-cs"/>
+              </a:rPr>
+              <a:t>Bad </a:t>
+            </a:r>
+            <a:r>
+              <a:rPr lang="de-DE" sz="850" kern="1200" err="1">
+                <a:solidFill>
+                  <a:schemeClr val="tx1"/>
+                </a:solidFill>
+                <a:latin typeface="Calibri" panose="020F0502020204030204" pitchFamily="34" charset="0"/>
+                <a:ea typeface="+mn-ea"/>
+                <a:cs typeface="+mn-cs"/>
+              </a:rPr>
+              <a:t>student</a:t>
+            </a:r>
+            <a:r>
+              <a:rPr lang="de-DE" sz="850" kern="1200">
+                <a:solidFill>
+                  <a:schemeClr val="tx1"/>
+                </a:solidFill>
+                <a:latin typeface="Calibri" panose="020F0502020204030204" pitchFamily="34" charset="0"/>
+                <a:ea typeface="+mn-ea"/>
+                <a:cs typeface="+mn-cs"/>
+              </a:rPr>
+              <a:t> </a:t>
+            </a:r>
+            <a:r>
+              <a:rPr lang="de-DE" sz="850" kern="1200" err="1">
+                <a:solidFill>
+                  <a:schemeClr val="tx1"/>
+                </a:solidFill>
+                <a:latin typeface="Calibri" panose="020F0502020204030204" pitchFamily="34" charset="0"/>
+                <a:ea typeface="+mn-ea"/>
+                <a:cs typeface="+mn-cs"/>
+              </a:rPr>
+              <a:t>performance</a:t>
+            </a:r>
+            <a:endParaRPr lang="de-DE" sz="1000">
+              <a:solidFill>
+                <a:schemeClr val="tx1"/>
+              </a:solidFill>
+              <a:effectLst/>
+              <a:latin typeface="Calibri" panose="020F0502020204030204" pitchFamily="34" charset="0"/>
+            </a:endParaRPr>
+          </a:p>
+        </p:txBody>
+      </p:sp>
+      <p:cxnSp>
+        <p:nvCxnSpPr>
+          <p:cNvPr id="19" name="Connector: Curved 44">
+            <a:extLst>
+              <a:ext uri="{FF2B5EF4-FFF2-40B4-BE49-F238E27FC236}">
+                <a16:creationId xmlns:a16="http://schemas.microsoft.com/office/drawing/2014/main" id="{21D7B8E3-9C2C-CE3C-7881-0FD17D35D169}"/>
+              </a:ext>
+            </a:extLst>
+          </p:cNvPr>
+          <p:cNvCxnSpPr>
+            <a:stCxn id="12" idx="0"/>
+            <a:endCxn id="18" idx="2"/>
+          </p:cNvCxnSpPr>
+          <p:nvPr/>
+        </p:nvCxnSpPr>
+        <p:spPr>
+          <a:xfrm rot="5400000" flipH="1" flipV="1">
+            <a:off x="5169183" y="486069"/>
+            <a:ext cx="307659" cy="1807701"/>
+          </a:xfrm>
+          <a:prstGeom prst="curvedConnector3">
+            <a:avLst/>
+          </a:prstGeom>
+          <a:ln>
+            <a:solidFill>
+              <a:schemeClr val="tx1"/>
+            </a:solidFill>
+            <a:tailEnd type="triangle"/>
+          </a:ln>
+        </p:spPr>
+        <p:style>
+          <a:lnRef idx="1">
+            <a:schemeClr val="accent1"/>
+          </a:lnRef>
+          <a:fillRef idx="0">
+            <a:schemeClr val="accent1"/>
+          </a:fillRef>
+          <a:effectRef idx="0">
+            <a:schemeClr val="accent1"/>
+          </a:effectRef>
+          <a:fontRef idx="minor">
+            <a:schemeClr val="tx1"/>
+          </a:fontRef>
+        </p:style>
+      </p:cxnSp>
+      <p:cxnSp>
+        <p:nvCxnSpPr>
+          <p:cNvPr id="20" name="Connector: Curved 46">
+            <a:extLst>
+              <a:ext uri="{FF2B5EF4-FFF2-40B4-BE49-F238E27FC236}">
+                <a16:creationId xmlns:a16="http://schemas.microsoft.com/office/drawing/2014/main" id="{3C578135-AB2F-E3F1-84F3-AB2F426CC502}"/>
+              </a:ext>
+            </a:extLst>
+          </p:cNvPr>
+          <p:cNvCxnSpPr>
+            <a:stCxn id="15" idx="0"/>
+            <a:endCxn id="18" idx="2"/>
+          </p:cNvCxnSpPr>
+          <p:nvPr/>
+        </p:nvCxnSpPr>
+        <p:spPr>
+          <a:xfrm rot="5400000" flipH="1" flipV="1">
+            <a:off x="6028425" y="1413054"/>
+            <a:ext cx="375402" cy="21473"/>
+          </a:xfrm>
+          <a:prstGeom prst="curvedConnector3">
+            <a:avLst/>
+          </a:prstGeom>
+          <a:ln>
+            <a:solidFill>
+              <a:schemeClr val="tx1"/>
+            </a:solidFill>
+            <a:tailEnd type="triangle"/>
+          </a:ln>
+        </p:spPr>
+        <p:style>
+          <a:lnRef idx="1">
+            <a:schemeClr val="accent1"/>
+          </a:lnRef>
+          <a:fillRef idx="0">
+            <a:schemeClr val="accent1"/>
+          </a:fillRef>
+          <a:effectRef idx="0">
+            <a:schemeClr val="accent1"/>
+          </a:effectRef>
+          <a:fontRef idx="minor">
+            <a:schemeClr val="tx1"/>
+          </a:fontRef>
+        </p:style>
+      </p:cxnSp>
+      <p:cxnSp>
+        <p:nvCxnSpPr>
+          <p:cNvPr id="21" name="Connector: Curved 48">
+            <a:extLst>
+              <a:ext uri="{FF2B5EF4-FFF2-40B4-BE49-F238E27FC236}">
+                <a16:creationId xmlns:a16="http://schemas.microsoft.com/office/drawing/2014/main" id="{1EDCF25B-4FBE-51B5-F522-7E38CC6E395C}"/>
+              </a:ext>
+            </a:extLst>
+          </p:cNvPr>
+          <p:cNvCxnSpPr>
+            <a:cxnSpLocks/>
+            <a:stCxn id="13" idx="0"/>
+            <a:endCxn id="18" idx="2"/>
+          </p:cNvCxnSpPr>
+          <p:nvPr/>
+        </p:nvCxnSpPr>
+        <p:spPr>
+          <a:xfrm rot="16200000" flipV="1">
+            <a:off x="6885212" y="577740"/>
+            <a:ext cx="320966" cy="1637664"/>
+          </a:xfrm>
+          <a:prstGeom prst="curvedConnector3">
+            <a:avLst/>
+          </a:prstGeom>
+          <a:ln>
+            <a:solidFill>
+              <a:schemeClr val="tx1"/>
+            </a:solidFill>
+            <a:tailEnd type="triangle"/>
+          </a:ln>
+        </p:spPr>
+        <p:style>
+          <a:lnRef idx="1">
+            <a:schemeClr val="accent1"/>
+          </a:lnRef>
+          <a:fillRef idx="0">
+            <a:schemeClr val="accent1"/>
+          </a:fillRef>
+          <a:effectRef idx="0">
+            <a:schemeClr val="accent1"/>
+          </a:effectRef>
+          <a:fontRef idx="minor">
+            <a:schemeClr val="tx1"/>
+          </a:fontRef>
+        </p:style>
+      </p:cxnSp>
+      <p:sp>
+        <p:nvSpPr>
+          <p:cNvPr id="22" name="Rectangle: Rounded Corners 54">
+            <a:extLst>
+              <a:ext uri="{FF2B5EF4-FFF2-40B4-BE49-F238E27FC236}">
+                <a16:creationId xmlns:a16="http://schemas.microsoft.com/office/drawing/2014/main" id="{53EBD918-29A1-FECF-8E0F-44F80496462C}"/>
+              </a:ext>
+            </a:extLst>
+          </p:cNvPr>
+          <p:cNvSpPr/>
+          <p:nvPr/>
+        </p:nvSpPr>
+        <p:spPr>
+          <a:xfrm>
+            <a:off x="3886188" y="6122861"/>
+            <a:ext cx="724022" cy="520385"/>
+          </a:xfrm>
+          <a:prstGeom prst="roundRect">
+            <a:avLst/>
+          </a:prstGeom>
+          <a:solidFill>
+            <a:schemeClr val="accent2">
+              <a:lumMod val="20000"/>
+              <a:lumOff val="80000"/>
+            </a:schemeClr>
+          </a:solidFill>
+          <a:ln w="19050">
+            <a:solidFill>
+              <a:schemeClr val="tx1"/>
+            </a:solidFill>
+          </a:ln>
+        </p:spPr>
+        <p:style>
+          <a:lnRef idx="2">
+            <a:schemeClr val="accent1">
+              <a:shade val="50000"/>
+            </a:schemeClr>
+          </a:lnRef>
+          <a:fillRef idx="1">
+            <a:schemeClr val="accent1"/>
+          </a:fillRef>
+          <a:effectRef idx="0">
+            <a:schemeClr val="accent1"/>
+          </a:effectRef>
+          <a:fontRef idx="minor">
+            <a:schemeClr val="lt1"/>
+          </a:fontRef>
+        </p:style>
+        <p:txBody>
+          <a:bodyPr rtlCol="0" anchor="ctr"/>
+          <a:lstStyle/>
+          <a:p>
+            <a:pPr defTabSz="777240">
+              <a:spcAft>
+                <a:spcPts val="600"/>
+              </a:spcAft>
+            </a:pPr>
+            <a:r>
+              <a:rPr lang="de-DE" sz="850" kern="1200">
+                <a:solidFill>
+                  <a:schemeClr val="tx1"/>
+                </a:solidFill>
+                <a:latin typeface="Calibri" panose="020F0502020204030204" pitchFamily="34" charset="0"/>
+                <a:ea typeface="+mn-ea"/>
+                <a:cs typeface="+mn-cs"/>
+              </a:rPr>
+              <a:t>Not </a:t>
+            </a:r>
+            <a:r>
+              <a:rPr lang="de-DE" sz="850" kern="1200" err="1">
+                <a:solidFill>
+                  <a:schemeClr val="tx1"/>
+                </a:solidFill>
+                <a:latin typeface="Calibri" panose="020F0502020204030204" pitchFamily="34" charset="0"/>
+                <a:ea typeface="+mn-ea"/>
+                <a:cs typeface="+mn-cs"/>
+              </a:rPr>
+              <a:t>enough</a:t>
+            </a:r>
+            <a:r>
+              <a:rPr lang="de-DE" sz="850" kern="1200">
+                <a:solidFill>
+                  <a:schemeClr val="tx1"/>
+                </a:solidFill>
+                <a:latin typeface="Calibri" panose="020F0502020204030204" pitchFamily="34" charset="0"/>
+                <a:ea typeface="+mn-ea"/>
+                <a:cs typeface="+mn-cs"/>
+              </a:rPr>
+              <a:t> </a:t>
+            </a:r>
+            <a:r>
+              <a:rPr lang="de-DE" sz="850" kern="1200" err="1">
+                <a:solidFill>
+                  <a:schemeClr val="tx1"/>
+                </a:solidFill>
+                <a:latin typeface="Calibri" panose="020F0502020204030204" pitchFamily="34" charset="0"/>
+                <a:ea typeface="+mn-ea"/>
+                <a:cs typeface="+mn-cs"/>
+              </a:rPr>
+              <a:t>money</a:t>
+            </a:r>
+            <a:endParaRPr lang="de-DE" sz="1000">
+              <a:solidFill>
+                <a:schemeClr val="tx1"/>
+              </a:solidFill>
+              <a:effectLst/>
+              <a:latin typeface="Calibri" panose="020F0502020204030204" pitchFamily="34" charset="0"/>
+            </a:endParaRPr>
+          </a:p>
+        </p:txBody>
+      </p:sp>
+      <p:cxnSp>
+        <p:nvCxnSpPr>
+          <p:cNvPr id="23" name="Connector: Curved 56">
+            <a:extLst>
+              <a:ext uri="{FF2B5EF4-FFF2-40B4-BE49-F238E27FC236}">
+                <a16:creationId xmlns:a16="http://schemas.microsoft.com/office/drawing/2014/main" id="{DBE2F979-EEC2-6E55-5C0F-AE2D52BAB08A}"/>
+              </a:ext>
+            </a:extLst>
+          </p:cNvPr>
+          <p:cNvCxnSpPr>
+            <a:stCxn id="22" idx="0"/>
+            <a:endCxn id="6" idx="2"/>
+          </p:cNvCxnSpPr>
+          <p:nvPr/>
+        </p:nvCxnSpPr>
+        <p:spPr>
+          <a:xfrm rot="16200000" flipV="1">
+            <a:off x="3878455" y="5753116"/>
+            <a:ext cx="108226" cy="631263"/>
+          </a:xfrm>
+          <a:prstGeom prst="curvedConnector3">
+            <a:avLst/>
+          </a:prstGeom>
+          <a:ln>
+            <a:solidFill>
+              <a:schemeClr val="tx1"/>
+            </a:solidFill>
+            <a:tailEnd type="triangle"/>
+          </a:ln>
+        </p:spPr>
+        <p:style>
+          <a:lnRef idx="1">
+            <a:schemeClr val="accent1"/>
+          </a:lnRef>
+          <a:fillRef idx="0">
+            <a:schemeClr val="accent1"/>
+          </a:fillRef>
+          <a:effectRef idx="0">
+            <a:schemeClr val="accent1"/>
+          </a:effectRef>
+          <a:fontRef idx="minor">
+            <a:schemeClr val="tx1"/>
+          </a:fontRef>
+        </p:style>
+      </p:cxnSp>
+      <p:sp>
+        <p:nvSpPr>
+          <p:cNvPr id="24" name="Rectangle: Rounded Corners 31">
+            <a:extLst>
+              <a:ext uri="{FF2B5EF4-FFF2-40B4-BE49-F238E27FC236}">
+                <a16:creationId xmlns:a16="http://schemas.microsoft.com/office/drawing/2014/main" id="{73F90B1D-42F1-7945-FE7F-9266E654684C}"/>
+              </a:ext>
+            </a:extLst>
+          </p:cNvPr>
+          <p:cNvSpPr/>
+          <p:nvPr/>
+        </p:nvSpPr>
+        <p:spPr>
+          <a:xfrm>
+            <a:off x="5736381" y="2850096"/>
+            <a:ext cx="959152" cy="440654"/>
+          </a:xfrm>
+          <a:prstGeom prst="roundRect">
+            <a:avLst/>
+          </a:prstGeom>
+          <a:solidFill>
+            <a:srgbClr val="CA9A84"/>
+          </a:solidFill>
+          <a:ln w="19050">
+            <a:solidFill>
+              <a:schemeClr val="tx1"/>
+            </a:solidFill>
+          </a:ln>
+        </p:spPr>
+        <p:style>
+          <a:lnRef idx="2">
+            <a:schemeClr val="accent1">
+              <a:shade val="50000"/>
+            </a:schemeClr>
+          </a:lnRef>
+          <a:fillRef idx="1">
+            <a:schemeClr val="accent1"/>
+          </a:fillRef>
+          <a:effectRef idx="0">
+            <a:schemeClr val="accent1"/>
+          </a:effectRef>
+          <a:fontRef idx="minor">
+            <a:schemeClr val="lt1"/>
+          </a:fontRef>
+        </p:style>
+        <p:txBody>
+          <a:bodyPr rtlCol="0" anchor="ctr"/>
+          <a:lstStyle/>
+          <a:p>
+            <a:pPr defTabSz="777240">
+              <a:spcAft>
+                <a:spcPts val="600"/>
+              </a:spcAft>
+            </a:pPr>
+            <a:r>
+              <a:rPr lang="en-US" sz="850" kern="1200" dirty="0">
+                <a:solidFill>
+                  <a:schemeClr val="bg1"/>
+                </a:solidFill>
+                <a:latin typeface="Calibri" panose="020F0502020204030204" pitchFamily="34" charset="0"/>
+                <a:ea typeface="+mn-ea"/>
+                <a:cs typeface="+mn-cs"/>
+              </a:rPr>
+              <a:t>Unclear information</a:t>
+            </a:r>
+            <a:endParaRPr lang="de-DE" sz="1000" dirty="0">
+              <a:solidFill>
+                <a:schemeClr val="bg1"/>
+              </a:solidFill>
+              <a:effectLst/>
+              <a:latin typeface="Calibri" panose="020F0502020204030204" pitchFamily="34" charset="0"/>
+            </a:endParaRPr>
+          </a:p>
+        </p:txBody>
+      </p:sp>
+      <p:sp>
+        <p:nvSpPr>
+          <p:cNvPr id="25" name="Rectangle: Rounded Corners 31">
+            <a:extLst>
+              <a:ext uri="{FF2B5EF4-FFF2-40B4-BE49-F238E27FC236}">
+                <a16:creationId xmlns:a16="http://schemas.microsoft.com/office/drawing/2014/main" id="{9E2B4445-C036-F948-8228-F3EDBF19C09C}"/>
+              </a:ext>
+            </a:extLst>
+          </p:cNvPr>
+          <p:cNvSpPr/>
+          <p:nvPr/>
+        </p:nvSpPr>
+        <p:spPr>
+          <a:xfrm>
+            <a:off x="5747285" y="2256120"/>
+            <a:ext cx="959152" cy="440654"/>
+          </a:xfrm>
+          <a:prstGeom prst="roundRect">
+            <a:avLst/>
+          </a:prstGeom>
+          <a:solidFill>
+            <a:srgbClr val="CA9A84"/>
+          </a:solidFill>
+          <a:ln w="19050">
+            <a:solidFill>
+              <a:schemeClr val="tx1"/>
+            </a:solidFill>
+          </a:ln>
+        </p:spPr>
+        <p:style>
+          <a:lnRef idx="2">
+            <a:schemeClr val="accent1">
+              <a:shade val="50000"/>
+            </a:schemeClr>
+          </a:lnRef>
+          <a:fillRef idx="1">
+            <a:schemeClr val="accent1"/>
+          </a:fillRef>
+          <a:effectRef idx="0">
+            <a:schemeClr val="accent1"/>
+          </a:effectRef>
+          <a:fontRef idx="minor">
+            <a:schemeClr val="lt1"/>
+          </a:fontRef>
+        </p:style>
+        <p:txBody>
+          <a:bodyPr rtlCol="0" anchor="ctr"/>
+          <a:lstStyle/>
+          <a:p>
+            <a:pPr defTabSz="777240">
+              <a:spcAft>
+                <a:spcPts val="600"/>
+              </a:spcAft>
+            </a:pPr>
+            <a:r>
+              <a:rPr lang="en-US" sz="850" kern="1200" dirty="0">
+                <a:solidFill>
+                  <a:schemeClr val="bg1"/>
+                </a:solidFill>
+                <a:latin typeface="Calibri" panose="020F0502020204030204" pitchFamily="34" charset="0"/>
+                <a:ea typeface="+mn-ea"/>
+                <a:cs typeface="+mn-cs"/>
+              </a:rPr>
+              <a:t>Bad organization</a:t>
+            </a:r>
+            <a:endParaRPr lang="de-DE" sz="1000" dirty="0">
+              <a:solidFill>
+                <a:schemeClr val="bg1"/>
+              </a:solidFill>
+              <a:effectLst/>
+              <a:latin typeface="Calibri" panose="020F0502020204030204" pitchFamily="34" charset="0"/>
+            </a:endParaRPr>
+          </a:p>
+        </p:txBody>
+      </p:sp>
+      <p:sp>
+        <p:nvSpPr>
+          <p:cNvPr id="26" name="Rectangle: Rounded Corners 31">
+            <a:extLst>
+              <a:ext uri="{FF2B5EF4-FFF2-40B4-BE49-F238E27FC236}">
+                <a16:creationId xmlns:a16="http://schemas.microsoft.com/office/drawing/2014/main" id="{F53DEDCB-81B1-9859-2940-23ACDA396C63}"/>
+              </a:ext>
+            </a:extLst>
+          </p:cNvPr>
+          <p:cNvSpPr/>
+          <p:nvPr/>
+        </p:nvSpPr>
+        <p:spPr>
+          <a:xfrm>
+            <a:off x="5747285" y="3455377"/>
+            <a:ext cx="959152" cy="440654"/>
+          </a:xfrm>
+          <a:prstGeom prst="roundRect">
+            <a:avLst/>
+          </a:prstGeom>
+          <a:solidFill>
+            <a:srgbClr val="CA9A84"/>
+          </a:solidFill>
+          <a:ln w="19050">
+            <a:solidFill>
+              <a:schemeClr val="tx1"/>
+            </a:solidFill>
+          </a:ln>
+        </p:spPr>
+        <p:style>
+          <a:lnRef idx="2">
+            <a:schemeClr val="accent1">
+              <a:shade val="50000"/>
+            </a:schemeClr>
+          </a:lnRef>
+          <a:fillRef idx="1">
+            <a:schemeClr val="accent1"/>
+          </a:fillRef>
+          <a:effectRef idx="0">
+            <a:schemeClr val="accent1"/>
+          </a:effectRef>
+          <a:fontRef idx="minor">
+            <a:schemeClr val="lt1"/>
+          </a:fontRef>
+        </p:style>
+        <p:txBody>
+          <a:bodyPr rtlCol="0" anchor="ctr"/>
+          <a:lstStyle/>
+          <a:p>
+            <a:pPr defTabSz="777240">
+              <a:spcAft>
+                <a:spcPts val="600"/>
+              </a:spcAft>
+            </a:pPr>
+            <a:r>
+              <a:rPr lang="en-US" sz="850" kern="1200" dirty="0">
+                <a:solidFill>
+                  <a:schemeClr val="bg1"/>
+                </a:solidFill>
+                <a:latin typeface="Calibri" panose="020F0502020204030204" pitchFamily="34" charset="0"/>
+                <a:ea typeface="+mn-ea"/>
+                <a:cs typeface="+mn-cs"/>
+              </a:rPr>
+              <a:t>unclear communication</a:t>
+            </a:r>
+            <a:endParaRPr lang="de-DE" sz="1000" dirty="0">
+              <a:solidFill>
+                <a:schemeClr val="bg1"/>
+              </a:solidFill>
+              <a:effectLst/>
+              <a:latin typeface="Calibri" panose="020F0502020204030204" pitchFamily="34" charset="0"/>
+            </a:endParaRPr>
+          </a:p>
+        </p:txBody>
+      </p:sp>
+      <p:cxnSp>
+        <p:nvCxnSpPr>
+          <p:cNvPr id="28" name="Verbinder: gekrümmt 27">
+            <a:extLst>
+              <a:ext uri="{FF2B5EF4-FFF2-40B4-BE49-F238E27FC236}">
+                <a16:creationId xmlns:a16="http://schemas.microsoft.com/office/drawing/2014/main" id="{B2E11D88-265C-AA78-260B-7F23B9F5EEF9}"/>
+              </a:ext>
+            </a:extLst>
+          </p:cNvPr>
+          <p:cNvCxnSpPr>
+            <a:cxnSpLocks/>
+            <a:stCxn id="5" idx="0"/>
+            <a:endCxn id="3" idx="2"/>
+          </p:cNvCxnSpPr>
+          <p:nvPr/>
+        </p:nvCxnSpPr>
+        <p:spPr>
+          <a:xfrm rot="5400000" flipH="1" flipV="1">
+            <a:off x="5276375" y="4376976"/>
+            <a:ext cx="587167" cy="1327133"/>
+          </a:xfrm>
+          <a:prstGeom prst="curvedConnector3">
+            <a:avLst/>
+          </a:prstGeom>
+          <a:ln>
+            <a:solidFill>
+              <a:schemeClr val="tx1"/>
+            </a:solidFill>
+            <a:tailEnd type="triangle"/>
+          </a:ln>
+        </p:spPr>
+        <p:style>
+          <a:lnRef idx="1">
+            <a:schemeClr val="accent1"/>
+          </a:lnRef>
+          <a:fillRef idx="0">
+            <a:schemeClr val="accent1"/>
+          </a:fillRef>
+          <a:effectRef idx="0">
+            <a:schemeClr val="accent1"/>
+          </a:effectRef>
+          <a:fontRef idx="minor">
+            <a:schemeClr val="tx1"/>
+          </a:fontRef>
+        </p:style>
+      </p:cxnSp>
+      <p:sp>
+        <p:nvSpPr>
+          <p:cNvPr id="30" name="Rectangle: Rounded Corners 4">
+            <a:extLst>
+              <a:ext uri="{FF2B5EF4-FFF2-40B4-BE49-F238E27FC236}">
+                <a16:creationId xmlns:a16="http://schemas.microsoft.com/office/drawing/2014/main" id="{99008415-E2A8-609F-8E46-94CBF799A1F7}"/>
+              </a:ext>
+            </a:extLst>
+          </p:cNvPr>
+          <p:cNvSpPr/>
+          <p:nvPr/>
+        </p:nvSpPr>
+        <p:spPr>
+          <a:xfrm>
+            <a:off x="6923023" y="5301393"/>
+            <a:ext cx="1254275" cy="523242"/>
+          </a:xfrm>
+          <a:prstGeom prst="roundRect">
+            <a:avLst/>
+          </a:prstGeom>
+          <a:solidFill>
+            <a:schemeClr val="accent2">
+              <a:lumMod val="20000"/>
+              <a:lumOff val="80000"/>
+            </a:schemeClr>
+          </a:solidFill>
+          <a:ln w="19050">
+            <a:solidFill>
+              <a:schemeClr val="tx1"/>
+            </a:solidFill>
+          </a:ln>
+        </p:spPr>
+        <p:style>
+          <a:lnRef idx="2">
+            <a:schemeClr val="accent1">
+              <a:shade val="50000"/>
+            </a:schemeClr>
+          </a:lnRef>
+          <a:fillRef idx="1">
+            <a:schemeClr val="accent1"/>
+          </a:fillRef>
+          <a:effectRef idx="0">
+            <a:schemeClr val="accent1"/>
+          </a:effectRef>
+          <a:fontRef idx="minor">
+            <a:schemeClr val="lt1"/>
+          </a:fontRef>
+        </p:style>
+        <p:txBody>
+          <a:bodyPr rtlCol="0" anchor="ctr"/>
+          <a:lstStyle/>
+          <a:p>
+            <a:pPr defTabSz="777240">
+              <a:spcAft>
+                <a:spcPts val="600"/>
+              </a:spcAft>
+            </a:pPr>
+            <a:r>
+              <a:rPr lang="de-DE" sz="850" kern="1200" dirty="0" err="1">
+                <a:solidFill>
+                  <a:schemeClr val="tx1"/>
+                </a:solidFill>
+                <a:latin typeface="Calibri" panose="020F0502020204030204" pitchFamily="34" charset="0"/>
+                <a:ea typeface="+mn-ea"/>
+                <a:cs typeface="+mn-cs"/>
+              </a:rPr>
+              <a:t>No</a:t>
+            </a:r>
+            <a:r>
+              <a:rPr lang="de-DE" sz="850" kern="1200" dirty="0">
+                <a:solidFill>
+                  <a:schemeClr val="tx1"/>
+                </a:solidFill>
+                <a:latin typeface="Calibri" panose="020F0502020204030204" pitchFamily="34" charset="0"/>
+                <a:ea typeface="+mn-ea"/>
+                <a:cs typeface="+mn-cs"/>
+              </a:rPr>
+              <a:t> </a:t>
+            </a:r>
+            <a:r>
+              <a:rPr lang="de-DE" sz="850" kern="1200" dirty="0" err="1">
+                <a:solidFill>
+                  <a:schemeClr val="tx1"/>
+                </a:solidFill>
+                <a:latin typeface="Calibri" panose="020F0502020204030204" pitchFamily="34" charset="0"/>
+                <a:ea typeface="+mn-ea"/>
+                <a:cs typeface="+mn-cs"/>
+              </a:rPr>
+              <a:t>standardization</a:t>
+            </a:r>
+            <a:endParaRPr lang="de-DE" sz="1000" dirty="0">
+              <a:solidFill>
+                <a:schemeClr val="tx1"/>
+              </a:solidFill>
+              <a:effectLst/>
+              <a:latin typeface="Calibri" panose="020F0502020204030204" pitchFamily="34" charset="0"/>
+            </a:endParaRPr>
+          </a:p>
+        </p:txBody>
+      </p:sp>
+      <p:sp>
+        <p:nvSpPr>
+          <p:cNvPr id="33" name="Rectangle: Rounded Corners 4">
+            <a:extLst>
+              <a:ext uri="{FF2B5EF4-FFF2-40B4-BE49-F238E27FC236}">
+                <a16:creationId xmlns:a16="http://schemas.microsoft.com/office/drawing/2014/main" id="{D2A03AD7-9884-7775-0127-437158967133}"/>
+              </a:ext>
+            </a:extLst>
+          </p:cNvPr>
+          <p:cNvSpPr/>
+          <p:nvPr/>
+        </p:nvSpPr>
+        <p:spPr>
+          <a:xfrm>
+            <a:off x="5599724" y="5563014"/>
+            <a:ext cx="1254275" cy="523242"/>
+          </a:xfrm>
+          <a:prstGeom prst="roundRect">
+            <a:avLst/>
+          </a:prstGeom>
+          <a:solidFill>
+            <a:schemeClr val="accent2">
+              <a:lumMod val="20000"/>
+              <a:lumOff val="80000"/>
+            </a:schemeClr>
+          </a:solidFill>
+          <a:ln w="19050">
+            <a:solidFill>
+              <a:schemeClr val="tx1"/>
+            </a:solidFill>
+          </a:ln>
+        </p:spPr>
+        <p:style>
+          <a:lnRef idx="2">
+            <a:schemeClr val="accent1">
+              <a:shade val="50000"/>
+            </a:schemeClr>
+          </a:lnRef>
+          <a:fillRef idx="1">
+            <a:schemeClr val="accent1"/>
+          </a:fillRef>
+          <a:effectRef idx="0">
+            <a:schemeClr val="accent1"/>
+          </a:effectRef>
+          <a:fontRef idx="minor">
+            <a:schemeClr val="lt1"/>
+          </a:fontRef>
+        </p:style>
+        <p:txBody>
+          <a:bodyPr rtlCol="0" anchor="ctr"/>
+          <a:lstStyle/>
+          <a:p>
+            <a:pPr defTabSz="777240">
+              <a:spcAft>
+                <a:spcPts val="600"/>
+              </a:spcAft>
+            </a:pPr>
+            <a:r>
+              <a:rPr lang="de-DE" sz="850" kern="1200" dirty="0" err="1">
+                <a:solidFill>
+                  <a:schemeClr val="tx1"/>
+                </a:solidFill>
+                <a:latin typeface="Calibri" panose="020F0502020204030204" pitchFamily="34" charset="0"/>
+                <a:ea typeface="+mn-ea"/>
+                <a:cs typeface="+mn-cs"/>
+              </a:rPr>
+              <a:t>Moodle</a:t>
+            </a:r>
+            <a:r>
+              <a:rPr lang="de-DE" sz="850" kern="1200" dirty="0">
+                <a:solidFill>
+                  <a:schemeClr val="tx1"/>
+                </a:solidFill>
+                <a:latin typeface="Calibri" panose="020F0502020204030204" pitchFamily="34" charset="0"/>
+                <a:ea typeface="+mn-ea"/>
+                <a:cs typeface="+mn-cs"/>
+              </a:rPr>
+              <a:t> </a:t>
+            </a:r>
+            <a:r>
+              <a:rPr lang="de-DE" sz="850" kern="1200" dirty="0" err="1">
+                <a:solidFill>
+                  <a:schemeClr val="tx1"/>
+                </a:solidFill>
+                <a:latin typeface="Calibri" panose="020F0502020204030204" pitchFamily="34" charset="0"/>
+                <a:ea typeface="+mn-ea"/>
+                <a:cs typeface="+mn-cs"/>
+              </a:rPr>
+              <a:t>lacking</a:t>
+            </a:r>
+            <a:r>
+              <a:rPr lang="de-DE" sz="850" kern="1200" dirty="0">
+                <a:solidFill>
+                  <a:schemeClr val="tx1"/>
+                </a:solidFill>
+                <a:latin typeface="Calibri" panose="020F0502020204030204" pitchFamily="34" charset="0"/>
+                <a:ea typeface="+mn-ea"/>
+                <a:cs typeface="+mn-cs"/>
+              </a:rPr>
+              <a:t> </a:t>
+            </a:r>
+            <a:r>
+              <a:rPr lang="de-DE" sz="850" kern="1200" dirty="0" err="1">
+                <a:solidFill>
+                  <a:schemeClr val="tx1"/>
+                </a:solidFill>
+                <a:latin typeface="Calibri" panose="020F0502020204030204" pitchFamily="34" charset="0"/>
+                <a:ea typeface="+mn-ea"/>
+                <a:cs typeface="+mn-cs"/>
+              </a:rPr>
+              <a:t>features</a:t>
+            </a:r>
+            <a:endParaRPr lang="de-DE" sz="1000" dirty="0">
+              <a:solidFill>
+                <a:schemeClr val="tx1"/>
+              </a:solidFill>
+              <a:effectLst/>
+              <a:latin typeface="Calibri" panose="020F0502020204030204" pitchFamily="34" charset="0"/>
+            </a:endParaRPr>
+          </a:p>
+        </p:txBody>
+      </p:sp>
+      <p:cxnSp>
+        <p:nvCxnSpPr>
+          <p:cNvPr id="36" name="Verbinder: gekrümmt 35">
+            <a:extLst>
+              <a:ext uri="{FF2B5EF4-FFF2-40B4-BE49-F238E27FC236}">
+                <a16:creationId xmlns:a16="http://schemas.microsoft.com/office/drawing/2014/main" id="{9076E20D-7C83-164C-C4BF-BA55695F2941}"/>
+              </a:ext>
+            </a:extLst>
+          </p:cNvPr>
+          <p:cNvCxnSpPr>
+            <a:cxnSpLocks/>
+            <a:stCxn id="33" idx="0"/>
+            <a:endCxn id="3" idx="2"/>
+          </p:cNvCxnSpPr>
+          <p:nvPr/>
+        </p:nvCxnSpPr>
+        <p:spPr>
+          <a:xfrm rot="5400000" flipH="1" flipV="1">
+            <a:off x="5822165" y="5151655"/>
+            <a:ext cx="816056" cy="6663"/>
+          </a:xfrm>
+          <a:prstGeom prst="curvedConnector3">
+            <a:avLst/>
+          </a:prstGeom>
+          <a:ln>
+            <a:solidFill>
+              <a:schemeClr val="tx1"/>
+            </a:solidFill>
+            <a:tailEnd type="triangle"/>
+          </a:ln>
+        </p:spPr>
+        <p:style>
+          <a:lnRef idx="1">
+            <a:schemeClr val="accent1"/>
+          </a:lnRef>
+          <a:fillRef idx="0">
+            <a:schemeClr val="accent1"/>
+          </a:fillRef>
+          <a:effectRef idx="0">
+            <a:schemeClr val="accent1"/>
+          </a:effectRef>
+          <a:fontRef idx="minor">
+            <a:schemeClr val="tx1"/>
+          </a:fontRef>
+        </p:style>
+      </p:cxnSp>
+      <p:cxnSp>
+        <p:nvCxnSpPr>
+          <p:cNvPr id="38" name="Verbinder: gekrümmt 37">
+            <a:extLst>
+              <a:ext uri="{FF2B5EF4-FFF2-40B4-BE49-F238E27FC236}">
+                <a16:creationId xmlns:a16="http://schemas.microsoft.com/office/drawing/2014/main" id="{A44DA422-7A20-6AED-3B5D-E905FE220878}"/>
+              </a:ext>
+            </a:extLst>
+          </p:cNvPr>
+          <p:cNvCxnSpPr>
+            <a:cxnSpLocks/>
+            <a:stCxn id="30" idx="0"/>
+            <a:endCxn id="3" idx="2"/>
+          </p:cNvCxnSpPr>
+          <p:nvPr/>
+        </p:nvCxnSpPr>
+        <p:spPr>
+          <a:xfrm rot="16200000" flipV="1">
+            <a:off x="6614626" y="4365858"/>
+            <a:ext cx="554435" cy="1316636"/>
+          </a:xfrm>
+          <a:prstGeom prst="curvedConnector3">
+            <a:avLst/>
+          </a:prstGeom>
+          <a:ln>
+            <a:solidFill>
+              <a:schemeClr val="tx1"/>
+            </a:solidFill>
+            <a:tailEnd type="triangle"/>
+          </a:ln>
+        </p:spPr>
+        <p:style>
+          <a:lnRef idx="1">
+            <a:schemeClr val="accent1"/>
+          </a:lnRef>
+          <a:fillRef idx="0">
+            <a:schemeClr val="accent1"/>
+          </a:fillRef>
+          <a:effectRef idx="0">
+            <a:schemeClr val="accent1"/>
+          </a:effectRef>
+          <a:fontRef idx="minor">
+            <a:schemeClr val="tx1"/>
+          </a:fontRef>
+        </p:style>
+      </p:cxnSp>
+      <p:cxnSp>
+        <p:nvCxnSpPr>
+          <p:cNvPr id="39" name="Verbinder: gekrümmt 38">
+            <a:extLst>
+              <a:ext uri="{FF2B5EF4-FFF2-40B4-BE49-F238E27FC236}">
+                <a16:creationId xmlns:a16="http://schemas.microsoft.com/office/drawing/2014/main" id="{B650A7BC-8D0B-F1F6-7AF5-73D844A320EB}"/>
+              </a:ext>
+            </a:extLst>
+          </p:cNvPr>
+          <p:cNvCxnSpPr>
+            <a:cxnSpLocks/>
+            <a:stCxn id="9" idx="0"/>
+            <a:endCxn id="3" idx="2"/>
+          </p:cNvCxnSpPr>
+          <p:nvPr/>
+        </p:nvCxnSpPr>
+        <p:spPr>
+          <a:xfrm rot="16200000" flipV="1">
+            <a:off x="7289136" y="3691347"/>
+            <a:ext cx="632994" cy="2744215"/>
+          </a:xfrm>
+          <a:prstGeom prst="curvedConnector3">
+            <a:avLst>
+              <a:gd name="adj1" fmla="val 50000"/>
+            </a:avLst>
+          </a:prstGeom>
+          <a:ln>
+            <a:solidFill>
+              <a:schemeClr val="tx1"/>
+            </a:solidFill>
+            <a:tailEnd type="triangle"/>
+          </a:ln>
+        </p:spPr>
+        <p:style>
+          <a:lnRef idx="1">
+            <a:schemeClr val="accent1"/>
+          </a:lnRef>
+          <a:fillRef idx="0">
+            <a:schemeClr val="accent1"/>
+          </a:fillRef>
+          <a:effectRef idx="0">
+            <a:schemeClr val="accent1"/>
+          </a:effectRef>
+          <a:fontRef idx="minor">
+            <a:schemeClr val="tx1"/>
+          </a:fontRef>
+        </p:style>
+      </p:cxnSp>
+      <p:cxnSp>
+        <p:nvCxnSpPr>
+          <p:cNvPr id="42" name="Verbinder: gekrümmt 41">
+            <a:extLst>
+              <a:ext uri="{FF2B5EF4-FFF2-40B4-BE49-F238E27FC236}">
+                <a16:creationId xmlns:a16="http://schemas.microsoft.com/office/drawing/2014/main" id="{57EEBE10-DA6E-121C-A8A5-C9DFC7D7AA48}"/>
+              </a:ext>
+            </a:extLst>
+          </p:cNvPr>
+          <p:cNvCxnSpPr>
+            <a:cxnSpLocks/>
+            <a:stCxn id="6" idx="0"/>
+            <a:endCxn id="3" idx="2"/>
+          </p:cNvCxnSpPr>
+          <p:nvPr/>
+        </p:nvCxnSpPr>
+        <p:spPr>
+          <a:xfrm rot="5400000" flipH="1" flipV="1">
+            <a:off x="4551584" y="3812310"/>
+            <a:ext cx="747292" cy="2616589"/>
+          </a:xfrm>
+          <a:prstGeom prst="curvedConnector3">
+            <a:avLst>
+              <a:gd name="adj1" fmla="val 50000"/>
+            </a:avLst>
+          </a:prstGeom>
+          <a:ln>
+            <a:solidFill>
+              <a:schemeClr val="tx1"/>
+            </a:solidFill>
+            <a:tailEnd type="triangle"/>
+          </a:ln>
+        </p:spPr>
+        <p:style>
+          <a:lnRef idx="1">
+            <a:schemeClr val="accent1"/>
+          </a:lnRef>
+          <a:fillRef idx="0">
+            <a:schemeClr val="accent1"/>
+          </a:fillRef>
+          <a:effectRef idx="0">
+            <a:schemeClr val="accent1"/>
+          </a:effectRef>
+          <a:fontRef idx="minor">
+            <a:schemeClr val="tx1"/>
+          </a:fontRef>
+        </p:style>
+      </p:cxnSp>
+      <p:cxnSp>
+        <p:nvCxnSpPr>
+          <p:cNvPr id="61" name="Verbinder: gekrümmt 60">
+            <a:extLst>
+              <a:ext uri="{FF2B5EF4-FFF2-40B4-BE49-F238E27FC236}">
+                <a16:creationId xmlns:a16="http://schemas.microsoft.com/office/drawing/2014/main" id="{B27FA74D-B754-A407-8D0A-F0A1C4DAF7E6}"/>
+              </a:ext>
+            </a:extLst>
+          </p:cNvPr>
+          <p:cNvCxnSpPr>
+            <a:cxnSpLocks/>
+            <a:stCxn id="3" idx="0"/>
+            <a:endCxn id="26" idx="2"/>
+          </p:cNvCxnSpPr>
+          <p:nvPr/>
+        </p:nvCxnSpPr>
+        <p:spPr>
+          <a:xfrm rot="16200000" flipV="1">
+            <a:off x="6107371" y="4015522"/>
+            <a:ext cx="245645" cy="6664"/>
+          </a:xfrm>
+          <a:prstGeom prst="curvedConnector3">
+            <a:avLst>
+              <a:gd name="adj1" fmla="val 50000"/>
+            </a:avLst>
+          </a:prstGeom>
+          <a:ln>
+            <a:solidFill>
+              <a:schemeClr val="tx1"/>
+            </a:solidFill>
+            <a:tailEnd type="triangle"/>
+          </a:ln>
+        </p:spPr>
+        <p:style>
+          <a:lnRef idx="1">
+            <a:schemeClr val="accent1"/>
+          </a:lnRef>
+          <a:fillRef idx="0">
+            <a:schemeClr val="accent1"/>
+          </a:fillRef>
+          <a:effectRef idx="0">
+            <a:schemeClr val="accent1"/>
+          </a:effectRef>
+          <a:fontRef idx="minor">
+            <a:schemeClr val="tx1"/>
+          </a:fontRef>
+        </p:style>
+      </p:cxnSp>
+      <p:cxnSp>
+        <p:nvCxnSpPr>
+          <p:cNvPr id="64" name="Verbinder: gekrümmt 63">
+            <a:extLst>
+              <a:ext uri="{FF2B5EF4-FFF2-40B4-BE49-F238E27FC236}">
+                <a16:creationId xmlns:a16="http://schemas.microsoft.com/office/drawing/2014/main" id="{B4CAEE8D-8AFF-63AF-B689-EE2DCD0B64E5}"/>
+              </a:ext>
+            </a:extLst>
+          </p:cNvPr>
+          <p:cNvCxnSpPr>
+            <a:cxnSpLocks/>
+            <a:stCxn id="26" idx="0"/>
+            <a:endCxn id="24" idx="2"/>
+          </p:cNvCxnSpPr>
+          <p:nvPr/>
+        </p:nvCxnSpPr>
+        <p:spPr>
+          <a:xfrm rot="16200000" flipV="1">
+            <a:off x="6139096" y="3367612"/>
+            <a:ext cx="164627" cy="10904"/>
+          </a:xfrm>
+          <a:prstGeom prst="curvedConnector3">
+            <a:avLst>
+              <a:gd name="adj1" fmla="val 50000"/>
+            </a:avLst>
+          </a:prstGeom>
+          <a:ln>
+            <a:solidFill>
+              <a:schemeClr val="tx1"/>
+            </a:solidFill>
+            <a:tailEnd type="triangle"/>
+          </a:ln>
+        </p:spPr>
+        <p:style>
+          <a:lnRef idx="1">
+            <a:schemeClr val="accent1"/>
+          </a:lnRef>
+          <a:fillRef idx="0">
+            <a:schemeClr val="accent1"/>
+          </a:fillRef>
+          <a:effectRef idx="0">
+            <a:schemeClr val="accent1"/>
+          </a:effectRef>
+          <a:fontRef idx="minor">
+            <a:schemeClr val="tx1"/>
+          </a:fontRef>
+        </p:style>
+      </p:cxnSp>
+      <p:cxnSp>
+        <p:nvCxnSpPr>
+          <p:cNvPr id="67" name="Verbinder: gekrümmt 66">
+            <a:extLst>
+              <a:ext uri="{FF2B5EF4-FFF2-40B4-BE49-F238E27FC236}">
+                <a16:creationId xmlns:a16="http://schemas.microsoft.com/office/drawing/2014/main" id="{D79C9A6E-E221-04DF-F4B9-C27BC069E89D}"/>
+              </a:ext>
+            </a:extLst>
+          </p:cNvPr>
+          <p:cNvCxnSpPr>
+            <a:cxnSpLocks/>
+            <a:stCxn id="24" idx="0"/>
+            <a:endCxn id="25" idx="2"/>
+          </p:cNvCxnSpPr>
+          <p:nvPr/>
+        </p:nvCxnSpPr>
+        <p:spPr>
+          <a:xfrm rot="5400000" flipH="1" flipV="1">
+            <a:off x="6144748" y="2767983"/>
+            <a:ext cx="153322" cy="10904"/>
+          </a:xfrm>
+          <a:prstGeom prst="curvedConnector3">
+            <a:avLst>
+              <a:gd name="adj1" fmla="val 50000"/>
+            </a:avLst>
+          </a:prstGeom>
+          <a:ln>
+            <a:solidFill>
+              <a:schemeClr val="tx1"/>
+            </a:solidFill>
+            <a:tailEnd type="triangle"/>
+          </a:ln>
+        </p:spPr>
+        <p:style>
+          <a:lnRef idx="1">
+            <a:schemeClr val="accent1"/>
+          </a:lnRef>
+          <a:fillRef idx="0">
+            <a:schemeClr val="accent1"/>
+          </a:fillRef>
+          <a:effectRef idx="0">
+            <a:schemeClr val="accent1"/>
+          </a:effectRef>
+          <a:fontRef idx="minor">
+            <a:schemeClr val="tx1"/>
+          </a:fontRef>
+        </p:style>
+      </p:cxnSp>
+      <p:cxnSp>
+        <p:nvCxnSpPr>
+          <p:cNvPr id="72" name="Verbinder: gekrümmt 71">
+            <a:extLst>
+              <a:ext uri="{FF2B5EF4-FFF2-40B4-BE49-F238E27FC236}">
+                <a16:creationId xmlns:a16="http://schemas.microsoft.com/office/drawing/2014/main" id="{56ADB86E-C26F-F308-F365-547F0FAE7783}"/>
+              </a:ext>
+            </a:extLst>
+          </p:cNvPr>
+          <p:cNvCxnSpPr>
+            <a:cxnSpLocks/>
+            <a:stCxn id="25" idx="3"/>
+            <a:endCxn id="13" idx="2"/>
+          </p:cNvCxnSpPr>
+          <p:nvPr/>
+        </p:nvCxnSpPr>
+        <p:spPr>
+          <a:xfrm flipV="1">
+            <a:off x="6706437" y="2106581"/>
+            <a:ext cx="1158090" cy="369866"/>
+          </a:xfrm>
+          <a:prstGeom prst="curvedConnector2">
+            <a:avLst/>
+          </a:prstGeom>
+          <a:ln>
+            <a:solidFill>
+              <a:schemeClr val="tx1"/>
+            </a:solidFill>
+            <a:tailEnd type="triangle"/>
+          </a:ln>
+        </p:spPr>
+        <p:style>
+          <a:lnRef idx="1">
+            <a:schemeClr val="accent1"/>
+          </a:lnRef>
+          <a:fillRef idx="0">
+            <a:schemeClr val="accent1"/>
+          </a:fillRef>
+          <a:effectRef idx="0">
+            <a:schemeClr val="accent1"/>
+          </a:effectRef>
+          <a:fontRef idx="minor">
+            <a:schemeClr val="tx1"/>
+          </a:fontRef>
+        </p:style>
+      </p:cxnSp>
+      <p:cxnSp>
+        <p:nvCxnSpPr>
+          <p:cNvPr id="75" name="Verbinder: gekrümmt 74">
+            <a:extLst>
+              <a:ext uri="{FF2B5EF4-FFF2-40B4-BE49-F238E27FC236}">
+                <a16:creationId xmlns:a16="http://schemas.microsoft.com/office/drawing/2014/main" id="{7F60F168-CDE4-0EB4-3C60-6C5CF94906F4}"/>
+              </a:ext>
+            </a:extLst>
+          </p:cNvPr>
+          <p:cNvCxnSpPr>
+            <a:cxnSpLocks/>
+            <a:stCxn id="25" idx="1"/>
+            <a:endCxn id="12" idx="2"/>
+          </p:cNvCxnSpPr>
+          <p:nvPr/>
+        </p:nvCxnSpPr>
+        <p:spPr>
+          <a:xfrm rot="10800000">
+            <a:off x="4419163" y="2149031"/>
+            <a:ext cx="1328123" cy="327417"/>
+          </a:xfrm>
+          <a:prstGeom prst="curvedConnector2">
+            <a:avLst/>
+          </a:prstGeom>
+          <a:ln>
+            <a:solidFill>
+              <a:schemeClr val="tx1"/>
+            </a:solidFill>
+            <a:tailEnd type="triangle"/>
+          </a:ln>
+        </p:spPr>
+        <p:style>
+          <a:lnRef idx="1">
+            <a:schemeClr val="accent1"/>
+          </a:lnRef>
+          <a:fillRef idx="0">
+            <a:schemeClr val="accent1"/>
+          </a:fillRef>
+          <a:effectRef idx="0">
+            <a:schemeClr val="accent1"/>
+          </a:effectRef>
+          <a:fontRef idx="minor">
+            <a:schemeClr val="tx1"/>
+          </a:fontRef>
+        </p:style>
+      </p:cxnSp>
+      <p:cxnSp>
+        <p:nvCxnSpPr>
+          <p:cNvPr id="78" name="Verbinder: gekrümmt 77">
+            <a:extLst>
+              <a:ext uri="{FF2B5EF4-FFF2-40B4-BE49-F238E27FC236}">
+                <a16:creationId xmlns:a16="http://schemas.microsoft.com/office/drawing/2014/main" id="{FCDB6813-CAD4-AD3D-0595-DBE83035EE0D}"/>
+              </a:ext>
+            </a:extLst>
+          </p:cNvPr>
+          <p:cNvCxnSpPr>
+            <a:cxnSpLocks/>
+            <a:stCxn id="25" idx="0"/>
+            <a:endCxn id="15" idx="2"/>
+          </p:cNvCxnSpPr>
+          <p:nvPr/>
+        </p:nvCxnSpPr>
+        <p:spPr>
+          <a:xfrm rot="16200000" flipV="1">
+            <a:off x="6114139" y="2143397"/>
+            <a:ext cx="203975" cy="21471"/>
+          </a:xfrm>
+          <a:prstGeom prst="curvedConnector3">
+            <a:avLst>
+              <a:gd name="adj1" fmla="val 50000"/>
+            </a:avLst>
+          </a:prstGeom>
+          <a:ln>
+            <a:solidFill>
+              <a:schemeClr val="tx1"/>
+            </a:solidFill>
+            <a:tailEnd type="triangle"/>
+          </a:ln>
+        </p:spPr>
+        <p:style>
+          <a:lnRef idx="1">
+            <a:schemeClr val="accent1"/>
+          </a:lnRef>
+          <a:fillRef idx="0">
+            <a:schemeClr val="accent1"/>
+          </a:fillRef>
+          <a:effectRef idx="0">
+            <a:schemeClr val="accent1"/>
+          </a:effectRef>
+          <a:fontRef idx="minor">
+            <a:schemeClr val="tx1"/>
+          </a:fontRef>
+        </p:style>
+      </p:cxnSp>
+    </p:spTree>
+    <p:extLst>
+      <p:ext uri="{BB962C8B-B14F-4D97-AF65-F5344CB8AC3E}">
+        <p14:creationId xmlns:p14="http://schemas.microsoft.com/office/powerpoint/2010/main" val="3384507258"/>
+      </p:ext>
+    </p:extLst>
+  </p:cSld>
+  <p:clrMapOvr>
+    <a:masterClrMapping/>
+  </p:clrMapOvr>
+</p:sld>
+</file>
+
+<file path=ppt/slides/slide5.xml><?xml version="1.0" encoding="utf-8"?>
+<p:sld xmlns:a="http://schemas.openxmlformats.org/drawingml/2006/main" xmlns:r="http://schemas.openxmlformats.org/officeDocument/2006/relationships" xmlns:p="http://schemas.openxmlformats.org/presentationml/2006/main">
+  <p:cSld>
+    <p:spTree>
+      <p:nvGrpSpPr>
+        <p:cNvPr id="1" name=""/>
+        <p:cNvGrpSpPr/>
+        <p:nvPr/>
+      </p:nvGrpSpPr>
+      <p:grpSpPr>
+        <a:xfrm>
+          <a:off x="0" y="0"/>
+          <a:ext cx="0" cy="0"/>
+          <a:chOff x="0" y="0"/>
+          <a:chExt cx="0" cy="0"/>
+        </a:xfrm>
+      </p:grpSpPr>
       <p:sp>
         <p:nvSpPr>
           <p:cNvPr id="2" name="TextBox 1">
@@ -12377,7 +14710,7 @@
 </p:sld>
 </file>
 
-<file path=ppt/slides/slide5.xml><?xml version="1.0" encoding="utf-8"?>
+<file path=ppt/slides/slide6.xml><?xml version="1.0" encoding="utf-8"?>
 <p:sld xmlns:a="http://schemas.openxmlformats.org/drawingml/2006/main" xmlns:r="http://schemas.openxmlformats.org/officeDocument/2006/relationships" xmlns:p="http://schemas.openxmlformats.org/presentationml/2006/main">
   <p:cSld>
     <p:spTree>
@@ -13983,7 +16316,7 @@
 </p:sld>
 </file>
 
-<file path=ppt/slides/slide6.xml><?xml version="1.0" encoding="utf-8"?>
+<file path=ppt/slides/slide7.xml><?xml version="1.0" encoding="utf-8"?>
 <p:sld xmlns:a="http://schemas.openxmlformats.org/drawingml/2006/main" xmlns:r="http://schemas.openxmlformats.org/officeDocument/2006/relationships" xmlns:p="http://schemas.openxmlformats.org/presentationml/2006/main">
   <p:cSld>
     <p:bg>
@@ -15958,7 +18291,7 @@
 </p:sld>
 </file>
 
-<file path=ppt/slides/slide7.xml><?xml version="1.0" encoding="utf-8"?>
+<file path=ppt/slides/slide8.xml><?xml version="1.0" encoding="utf-8"?>
 <p:sld xmlns:a="http://schemas.openxmlformats.org/drawingml/2006/main" xmlns:r="http://schemas.openxmlformats.org/officeDocument/2006/relationships" xmlns:p="http://schemas.openxmlformats.org/presentationml/2006/main">
   <p:cSld>
     <p:spTree>
@@ -17089,7 +19422,7 @@
 </p:sld>
 </file>
 
-<file path=ppt/slides/slide8.xml><?xml version="1.0" encoding="utf-8"?>
+<file path=ppt/slides/slide9.xml><?xml version="1.0" encoding="utf-8"?>
 <p:sld xmlns:a="http://schemas.openxmlformats.org/drawingml/2006/main" xmlns:r="http://schemas.openxmlformats.org/officeDocument/2006/relationships" xmlns:p="http://schemas.openxmlformats.org/presentationml/2006/main">
   <p:cSld>
     <p:spTree>
@@ -18914,993 +21247,6 @@
     <p:extLst>
       <p:ext uri="{BB962C8B-B14F-4D97-AF65-F5344CB8AC3E}">
         <p14:creationId xmlns:p14="http://schemas.microsoft.com/office/powerpoint/2010/main" val="4193616808"/>
-      </p:ext>
-    </p:extLst>
-  </p:cSld>
-  <p:clrMapOvr>
-    <a:masterClrMapping/>
-  </p:clrMapOvr>
-</p:sld>
-</file>
-
-<file path=ppt/slides/slide9.xml><?xml version="1.0" encoding="utf-8"?>
-<p:sld xmlns:a="http://schemas.openxmlformats.org/drawingml/2006/main" xmlns:r="http://schemas.openxmlformats.org/officeDocument/2006/relationships" xmlns:p="http://schemas.openxmlformats.org/presentationml/2006/main">
-  <p:cSld>
-    <p:spTree>
-      <p:nvGrpSpPr>
-        <p:cNvPr id="1" name=""/>
-        <p:cNvGrpSpPr/>
-        <p:nvPr/>
-      </p:nvGrpSpPr>
-      <p:grpSpPr>
-        <a:xfrm>
-          <a:off x="0" y="0"/>
-          <a:ext cx="0" cy="0"/>
-          <a:chOff x="0" y="0"/>
-          <a:chExt cx="0" cy="0"/>
-        </a:xfrm>
-      </p:grpSpPr>
-      <p:sp>
-        <p:nvSpPr>
-          <p:cNvPr id="2" name="TextBox 1">
-            <a:extLst>
-              <a:ext uri="{FF2B5EF4-FFF2-40B4-BE49-F238E27FC236}">
-                <a16:creationId xmlns:a16="http://schemas.microsoft.com/office/drawing/2014/main" id="{D22FC611-9826-F9DE-8874-4875BD9C9BA7}"/>
-              </a:ext>
-            </a:extLst>
-          </p:cNvPr>
-          <p:cNvSpPr txBox="1"/>
-          <p:nvPr/>
-        </p:nvSpPr>
-        <p:spPr>
-          <a:xfrm>
-            <a:off x="234593" y="694076"/>
-            <a:ext cx="11722814" cy="6524863"/>
-          </a:xfrm>
-          <a:prstGeom prst="rect">
-            <a:avLst/>
-          </a:prstGeom>
-          <a:noFill/>
-        </p:spPr>
-        <p:txBody>
-          <a:bodyPr wrap="square" rtlCol="0">
-            <a:spAutoFit/>
-          </a:bodyPr>
-          <a:lstStyle/>
-          <a:p>
-            <a:r>
-              <a:rPr lang="de-DE" sz="1600" dirty="0"/>
-              <a:t>The Dreamer:</a:t>
-            </a:r>
-          </a:p>
-          <a:p>
-            <a:pPr lvl="1"/>
-            <a:r>
-              <a:rPr lang="de-DE" sz="1600" dirty="0"/>
-              <a:t>-     </a:t>
-            </a:r>
-            <a:r>
-              <a:rPr lang="de-DE" sz="1600" dirty="0" err="1"/>
-              <a:t>Moodle</a:t>
-            </a:r>
-            <a:r>
-              <a:rPr lang="de-DE" sz="1600" dirty="0"/>
-              <a:t> </a:t>
-            </a:r>
-            <a:r>
-              <a:rPr lang="de-DE" sz="1600" dirty="0" err="1"/>
-              <a:t>with</a:t>
-            </a:r>
-            <a:r>
-              <a:rPr lang="de-DE" sz="1600" dirty="0"/>
-              <a:t> </a:t>
-            </a:r>
-            <a:r>
-              <a:rPr lang="de-DE" sz="1600" dirty="0" err="1"/>
-              <a:t>included</a:t>
-            </a:r>
-            <a:r>
-              <a:rPr lang="de-DE" sz="1600" dirty="0"/>
-              <a:t> "</a:t>
-            </a:r>
-            <a:r>
-              <a:rPr lang="de-DE" sz="1600" dirty="0" err="1"/>
-              <a:t>ChatGPT</a:t>
-            </a:r>
-            <a:r>
-              <a:rPr lang="de-DE" sz="1600" dirty="0"/>
-              <a:t>" </a:t>
-            </a:r>
-          </a:p>
-          <a:p>
-            <a:pPr lvl="1"/>
-            <a:r>
-              <a:rPr lang="de-DE" sz="1600" dirty="0"/>
-              <a:t>-     </a:t>
-            </a:r>
-            <a:r>
-              <a:rPr lang="de-DE" sz="1600" dirty="0" err="1"/>
-              <a:t>Stuctured</a:t>
-            </a:r>
-            <a:r>
-              <a:rPr lang="de-DE" sz="1600" dirty="0"/>
-              <a:t> and </a:t>
-            </a:r>
-            <a:r>
-              <a:rPr lang="de-DE" sz="1600" dirty="0" err="1"/>
-              <a:t>easier</a:t>
-            </a:r>
-            <a:r>
-              <a:rPr lang="de-DE" sz="1600" dirty="0"/>
-              <a:t> to </a:t>
-            </a:r>
-            <a:r>
-              <a:rPr lang="de-DE" sz="1600" dirty="0" err="1"/>
-              <a:t>use</a:t>
-            </a:r>
-            <a:r>
-              <a:rPr lang="de-DE" sz="1600" dirty="0"/>
-              <a:t> Website (</a:t>
-            </a:r>
-            <a:r>
-              <a:rPr lang="de-DE" sz="1600" dirty="0" err="1"/>
-              <a:t>akin</a:t>
-            </a:r>
-            <a:r>
-              <a:rPr lang="de-DE" sz="1600" dirty="0"/>
-              <a:t> to </a:t>
-            </a:r>
-            <a:r>
-              <a:rPr lang="de-DE" sz="1600" dirty="0" err="1"/>
-              <a:t>Moodle</a:t>
-            </a:r>
-            <a:r>
-              <a:rPr lang="de-DE" sz="1600" dirty="0"/>
-              <a:t>)</a:t>
-            </a:r>
-          </a:p>
-          <a:p>
-            <a:pPr marL="742950" lvl="1" indent="-285750">
-              <a:buFontTx/>
-              <a:buChar char="-"/>
-            </a:pPr>
-            <a:r>
-              <a:rPr lang="de-DE" sz="1600" dirty="0"/>
-              <a:t>All Infos and </a:t>
-            </a:r>
-            <a:r>
-              <a:rPr lang="de-DE" sz="1600" dirty="0" err="1"/>
-              <a:t>Documents</a:t>
-            </a:r>
-            <a:r>
-              <a:rPr lang="de-DE" sz="1600" dirty="0"/>
-              <a:t> in </a:t>
-            </a:r>
-            <a:r>
-              <a:rPr lang="de-DE" sz="1600" dirty="0" err="1"/>
-              <a:t>one</a:t>
-            </a:r>
-            <a:r>
-              <a:rPr lang="de-DE" sz="1600" dirty="0"/>
-              <a:t> </a:t>
-            </a:r>
-            <a:r>
-              <a:rPr lang="de-DE" sz="1600" dirty="0" err="1"/>
-              <a:t>place</a:t>
-            </a:r>
-            <a:r>
-              <a:rPr lang="de-DE" sz="1600" dirty="0"/>
-              <a:t> (</a:t>
-            </a:r>
-            <a:r>
-              <a:rPr lang="de-DE" sz="1600" dirty="0" err="1"/>
-              <a:t>standardised</a:t>
-            </a:r>
-            <a:r>
-              <a:rPr lang="de-DE" sz="1600" dirty="0"/>
-              <a:t> Methods)</a:t>
-            </a:r>
-          </a:p>
-          <a:p>
-            <a:pPr marL="742950" lvl="1" indent="-285750">
-              <a:buFontTx/>
-              <a:buChar char="-"/>
-            </a:pPr>
-            <a:r>
-              <a:rPr lang="de-DE" sz="1600" dirty="0"/>
-              <a:t>General, </a:t>
-            </a:r>
-            <a:r>
-              <a:rPr lang="de-DE" sz="1600" dirty="0" err="1"/>
-              <a:t>from</a:t>
-            </a:r>
-            <a:r>
-              <a:rPr lang="de-DE" sz="1600" dirty="0"/>
-              <a:t> </a:t>
-            </a:r>
-            <a:r>
-              <a:rPr lang="de-DE" sz="1600" dirty="0" err="1"/>
-              <a:t>the</a:t>
-            </a:r>
-            <a:r>
-              <a:rPr lang="de-DE" sz="1600" dirty="0"/>
-              <a:t> Class Course </a:t>
-            </a:r>
-            <a:r>
-              <a:rPr lang="de-DE" sz="1600" dirty="0" err="1"/>
-              <a:t>seperate</a:t>
-            </a:r>
-            <a:r>
-              <a:rPr lang="de-DE" sz="1600" dirty="0"/>
-              <a:t>, Wiki in </a:t>
-            </a:r>
-            <a:r>
-              <a:rPr lang="de-DE" sz="1600" dirty="0" err="1"/>
-              <a:t>which</a:t>
-            </a:r>
-            <a:r>
-              <a:rPr lang="de-DE" sz="1600" dirty="0"/>
-              <a:t> Teachers and </a:t>
-            </a:r>
-            <a:r>
-              <a:rPr lang="de-DE" sz="1600" dirty="0" err="1"/>
-              <a:t>Students</a:t>
-            </a:r>
-            <a:r>
-              <a:rPr lang="de-DE" sz="1600" dirty="0"/>
-              <a:t> </a:t>
-            </a:r>
-            <a:r>
-              <a:rPr lang="de-DE" sz="1600" dirty="0" err="1"/>
-              <a:t>can</a:t>
-            </a:r>
-            <a:r>
-              <a:rPr lang="de-DE" sz="1600" dirty="0"/>
-              <a:t> </a:t>
-            </a:r>
-            <a:r>
-              <a:rPr lang="de-DE" sz="1600" dirty="0" err="1"/>
-              <a:t>add</a:t>
-            </a:r>
-            <a:r>
-              <a:rPr lang="de-DE" sz="1600" dirty="0"/>
-              <a:t> </a:t>
-            </a:r>
-            <a:r>
-              <a:rPr lang="de-DE" sz="1600" dirty="0" err="1"/>
-              <a:t>new</a:t>
-            </a:r>
-            <a:r>
-              <a:rPr lang="de-DE" sz="1600" dirty="0"/>
-              <a:t> </a:t>
-            </a:r>
-            <a:r>
-              <a:rPr lang="de-DE" sz="1600" dirty="0" err="1"/>
-              <a:t>information</a:t>
-            </a:r>
-            <a:endParaRPr lang="de-DE" sz="1600" dirty="0"/>
-          </a:p>
-          <a:p>
-            <a:pPr marL="742950" lvl="1" indent="-285750">
-              <a:buFontTx/>
-              <a:buChar char="-"/>
-            </a:pPr>
-            <a:r>
-              <a:rPr lang="de-DE" sz="1600" dirty="0"/>
-              <a:t>In </a:t>
-            </a:r>
-            <a:r>
-              <a:rPr lang="de-DE" sz="1600" dirty="0" err="1"/>
-              <a:t>Moodle</a:t>
-            </a:r>
-            <a:r>
-              <a:rPr lang="de-DE" sz="1600" dirty="0"/>
-              <a:t> </a:t>
-            </a:r>
-            <a:r>
-              <a:rPr lang="de-DE" sz="1600" dirty="0" err="1"/>
-              <a:t>included</a:t>
-            </a:r>
-            <a:r>
-              <a:rPr lang="de-DE" sz="1600" dirty="0"/>
-              <a:t> Chat/Meeting </a:t>
-            </a:r>
-            <a:r>
-              <a:rPr lang="de-DE" sz="1600" dirty="0" err="1"/>
-              <a:t>app</a:t>
-            </a:r>
-            <a:r>
-              <a:rPr lang="de-DE" sz="1600" dirty="0"/>
-              <a:t> (</a:t>
-            </a:r>
-            <a:r>
-              <a:rPr lang="de-DE" sz="1600" dirty="0" err="1"/>
-              <a:t>instead</a:t>
-            </a:r>
-            <a:r>
-              <a:rPr lang="de-DE" sz="1600" dirty="0"/>
-              <a:t> </a:t>
-            </a:r>
-            <a:r>
-              <a:rPr lang="de-DE" sz="1600" dirty="0" err="1"/>
-              <a:t>of</a:t>
-            </a:r>
-            <a:r>
-              <a:rPr lang="de-DE" sz="1600" dirty="0"/>
-              <a:t> </a:t>
-            </a:r>
-            <a:r>
-              <a:rPr lang="de-DE" sz="1600" dirty="0" err="1"/>
-              <a:t>Webex</a:t>
-            </a:r>
-            <a:r>
-              <a:rPr lang="de-DE" sz="1600" dirty="0"/>
-              <a:t>)</a:t>
-            </a:r>
-          </a:p>
-          <a:p>
-            <a:pPr marL="742950" lvl="1" indent="-285750">
-              <a:buFontTx/>
-              <a:buChar char="-"/>
-            </a:pPr>
-            <a:r>
-              <a:rPr lang="de-DE" sz="1600" dirty="0"/>
-              <a:t>In </a:t>
-            </a:r>
-            <a:r>
-              <a:rPr lang="de-DE" sz="1600" dirty="0" err="1"/>
-              <a:t>Moodle</a:t>
-            </a:r>
-            <a:r>
-              <a:rPr lang="de-DE" sz="1600" dirty="0"/>
-              <a:t> </a:t>
-            </a:r>
-            <a:r>
-              <a:rPr lang="de-DE" sz="1600" dirty="0" err="1"/>
-              <a:t>included</a:t>
-            </a:r>
-            <a:r>
-              <a:rPr lang="de-DE" sz="1600" dirty="0"/>
-              <a:t> Planner/</a:t>
-            </a:r>
-            <a:r>
-              <a:rPr lang="de-DE" sz="1600" dirty="0" err="1"/>
-              <a:t>Kanboard</a:t>
-            </a:r>
-            <a:r>
-              <a:rPr lang="de-DE" sz="1600" dirty="0"/>
-              <a:t> </a:t>
-            </a:r>
-            <a:r>
-              <a:rPr lang="de-DE" sz="1600" dirty="0" err="1"/>
-              <a:t>app</a:t>
-            </a:r>
-            <a:r>
-              <a:rPr lang="de-DE" sz="1600" dirty="0"/>
-              <a:t> </a:t>
-            </a:r>
-          </a:p>
-          <a:p>
-            <a:pPr marL="742950" lvl="1" indent="-285750">
-              <a:buFontTx/>
-              <a:buChar char="-"/>
-            </a:pPr>
-            <a:r>
-              <a:rPr lang="de-DE" sz="1600" dirty="0"/>
-              <a:t>In </a:t>
-            </a:r>
-            <a:r>
-              <a:rPr lang="de-DE" sz="1600" dirty="0" err="1"/>
-              <a:t>Moodle</a:t>
-            </a:r>
-            <a:r>
-              <a:rPr lang="de-DE" sz="1600" dirty="0"/>
-              <a:t> </a:t>
-            </a:r>
-            <a:r>
-              <a:rPr lang="de-DE" sz="1600" dirty="0" err="1"/>
-              <a:t>included</a:t>
-            </a:r>
-            <a:r>
-              <a:rPr lang="de-DE" sz="1600" dirty="0"/>
-              <a:t> </a:t>
-            </a:r>
-            <a:r>
-              <a:rPr lang="de-DE" sz="1600" dirty="0" err="1"/>
-              <a:t>Timetable</a:t>
-            </a:r>
-            <a:r>
-              <a:rPr lang="de-DE" sz="1600" dirty="0"/>
-              <a:t> (</a:t>
-            </a:r>
-            <a:r>
-              <a:rPr lang="de-DE" sz="1600" dirty="0" err="1"/>
-              <a:t>instead</a:t>
-            </a:r>
-            <a:r>
-              <a:rPr lang="de-DE" sz="1600" dirty="0"/>
-              <a:t> </a:t>
-            </a:r>
-            <a:r>
-              <a:rPr lang="de-DE" sz="1600" dirty="0" err="1"/>
-              <a:t>of</a:t>
-            </a:r>
-            <a:r>
-              <a:rPr lang="de-DE" sz="1600" dirty="0"/>
-              <a:t> external Google Doc)</a:t>
-            </a:r>
-          </a:p>
-          <a:p>
-            <a:pPr marL="742950" lvl="1" indent="-285750">
-              <a:buFontTx/>
-              <a:buChar char="-"/>
-            </a:pPr>
-            <a:r>
-              <a:rPr lang="de-DE" sz="1600" dirty="0" err="1"/>
-              <a:t>Only</a:t>
-            </a:r>
-            <a:r>
-              <a:rPr lang="de-DE" sz="1600" dirty="0"/>
-              <a:t> </a:t>
-            </a:r>
-            <a:r>
-              <a:rPr lang="de-DE" sz="1600" dirty="0" err="1"/>
-              <a:t>include</a:t>
-            </a:r>
-            <a:r>
-              <a:rPr lang="de-DE" sz="1600" dirty="0"/>
-              <a:t> Infos in </a:t>
-            </a:r>
-            <a:r>
-              <a:rPr lang="de-DE" sz="1600" dirty="0" err="1"/>
-              <a:t>Moodle</a:t>
-            </a:r>
-            <a:r>
-              <a:rPr lang="de-DE" sz="1600" dirty="0"/>
-              <a:t> </a:t>
-            </a:r>
-            <a:r>
-              <a:rPr lang="de-DE" sz="1600" dirty="0" err="1"/>
-              <a:t>which</a:t>
-            </a:r>
-            <a:r>
-              <a:rPr lang="de-DE" sz="1600" dirty="0"/>
-              <a:t> </a:t>
-            </a:r>
-            <a:r>
-              <a:rPr lang="de-DE" sz="1600" dirty="0" err="1"/>
-              <a:t>are</a:t>
-            </a:r>
-            <a:r>
-              <a:rPr lang="de-DE" sz="1600" dirty="0"/>
-              <a:t> relevant </a:t>
-            </a:r>
-            <a:r>
-              <a:rPr lang="de-DE" sz="1600" dirty="0" err="1"/>
-              <a:t>for</a:t>
-            </a:r>
-            <a:r>
-              <a:rPr lang="de-DE" sz="1600" dirty="0"/>
-              <a:t> </a:t>
-            </a:r>
-            <a:r>
-              <a:rPr lang="de-DE" sz="1600" dirty="0" err="1"/>
-              <a:t>the</a:t>
-            </a:r>
-            <a:r>
-              <a:rPr lang="de-DE" sz="1600" dirty="0"/>
-              <a:t>  </a:t>
-            </a:r>
-            <a:r>
-              <a:rPr lang="de-DE" sz="1600" dirty="0" err="1"/>
-              <a:t>respective</a:t>
-            </a:r>
-            <a:r>
-              <a:rPr lang="de-DE" sz="1600" dirty="0"/>
-              <a:t> Student (</a:t>
-            </a:r>
-            <a:r>
-              <a:rPr lang="de-DE" sz="1600" dirty="0" err="1"/>
-              <a:t>no</a:t>
-            </a:r>
-            <a:r>
-              <a:rPr lang="de-DE" sz="1600" dirty="0"/>
-              <a:t> </a:t>
-            </a:r>
-            <a:r>
-              <a:rPr lang="de-DE" sz="1600" dirty="0" err="1"/>
-              <a:t>courses</a:t>
-            </a:r>
-            <a:r>
-              <a:rPr lang="de-DE" sz="1600" dirty="0"/>
-              <a:t> </a:t>
-            </a:r>
-            <a:r>
-              <a:rPr lang="de-DE" sz="1600" dirty="0" err="1"/>
-              <a:t>from</a:t>
-            </a:r>
-            <a:r>
-              <a:rPr lang="de-DE" sz="1600" dirty="0"/>
-              <a:t> </a:t>
-            </a:r>
-            <a:r>
-              <a:rPr lang="de-DE" sz="1600" dirty="0" err="1"/>
-              <a:t>chemistry</a:t>
-            </a:r>
-            <a:r>
-              <a:rPr lang="de-DE" sz="1600" dirty="0"/>
-              <a:t> </a:t>
-            </a:r>
-            <a:r>
-              <a:rPr lang="de-DE" sz="1600" dirty="0" err="1"/>
-              <a:t>for</a:t>
-            </a:r>
-            <a:r>
-              <a:rPr lang="de-DE" sz="1600" dirty="0"/>
-              <a:t> </a:t>
-            </a:r>
-            <a:r>
-              <a:rPr lang="de-DE" sz="1600" dirty="0" err="1"/>
-              <a:t>example</a:t>
-            </a:r>
-            <a:r>
-              <a:rPr lang="de-DE" sz="1600" dirty="0"/>
-              <a:t>)</a:t>
-            </a:r>
-          </a:p>
-          <a:p>
-            <a:pPr marL="742950" lvl="1" indent="-285750">
-              <a:buFontTx/>
-              <a:buChar char="-"/>
-            </a:pPr>
-            <a:r>
-              <a:rPr lang="de-DE" sz="1600" dirty="0"/>
-              <a:t>In </a:t>
-            </a:r>
-            <a:r>
-              <a:rPr lang="de-DE" sz="1600" dirty="0" err="1"/>
-              <a:t>Moodle</a:t>
-            </a:r>
-            <a:r>
-              <a:rPr lang="de-DE" sz="1600" dirty="0"/>
-              <a:t> Integrated </a:t>
-            </a:r>
-            <a:r>
-              <a:rPr lang="de-DE" sz="1600" dirty="0" err="1"/>
-              <a:t>GitLab</a:t>
-            </a:r>
-            <a:r>
-              <a:rPr lang="de-DE" sz="1600" dirty="0"/>
-              <a:t> </a:t>
-            </a:r>
-            <a:r>
-              <a:rPr lang="de-DE" sz="1600" dirty="0" err="1"/>
-              <a:t>for</a:t>
-            </a:r>
-            <a:r>
-              <a:rPr lang="de-DE" sz="1600" dirty="0"/>
-              <a:t> </a:t>
-            </a:r>
-            <a:r>
-              <a:rPr lang="de-DE" sz="1600" dirty="0" err="1"/>
-              <a:t>every</a:t>
-            </a:r>
-            <a:r>
-              <a:rPr lang="de-DE" sz="1600" dirty="0"/>
-              <a:t> Student </a:t>
-            </a:r>
-          </a:p>
-          <a:p>
-            <a:pPr marL="742950" lvl="1" indent="-285750">
-              <a:buFontTx/>
-              <a:buChar char="-"/>
-            </a:pPr>
-            <a:r>
-              <a:rPr lang="de-DE" sz="1600" dirty="0"/>
-              <a:t>Own </a:t>
-            </a:r>
-            <a:r>
-              <a:rPr lang="de-DE" sz="1600" dirty="0" err="1"/>
-              <a:t>Virtualization</a:t>
-            </a:r>
-            <a:r>
-              <a:rPr lang="de-DE" sz="1600" dirty="0"/>
-              <a:t> </a:t>
-            </a:r>
-            <a:r>
-              <a:rPr lang="de-DE" sz="1600" dirty="0" err="1"/>
-              <a:t>Platform</a:t>
-            </a:r>
-            <a:r>
-              <a:rPr lang="de-DE" sz="1600" dirty="0"/>
-              <a:t> </a:t>
-            </a:r>
-            <a:r>
-              <a:rPr lang="de-DE" sz="1600" dirty="0" err="1"/>
-              <a:t>for</a:t>
-            </a:r>
-            <a:r>
-              <a:rPr lang="de-DE" sz="1600" dirty="0"/>
-              <a:t> </a:t>
-            </a:r>
-            <a:r>
-              <a:rPr lang="de-DE" sz="1600" dirty="0" err="1"/>
-              <a:t>Students</a:t>
-            </a:r>
-            <a:r>
-              <a:rPr lang="de-DE" sz="1600" dirty="0"/>
-              <a:t> to deploy </a:t>
-            </a:r>
-            <a:r>
-              <a:rPr lang="de-DE" sz="1600" dirty="0" err="1"/>
-              <a:t>their</a:t>
-            </a:r>
-            <a:r>
-              <a:rPr lang="de-DE" sz="1600" dirty="0"/>
-              <a:t> VMs (like VCenter</a:t>
-            </a:r>
-          </a:p>
-          <a:p>
-            <a:endParaRPr lang="de-DE" sz="1600" dirty="0"/>
-          </a:p>
-          <a:p>
-            <a:r>
-              <a:rPr lang="de-DE" sz="1600" dirty="0"/>
-              <a:t>The Realist:</a:t>
-            </a:r>
-          </a:p>
-          <a:p>
-            <a:r>
-              <a:rPr lang="de-DE" sz="1600" dirty="0"/>
-              <a:t>	</a:t>
-            </a:r>
-            <a:r>
-              <a:rPr lang="de-DE" sz="1600" dirty="0" err="1"/>
-              <a:t>ChatGPT</a:t>
-            </a:r>
-            <a:r>
-              <a:rPr lang="de-DE" sz="1600" dirty="0"/>
-              <a:t>:</a:t>
-            </a:r>
-          </a:p>
-          <a:p>
-            <a:pPr lvl="1"/>
-            <a:r>
-              <a:rPr lang="de-DE" sz="1600" dirty="0"/>
-              <a:t>	- </a:t>
-            </a:r>
-            <a:r>
-              <a:rPr lang="de-DE" sz="1600" dirty="0" err="1"/>
-              <a:t>OpenAI</a:t>
-            </a:r>
-            <a:r>
-              <a:rPr lang="de-DE" sz="1600" dirty="0"/>
-              <a:t> </a:t>
-            </a:r>
-            <a:r>
-              <a:rPr lang="de-DE" sz="1600" dirty="0" err="1"/>
-              <a:t>ChatGPT</a:t>
-            </a:r>
-            <a:r>
-              <a:rPr lang="de-DE" sz="1600" dirty="0"/>
-              <a:t> </a:t>
-            </a:r>
-            <a:r>
-              <a:rPr lang="de-DE" sz="1600" dirty="0" err="1"/>
-              <a:t>subscription</a:t>
-            </a:r>
-            <a:r>
-              <a:rPr lang="de-DE" sz="1600" dirty="0"/>
-              <a:t> </a:t>
-            </a:r>
-            <a:r>
-              <a:rPr lang="de-DE" sz="1600" dirty="0" err="1"/>
-              <a:t>too</a:t>
-            </a:r>
-            <a:r>
-              <a:rPr lang="de-DE" sz="1600" dirty="0"/>
-              <a:t> expensive</a:t>
-            </a:r>
-          </a:p>
-          <a:p>
-            <a:pPr lvl="1"/>
-            <a:r>
-              <a:rPr lang="de-DE" sz="1600" dirty="0"/>
-              <a:t>	- On-Prem </a:t>
-            </a:r>
-            <a:r>
-              <a:rPr lang="de-DE" sz="1600" dirty="0" err="1"/>
-              <a:t>ChatGPT</a:t>
-            </a:r>
-            <a:endParaRPr lang="de-DE" sz="1600" dirty="0"/>
-          </a:p>
-          <a:p>
-            <a:r>
-              <a:rPr lang="de-DE" sz="1600" dirty="0"/>
-              <a:t>	</a:t>
-            </a:r>
-            <a:r>
-              <a:rPr lang="de-DE" sz="1600" dirty="0" err="1"/>
-              <a:t>Moodle</a:t>
-            </a:r>
-            <a:r>
-              <a:rPr lang="de-DE" sz="1600" dirty="0"/>
-              <a:t>:</a:t>
-            </a:r>
-          </a:p>
-          <a:p>
-            <a:r>
-              <a:rPr lang="de-DE" sz="1600" dirty="0"/>
-              <a:t>	- Include Modules in </a:t>
-            </a:r>
-            <a:r>
-              <a:rPr lang="de-DE" sz="1600" dirty="0" err="1"/>
-              <a:t>Moodle</a:t>
-            </a:r>
-            <a:r>
-              <a:rPr lang="de-DE" sz="1600" dirty="0"/>
-              <a:t> </a:t>
-            </a:r>
-            <a:r>
-              <a:rPr lang="de-DE" sz="1600" dirty="0" err="1"/>
-              <a:t>using</a:t>
-            </a:r>
-            <a:r>
-              <a:rPr lang="de-DE" sz="1600" dirty="0"/>
-              <a:t> </a:t>
-            </a:r>
-            <a:r>
-              <a:rPr lang="de-DE" sz="1600" dirty="0" err="1"/>
-              <a:t>Iframes</a:t>
-            </a:r>
-            <a:r>
-              <a:rPr lang="de-DE" sz="1600" dirty="0"/>
-              <a:t> (</a:t>
-            </a:r>
-            <a:r>
-              <a:rPr lang="de-DE" sz="1600" dirty="0" err="1"/>
-              <a:t>for</a:t>
-            </a:r>
-            <a:r>
-              <a:rPr lang="de-DE" sz="1600" dirty="0"/>
-              <a:t> Chat/Meeting, </a:t>
-            </a:r>
-            <a:r>
-              <a:rPr lang="de-DE" sz="1600" dirty="0" err="1"/>
-              <a:t>Timetable</a:t>
-            </a:r>
-            <a:r>
-              <a:rPr lang="de-DE" sz="1600" dirty="0"/>
-              <a:t>, </a:t>
-            </a:r>
-            <a:r>
-              <a:rPr lang="de-DE" sz="1600" dirty="0" err="1"/>
-              <a:t>Gitlab</a:t>
-            </a:r>
-            <a:r>
-              <a:rPr lang="de-DE" sz="1600" dirty="0"/>
-              <a:t>, Wiki, </a:t>
-            </a:r>
-            <a:r>
-              <a:rPr lang="de-DE" sz="1600" dirty="0" err="1"/>
-              <a:t>ChatGPT</a:t>
-            </a:r>
-            <a:r>
-              <a:rPr lang="de-DE" sz="1600" dirty="0"/>
-              <a:t> </a:t>
-            </a:r>
-            <a:r>
-              <a:rPr lang="de-DE" sz="1600" dirty="0" err="1"/>
-              <a:t>app</a:t>
-            </a:r>
-            <a:r>
-              <a:rPr lang="de-DE" sz="1600" dirty="0"/>
-              <a:t> etc.)</a:t>
-            </a:r>
-          </a:p>
-          <a:p>
-            <a:r>
-              <a:rPr lang="de-DE" sz="1600" dirty="0"/>
-              <a:t>		</a:t>
-            </a:r>
-          </a:p>
-          <a:p>
-            <a:r>
-              <a:rPr lang="de-DE" sz="1600" dirty="0"/>
-              <a:t>The </a:t>
-            </a:r>
-            <a:r>
-              <a:rPr lang="de-DE" sz="1600" dirty="0" err="1"/>
-              <a:t>Critic</a:t>
-            </a:r>
-            <a:r>
-              <a:rPr lang="de-DE" sz="1600" dirty="0"/>
-              <a:t>:</a:t>
-            </a:r>
-          </a:p>
-          <a:p>
-            <a:r>
-              <a:rPr lang="de-DE" sz="1600" dirty="0"/>
-              <a:t>	</a:t>
-            </a:r>
-            <a:r>
-              <a:rPr lang="de-DE" sz="1600" dirty="0" err="1"/>
-              <a:t>ChatGPT</a:t>
-            </a:r>
-            <a:r>
-              <a:rPr lang="de-DE" sz="1600" dirty="0"/>
-              <a:t>:</a:t>
-            </a:r>
-          </a:p>
-          <a:p>
-            <a:r>
-              <a:rPr lang="de-DE" sz="1600" dirty="0"/>
-              <a:t>	- Needs </a:t>
-            </a:r>
-            <a:r>
-              <a:rPr lang="de-DE" sz="1600" dirty="0" err="1"/>
-              <a:t>too</a:t>
-            </a:r>
-            <a:r>
-              <a:rPr lang="de-DE" sz="1600" dirty="0"/>
-              <a:t> </a:t>
-            </a:r>
-            <a:r>
-              <a:rPr lang="de-DE" sz="1600" dirty="0" err="1"/>
-              <a:t>much</a:t>
-            </a:r>
-            <a:r>
-              <a:rPr lang="de-DE" sz="1600" dirty="0"/>
-              <a:t> power/</a:t>
-            </a:r>
-            <a:r>
-              <a:rPr lang="de-DE" sz="1600" dirty="0" err="1"/>
-              <a:t>too</a:t>
-            </a:r>
-            <a:r>
-              <a:rPr lang="de-DE" sz="1600" dirty="0"/>
-              <a:t> </a:t>
-            </a:r>
-            <a:r>
-              <a:rPr lang="de-DE" sz="1600" dirty="0" err="1"/>
-              <a:t>many</a:t>
-            </a:r>
-            <a:r>
-              <a:rPr lang="de-DE" sz="1600" dirty="0"/>
-              <a:t> </a:t>
-            </a:r>
-            <a:r>
-              <a:rPr lang="de-DE" sz="1600" dirty="0" err="1"/>
-              <a:t>hardware</a:t>
-            </a:r>
-            <a:r>
-              <a:rPr lang="de-DE" sz="1600" dirty="0"/>
-              <a:t> </a:t>
-            </a:r>
-            <a:r>
-              <a:rPr lang="de-DE" sz="1600" dirty="0" err="1"/>
-              <a:t>ressources</a:t>
-            </a:r>
-            <a:endParaRPr lang="de-DE" sz="1600" dirty="0"/>
-          </a:p>
-          <a:p>
-            <a:r>
-              <a:rPr lang="de-DE" sz="1600" dirty="0"/>
-              <a:t>	- High power </a:t>
-            </a:r>
-            <a:r>
-              <a:rPr lang="de-DE" sz="1600" dirty="0" err="1"/>
-              <a:t>usage</a:t>
-            </a:r>
-            <a:r>
-              <a:rPr lang="de-DE" sz="1600" dirty="0"/>
-              <a:t> = high CO2 </a:t>
-            </a:r>
-            <a:r>
-              <a:rPr lang="de-DE" sz="1600" dirty="0" err="1"/>
-              <a:t>exhaustions</a:t>
-            </a:r>
-            <a:endParaRPr lang="de-DE" sz="1600" dirty="0"/>
-          </a:p>
-          <a:p>
-            <a:r>
-              <a:rPr lang="de-DE" sz="1600" dirty="0"/>
-              <a:t>	Wiki:</a:t>
-            </a:r>
-          </a:p>
-          <a:p>
-            <a:r>
-              <a:rPr lang="de-DE" sz="1600" dirty="0"/>
-              <a:t>	- Teachers </a:t>
-            </a:r>
-            <a:r>
-              <a:rPr lang="de-DE" sz="1600" dirty="0" err="1"/>
-              <a:t>need</a:t>
-            </a:r>
-            <a:r>
-              <a:rPr lang="de-DE" sz="1600" dirty="0"/>
-              <a:t> to check </a:t>
-            </a:r>
-            <a:r>
-              <a:rPr lang="de-DE" sz="1600" dirty="0" err="1"/>
-              <a:t>content</a:t>
-            </a:r>
-            <a:r>
-              <a:rPr lang="de-DE" sz="1600" dirty="0"/>
-              <a:t> </a:t>
-            </a:r>
-            <a:r>
-              <a:rPr lang="de-DE" sz="1600" dirty="0" err="1"/>
-              <a:t>contributed</a:t>
-            </a:r>
-            <a:r>
-              <a:rPr lang="de-DE" sz="1600" dirty="0"/>
-              <a:t> </a:t>
-            </a:r>
-            <a:r>
-              <a:rPr lang="de-DE" sz="1600" dirty="0" err="1"/>
-              <a:t>by</a:t>
-            </a:r>
-            <a:r>
-              <a:rPr lang="de-DE" sz="1600" dirty="0"/>
-              <a:t> </a:t>
-            </a:r>
-            <a:r>
-              <a:rPr lang="de-DE" sz="1600" dirty="0" err="1"/>
-              <a:t>students</a:t>
-            </a:r>
-            <a:endParaRPr lang="de-DE" sz="1600" dirty="0"/>
-          </a:p>
-          <a:p>
-            <a:r>
-              <a:rPr lang="de-DE" dirty="0"/>
-              <a:t>	</a:t>
-            </a:r>
-          </a:p>
-        </p:txBody>
-      </p:sp>
-      <p:sp>
-        <p:nvSpPr>
-          <p:cNvPr id="3" name="TextBox 2">
-            <a:extLst>
-              <a:ext uri="{FF2B5EF4-FFF2-40B4-BE49-F238E27FC236}">
-                <a16:creationId xmlns:a16="http://schemas.microsoft.com/office/drawing/2014/main" id="{8C33EB48-5F85-2B6E-4890-ECFE9AC13B48}"/>
-              </a:ext>
-            </a:extLst>
-          </p:cNvPr>
-          <p:cNvSpPr txBox="1"/>
-          <p:nvPr/>
-        </p:nvSpPr>
-        <p:spPr>
-          <a:xfrm>
-            <a:off x="1803400" y="228600"/>
-            <a:ext cx="9017000" cy="707886"/>
-          </a:xfrm>
-          <a:prstGeom prst="rect">
-            <a:avLst/>
-          </a:prstGeom>
-          <a:noFill/>
-        </p:spPr>
-        <p:txBody>
-          <a:bodyPr wrap="square" rtlCol="0">
-            <a:spAutoFit/>
-          </a:bodyPr>
-          <a:lstStyle/>
-          <a:p>
-            <a:pPr algn="ctr"/>
-            <a:r>
-              <a:rPr lang="de-DE" sz="4000" dirty="0">
-                <a:latin typeface="+mj-lt"/>
-              </a:rPr>
-              <a:t>Walt Disney Method</a:t>
-            </a:r>
-          </a:p>
-        </p:txBody>
-      </p:sp>
-    </p:spTree>
-    <p:extLst>
-      <p:ext uri="{BB962C8B-B14F-4D97-AF65-F5344CB8AC3E}">
-        <p14:creationId xmlns:p14="http://schemas.microsoft.com/office/powerpoint/2010/main" val="767207952"/>
       </p:ext>
     </p:extLst>
   </p:cSld>
@@ -20196,6 +21542,40 @@
     </a:fmtScheme>
   </a:themeElements>
   <a:objectDefaults>
+    <a:spDef>
+      <a:spPr>
+        <a:solidFill>
+          <a:schemeClr val="bg1"/>
+        </a:solidFill>
+        <a:ln w="38100">
+          <a:solidFill>
+            <a:schemeClr val="accent1"/>
+          </a:solidFill>
+        </a:ln>
+      </a:spPr>
+      <a:bodyPr rtlCol="0" anchor="ctr"/>
+      <a:lstStyle>
+        <a:defPPr algn="ctr">
+          <a:defRPr/>
+        </a:defPPr>
+      </a:lstStyle>
+      <a:style>
+        <a:lnRef idx="2">
+          <a:schemeClr val="accent1">
+            <a:shade val="50000"/>
+          </a:schemeClr>
+        </a:lnRef>
+        <a:fillRef idx="1">
+          <a:schemeClr val="accent1"/>
+        </a:fillRef>
+        <a:effectRef idx="0">
+          <a:schemeClr val="accent1"/>
+        </a:effectRef>
+        <a:fontRef idx="minor">
+          <a:schemeClr val="lt1"/>
+        </a:fontRef>
+      </a:style>
+    </a:spDef>
     <a:lnDef>
       <a:spPr>
         <a:ln>
